--- a/Monte Carlo Simulation.pptx
+++ b/Monte Carlo Simulation.pptx
@@ -2,7 +2,7 @@
 <file path=ppt/presentation.xml><?xml version="1.0" encoding="utf-8"?>
 <p:presentation xmlns:a="http://schemas.openxmlformats.org/drawingml/2006/main" xmlns:r="http://schemas.openxmlformats.org/officeDocument/2006/relationships" xmlns:p="http://schemas.openxmlformats.org/presentationml/2006/main" saveSubsetFonts="1">
   <p:sldMasterIdLst>
-    <p:sldMasterId id="2147483648" r:id="rId1"/>
+    <p:sldMasterId id="2147483660" r:id="rId1"/>
   </p:sldMasterIdLst>
   <p:sldIdLst>
     <p:sldId id="256" r:id="rId2"/>
@@ -19,7 +19,7 @@
     <a:defPPr>
       <a:defRPr lang="en-US"/>
     </a:defPPr>
-    <a:lvl1pPr marL="0" algn="l" defTabSz="914400" rtl="0" eaLnBrk="1" latinLnBrk="0" hangingPunct="1">
+    <a:lvl1pPr marL="0" algn="l" defTabSz="457200" rtl="0" eaLnBrk="1" latinLnBrk="0" hangingPunct="1">
       <a:defRPr sz="1800" kern="1200">
         <a:solidFill>
           <a:schemeClr val="tx1"/>
@@ -29,7 +29,7 @@
         <a:cs typeface="+mn-cs"/>
       </a:defRPr>
     </a:lvl1pPr>
-    <a:lvl2pPr marL="457200" algn="l" defTabSz="914400" rtl="0" eaLnBrk="1" latinLnBrk="0" hangingPunct="1">
+    <a:lvl2pPr marL="457200" algn="l" defTabSz="457200" rtl="0" eaLnBrk="1" latinLnBrk="0" hangingPunct="1">
       <a:defRPr sz="1800" kern="1200">
         <a:solidFill>
           <a:schemeClr val="tx1"/>
@@ -39,7 +39,7 @@
         <a:cs typeface="+mn-cs"/>
       </a:defRPr>
     </a:lvl2pPr>
-    <a:lvl3pPr marL="914400" algn="l" defTabSz="914400" rtl="0" eaLnBrk="1" latinLnBrk="0" hangingPunct="1">
+    <a:lvl3pPr marL="914400" algn="l" defTabSz="457200" rtl="0" eaLnBrk="1" latinLnBrk="0" hangingPunct="1">
       <a:defRPr sz="1800" kern="1200">
         <a:solidFill>
           <a:schemeClr val="tx1"/>
@@ -49,7 +49,7 @@
         <a:cs typeface="+mn-cs"/>
       </a:defRPr>
     </a:lvl3pPr>
-    <a:lvl4pPr marL="1371600" algn="l" defTabSz="914400" rtl="0" eaLnBrk="1" latinLnBrk="0" hangingPunct="1">
+    <a:lvl4pPr marL="1371600" algn="l" defTabSz="457200" rtl="0" eaLnBrk="1" latinLnBrk="0" hangingPunct="1">
       <a:defRPr sz="1800" kern="1200">
         <a:solidFill>
           <a:schemeClr val="tx1"/>
@@ -59,7 +59,7 @@
         <a:cs typeface="+mn-cs"/>
       </a:defRPr>
     </a:lvl4pPr>
-    <a:lvl5pPr marL="1828800" algn="l" defTabSz="914400" rtl="0" eaLnBrk="1" latinLnBrk="0" hangingPunct="1">
+    <a:lvl5pPr marL="1828800" algn="l" defTabSz="457200" rtl="0" eaLnBrk="1" latinLnBrk="0" hangingPunct="1">
       <a:defRPr sz="1800" kern="1200">
         <a:solidFill>
           <a:schemeClr val="tx1"/>
@@ -69,7 +69,7 @@
         <a:cs typeface="+mn-cs"/>
       </a:defRPr>
     </a:lvl5pPr>
-    <a:lvl6pPr marL="2286000" algn="l" defTabSz="914400" rtl="0" eaLnBrk="1" latinLnBrk="0" hangingPunct="1">
+    <a:lvl6pPr marL="2286000" algn="l" defTabSz="457200" rtl="0" eaLnBrk="1" latinLnBrk="0" hangingPunct="1">
       <a:defRPr sz="1800" kern="1200">
         <a:solidFill>
           <a:schemeClr val="tx1"/>
@@ -79,7 +79,7 @@
         <a:cs typeface="+mn-cs"/>
       </a:defRPr>
     </a:lvl6pPr>
-    <a:lvl7pPr marL="2743200" algn="l" defTabSz="914400" rtl="0" eaLnBrk="1" latinLnBrk="0" hangingPunct="1">
+    <a:lvl7pPr marL="2743200" algn="l" defTabSz="457200" rtl="0" eaLnBrk="1" latinLnBrk="0" hangingPunct="1">
       <a:defRPr sz="1800" kern="1200">
         <a:solidFill>
           <a:schemeClr val="tx1"/>
@@ -89,7 +89,7 @@
         <a:cs typeface="+mn-cs"/>
       </a:defRPr>
     </a:lvl7pPr>
-    <a:lvl8pPr marL="3200400" algn="l" defTabSz="914400" rtl="0" eaLnBrk="1" latinLnBrk="0" hangingPunct="1">
+    <a:lvl8pPr marL="3200400" algn="l" defTabSz="457200" rtl="0" eaLnBrk="1" latinLnBrk="0" hangingPunct="1">
       <a:defRPr sz="1800" kern="1200">
         <a:solidFill>
           <a:schemeClr val="tx1"/>
@@ -99,7 +99,7 @@
         <a:cs typeface="+mn-cs"/>
       </a:defRPr>
     </a:lvl8pPr>
-    <a:lvl9pPr marL="3657600" algn="l" defTabSz="914400" rtl="0" eaLnBrk="1" latinLnBrk="0" hangingPunct="1">
+    <a:lvl9pPr marL="3657600" algn="l" defTabSz="457200" rtl="0" eaLnBrk="1" latinLnBrk="0" hangingPunct="1">
       <a:defRPr sz="1800" kern="1200">
         <a:solidFill>
           <a:schemeClr val="tx1"/>
@@ -114,7 +114,7 @@
 </file>
 
 <file path=ppt/slideLayouts/slideLayout1.xml><?xml version="1.0" encoding="utf-8"?>
-<p:sldLayout xmlns:a="http://schemas.openxmlformats.org/drawingml/2006/main" xmlns:r="http://schemas.openxmlformats.org/officeDocument/2006/relationships" xmlns:p="http://schemas.openxmlformats.org/presentationml/2006/main" type="title" preserve="1">
+<p:sldLayout xmlns:a="http://schemas.openxmlformats.org/drawingml/2006/main" xmlns:r="http://schemas.openxmlformats.org/officeDocument/2006/relationships" xmlns:p="http://schemas.openxmlformats.org/presentationml/2006/main" showMasterSp="0" type="title" preserve="1">
   <p:cSld name="Title Slide">
     <p:spTree>
       <p:nvGrpSpPr>
@@ -130,15 +130,539 @@
           <a:chExt cx="0" cy="0"/>
         </a:xfrm>
       </p:grpSpPr>
-      <p:sp>
-        <p:nvSpPr>
-          <p:cNvPr id="2" name="Title 1">
-            <a:extLst>
-              <a:ext uri="{FF2B5EF4-FFF2-40B4-BE49-F238E27FC236}">
-                <a16:creationId xmlns:a16="http://schemas.microsoft.com/office/drawing/2014/main" id="{3DC8A997-3B7E-4895-B119-DAC4852668B4}"/>
-              </a:ext>
-            </a:extLst>
-          </p:cNvPr>
+      <p:grpSp>
+        <p:nvGrpSpPr>
+          <p:cNvPr id="7" name="Group 6"/>
+          <p:cNvGrpSpPr/>
+          <p:nvPr/>
+        </p:nvGrpSpPr>
+        <p:grpSpPr>
+          <a:xfrm>
+            <a:off x="0" y="-8467"/>
+            <a:ext cx="12192000" cy="6866467"/>
+            <a:chOff x="0" y="-8467"/>
+            <a:chExt cx="12192000" cy="6866467"/>
+          </a:xfrm>
+        </p:grpSpPr>
+        <p:cxnSp>
+          <p:nvCxnSpPr>
+            <p:cNvPr id="32" name="Straight Connector 31"/>
+            <p:cNvCxnSpPr/>
+            <p:nvPr/>
+          </p:nvCxnSpPr>
+          <p:spPr>
+            <a:xfrm>
+              <a:off x="9371012" y="0"/>
+              <a:ext cx="1219200" cy="6858000"/>
+            </a:xfrm>
+            <a:prstGeom prst="line">
+              <a:avLst/>
+            </a:prstGeom>
+            <a:ln w="9525">
+              <a:solidFill>
+                <a:schemeClr val="bg1">
+                  <a:lumMod val="75000"/>
+                </a:schemeClr>
+              </a:solidFill>
+            </a:ln>
+          </p:spPr>
+          <p:style>
+            <a:lnRef idx="2">
+              <a:schemeClr val="accent1"/>
+            </a:lnRef>
+            <a:fillRef idx="0">
+              <a:schemeClr val="accent1"/>
+            </a:fillRef>
+            <a:effectRef idx="1">
+              <a:schemeClr val="accent1"/>
+            </a:effectRef>
+            <a:fontRef idx="minor">
+              <a:schemeClr val="tx1"/>
+            </a:fontRef>
+          </p:style>
+        </p:cxnSp>
+        <p:cxnSp>
+          <p:nvCxnSpPr>
+            <p:cNvPr id="21" name="Straight Connector 20"/>
+            <p:cNvCxnSpPr/>
+            <p:nvPr/>
+          </p:nvCxnSpPr>
+          <p:spPr>
+            <a:xfrm flipH="1">
+              <a:off x="7425267" y="3681413"/>
+              <a:ext cx="4763558" cy="3176587"/>
+            </a:xfrm>
+            <a:prstGeom prst="line">
+              <a:avLst/>
+            </a:prstGeom>
+            <a:ln w="9525">
+              <a:solidFill>
+                <a:schemeClr val="bg1">
+                  <a:lumMod val="85000"/>
+                </a:schemeClr>
+              </a:solidFill>
+            </a:ln>
+          </p:spPr>
+          <p:style>
+            <a:lnRef idx="2">
+              <a:schemeClr val="accent1"/>
+            </a:lnRef>
+            <a:fillRef idx="0">
+              <a:schemeClr val="accent1"/>
+            </a:fillRef>
+            <a:effectRef idx="1">
+              <a:schemeClr val="accent1"/>
+            </a:effectRef>
+            <a:fontRef idx="minor">
+              <a:schemeClr val="tx1"/>
+            </a:fontRef>
+          </p:style>
+        </p:cxnSp>
+        <p:sp>
+          <p:nvSpPr>
+            <p:cNvPr id="24" name="Rectangle 23"/>
+            <p:cNvSpPr/>
+            <p:nvPr/>
+          </p:nvSpPr>
+          <p:spPr>
+            <a:xfrm>
+              <a:off x="9181476" y="-8467"/>
+              <a:ext cx="3007349" cy="6866467"/>
+            </a:xfrm>
+            <a:custGeom>
+              <a:avLst/>
+              <a:gdLst/>
+              <a:ahLst/>
+              <a:cxnLst/>
+              <a:rect l="l" t="t" r="r" b="b"/>
+              <a:pathLst>
+                <a:path w="3007349" h="6866467">
+                  <a:moveTo>
+                    <a:pt x="2045532" y="0"/>
+                  </a:moveTo>
+                  <a:lnTo>
+                    <a:pt x="3007349" y="0"/>
+                  </a:lnTo>
+                  <a:lnTo>
+                    <a:pt x="3007349" y="6866467"/>
+                  </a:lnTo>
+                  <a:lnTo>
+                    <a:pt x="0" y="6866467"/>
+                  </a:lnTo>
+                  <a:lnTo>
+                    <a:pt x="2045532" y="0"/>
+                  </a:lnTo>
+                  <a:close/>
+                </a:path>
+              </a:pathLst>
+            </a:custGeom>
+            <a:solidFill>
+              <a:schemeClr val="accent1">
+                <a:alpha val="30000"/>
+              </a:schemeClr>
+            </a:solidFill>
+            <a:ln>
+              <a:noFill/>
+            </a:ln>
+            <a:effectLst/>
+          </p:spPr>
+          <p:style>
+            <a:lnRef idx="1">
+              <a:schemeClr val="accent1"/>
+            </a:lnRef>
+            <a:fillRef idx="3">
+              <a:schemeClr val="accent1"/>
+            </a:fillRef>
+            <a:effectRef idx="2">
+              <a:schemeClr val="accent1"/>
+            </a:effectRef>
+            <a:fontRef idx="minor">
+              <a:schemeClr val="lt1"/>
+            </a:fontRef>
+          </p:style>
+        </p:sp>
+        <p:sp>
+          <p:nvSpPr>
+            <p:cNvPr id="26" name="Rectangle 25"/>
+            <p:cNvSpPr/>
+            <p:nvPr/>
+          </p:nvSpPr>
+          <p:spPr>
+            <a:xfrm>
+              <a:off x="9603442" y="-8467"/>
+              <a:ext cx="2588558" cy="6866467"/>
+            </a:xfrm>
+            <a:custGeom>
+              <a:avLst/>
+              <a:gdLst/>
+              <a:ahLst/>
+              <a:cxnLst/>
+              <a:rect l="l" t="t" r="r" b="b"/>
+              <a:pathLst>
+                <a:path w="2573311" h="6866467">
+                  <a:moveTo>
+                    <a:pt x="0" y="0"/>
+                  </a:moveTo>
+                  <a:lnTo>
+                    <a:pt x="2573311" y="0"/>
+                  </a:lnTo>
+                  <a:lnTo>
+                    <a:pt x="2573311" y="6866467"/>
+                  </a:lnTo>
+                  <a:lnTo>
+                    <a:pt x="1202336" y="6866467"/>
+                  </a:lnTo>
+                  <a:lnTo>
+                    <a:pt x="0" y="0"/>
+                  </a:lnTo>
+                  <a:close/>
+                </a:path>
+              </a:pathLst>
+            </a:custGeom>
+            <a:solidFill>
+              <a:schemeClr val="accent1">
+                <a:alpha val="20000"/>
+              </a:schemeClr>
+            </a:solidFill>
+            <a:ln>
+              <a:noFill/>
+            </a:ln>
+            <a:effectLst/>
+          </p:spPr>
+          <p:style>
+            <a:lnRef idx="1">
+              <a:schemeClr val="accent1"/>
+            </a:lnRef>
+            <a:fillRef idx="3">
+              <a:schemeClr val="accent1"/>
+            </a:fillRef>
+            <a:effectRef idx="2">
+              <a:schemeClr val="accent1"/>
+            </a:effectRef>
+            <a:fontRef idx="minor">
+              <a:schemeClr val="lt1"/>
+            </a:fontRef>
+          </p:style>
+        </p:sp>
+        <p:sp>
+          <p:nvSpPr>
+            <p:cNvPr id="27" name="Isosceles Triangle 26"/>
+            <p:cNvSpPr/>
+            <p:nvPr/>
+          </p:nvSpPr>
+          <p:spPr>
+            <a:xfrm>
+              <a:off x="8932333" y="3048000"/>
+              <a:ext cx="3259667" cy="3810000"/>
+            </a:xfrm>
+            <a:prstGeom prst="triangle">
+              <a:avLst>
+                <a:gd name="adj" fmla="val 100000"/>
+              </a:avLst>
+            </a:prstGeom>
+            <a:solidFill>
+              <a:schemeClr val="accent2">
+                <a:alpha val="72000"/>
+              </a:schemeClr>
+            </a:solidFill>
+            <a:ln>
+              <a:noFill/>
+            </a:ln>
+            <a:effectLst/>
+          </p:spPr>
+          <p:style>
+            <a:lnRef idx="1">
+              <a:schemeClr val="accent1"/>
+            </a:lnRef>
+            <a:fillRef idx="3">
+              <a:schemeClr val="accent1"/>
+            </a:fillRef>
+            <a:effectRef idx="2">
+              <a:schemeClr val="accent1"/>
+            </a:effectRef>
+            <a:fontRef idx="minor">
+              <a:schemeClr val="lt1"/>
+            </a:fontRef>
+          </p:style>
+        </p:sp>
+        <p:sp>
+          <p:nvSpPr>
+            <p:cNvPr id="28" name="Rectangle 27"/>
+            <p:cNvSpPr/>
+            <p:nvPr/>
+          </p:nvSpPr>
+          <p:spPr>
+            <a:xfrm>
+              <a:off x="9334500" y="-8467"/>
+              <a:ext cx="2854326" cy="6866467"/>
+            </a:xfrm>
+            <a:custGeom>
+              <a:avLst/>
+              <a:gdLst/>
+              <a:ahLst/>
+              <a:cxnLst/>
+              <a:rect l="l" t="t" r="r" b="b"/>
+              <a:pathLst>
+                <a:path w="2858013" h="6866467">
+                  <a:moveTo>
+                    <a:pt x="0" y="0"/>
+                  </a:moveTo>
+                  <a:lnTo>
+                    <a:pt x="2858013" y="0"/>
+                  </a:lnTo>
+                  <a:lnTo>
+                    <a:pt x="2858013" y="6866467"/>
+                  </a:lnTo>
+                  <a:lnTo>
+                    <a:pt x="2473942" y="6866467"/>
+                  </a:lnTo>
+                  <a:lnTo>
+                    <a:pt x="0" y="0"/>
+                  </a:lnTo>
+                  <a:close/>
+                </a:path>
+              </a:pathLst>
+            </a:custGeom>
+            <a:solidFill>
+              <a:schemeClr val="accent2">
+                <a:lumMod val="75000"/>
+                <a:alpha val="70000"/>
+              </a:schemeClr>
+            </a:solidFill>
+            <a:ln>
+              <a:noFill/>
+            </a:ln>
+            <a:effectLst/>
+          </p:spPr>
+          <p:style>
+            <a:lnRef idx="1">
+              <a:schemeClr val="accent1"/>
+            </a:lnRef>
+            <a:fillRef idx="3">
+              <a:schemeClr val="accent1"/>
+            </a:fillRef>
+            <a:effectRef idx="2">
+              <a:schemeClr val="accent1"/>
+            </a:effectRef>
+            <a:fontRef idx="minor">
+              <a:schemeClr val="lt1"/>
+            </a:fontRef>
+          </p:style>
+        </p:sp>
+        <p:sp>
+          <p:nvSpPr>
+            <p:cNvPr id="29" name="Rectangle 28"/>
+            <p:cNvSpPr/>
+            <p:nvPr/>
+          </p:nvSpPr>
+          <p:spPr>
+            <a:xfrm>
+              <a:off x="10898730" y="-8467"/>
+              <a:ext cx="1290094" cy="6866467"/>
+            </a:xfrm>
+            <a:custGeom>
+              <a:avLst/>
+              <a:gdLst/>
+              <a:ahLst/>
+              <a:cxnLst/>
+              <a:rect l="l" t="t" r="r" b="b"/>
+              <a:pathLst>
+                <a:path w="1290094" h="6858000">
+                  <a:moveTo>
+                    <a:pt x="1019735" y="0"/>
+                  </a:moveTo>
+                  <a:lnTo>
+                    <a:pt x="1290094" y="0"/>
+                  </a:lnTo>
+                  <a:lnTo>
+                    <a:pt x="1290094" y="6858000"/>
+                  </a:lnTo>
+                  <a:lnTo>
+                    <a:pt x="0" y="6858000"/>
+                  </a:lnTo>
+                  <a:lnTo>
+                    <a:pt x="1019735" y="0"/>
+                  </a:lnTo>
+                  <a:close/>
+                </a:path>
+              </a:pathLst>
+            </a:custGeom>
+            <a:solidFill>
+              <a:schemeClr val="accent1">
+                <a:lumMod val="60000"/>
+                <a:lumOff val="40000"/>
+                <a:alpha val="70000"/>
+              </a:schemeClr>
+            </a:solidFill>
+            <a:ln>
+              <a:noFill/>
+            </a:ln>
+            <a:effectLst/>
+          </p:spPr>
+          <p:style>
+            <a:lnRef idx="1">
+              <a:schemeClr val="accent1"/>
+            </a:lnRef>
+            <a:fillRef idx="3">
+              <a:schemeClr val="accent1"/>
+            </a:fillRef>
+            <a:effectRef idx="2">
+              <a:schemeClr val="accent1"/>
+            </a:effectRef>
+            <a:fontRef idx="minor">
+              <a:schemeClr val="lt1"/>
+            </a:fontRef>
+          </p:style>
+        </p:sp>
+        <p:sp>
+          <p:nvSpPr>
+            <p:cNvPr id="30" name="Rectangle 29"/>
+            <p:cNvSpPr/>
+            <p:nvPr/>
+          </p:nvSpPr>
+          <p:spPr>
+            <a:xfrm>
+              <a:off x="10938999" y="-8467"/>
+              <a:ext cx="1249825" cy="6866467"/>
+            </a:xfrm>
+            <a:custGeom>
+              <a:avLst/>
+              <a:gdLst/>
+              <a:ahLst/>
+              <a:cxnLst/>
+              <a:rect l="l" t="t" r="r" b="b"/>
+              <a:pathLst>
+                <a:path w="1249825" h="6858000">
+                  <a:moveTo>
+                    <a:pt x="0" y="0"/>
+                  </a:moveTo>
+                  <a:lnTo>
+                    <a:pt x="1249825" y="0"/>
+                  </a:lnTo>
+                  <a:lnTo>
+                    <a:pt x="1249825" y="6858000"/>
+                  </a:lnTo>
+                  <a:lnTo>
+                    <a:pt x="1109382" y="6858000"/>
+                  </a:lnTo>
+                  <a:lnTo>
+                    <a:pt x="0" y="0"/>
+                  </a:lnTo>
+                  <a:close/>
+                </a:path>
+              </a:pathLst>
+            </a:custGeom>
+            <a:solidFill>
+              <a:schemeClr val="accent1">
+                <a:alpha val="65000"/>
+              </a:schemeClr>
+            </a:solidFill>
+            <a:ln>
+              <a:noFill/>
+            </a:ln>
+            <a:effectLst/>
+          </p:spPr>
+          <p:style>
+            <a:lnRef idx="1">
+              <a:schemeClr val="accent1"/>
+            </a:lnRef>
+            <a:fillRef idx="3">
+              <a:schemeClr val="accent1"/>
+            </a:fillRef>
+            <a:effectRef idx="2">
+              <a:schemeClr val="accent1"/>
+            </a:effectRef>
+            <a:fontRef idx="minor">
+              <a:schemeClr val="lt1"/>
+            </a:fontRef>
+          </p:style>
+        </p:sp>
+        <p:sp>
+          <p:nvSpPr>
+            <p:cNvPr id="31" name="Isosceles Triangle 30"/>
+            <p:cNvSpPr/>
+            <p:nvPr/>
+          </p:nvSpPr>
+          <p:spPr>
+            <a:xfrm>
+              <a:off x="10371666" y="3589867"/>
+              <a:ext cx="1817159" cy="3268133"/>
+            </a:xfrm>
+            <a:prstGeom prst="triangle">
+              <a:avLst>
+                <a:gd name="adj" fmla="val 100000"/>
+              </a:avLst>
+            </a:prstGeom>
+            <a:solidFill>
+              <a:schemeClr val="accent1">
+                <a:alpha val="80000"/>
+              </a:schemeClr>
+            </a:solidFill>
+            <a:ln>
+              <a:noFill/>
+            </a:ln>
+            <a:effectLst/>
+          </p:spPr>
+          <p:style>
+            <a:lnRef idx="1">
+              <a:schemeClr val="accent1"/>
+            </a:lnRef>
+            <a:fillRef idx="3">
+              <a:schemeClr val="accent1"/>
+            </a:fillRef>
+            <a:effectRef idx="2">
+              <a:schemeClr val="accent1"/>
+            </a:effectRef>
+            <a:fontRef idx="minor">
+              <a:schemeClr val="lt1"/>
+            </a:fontRef>
+          </p:style>
+        </p:sp>
+        <p:sp>
+          <p:nvSpPr>
+            <p:cNvPr id="19" name="Isosceles Triangle 18"/>
+            <p:cNvSpPr/>
+            <p:nvPr/>
+          </p:nvSpPr>
+          <p:spPr>
+            <a:xfrm rot="10800000">
+              <a:off x="0" y="0"/>
+              <a:ext cx="842596" cy="5666154"/>
+            </a:xfrm>
+            <a:prstGeom prst="triangle">
+              <a:avLst>
+                <a:gd name="adj" fmla="val 100000"/>
+              </a:avLst>
+            </a:prstGeom>
+            <a:solidFill>
+              <a:schemeClr val="accent1">
+                <a:alpha val="85000"/>
+              </a:schemeClr>
+            </a:solidFill>
+            <a:ln>
+              <a:noFill/>
+            </a:ln>
+            <a:effectLst/>
+          </p:spPr>
+          <p:style>
+            <a:lnRef idx="1">
+              <a:schemeClr val="accent1"/>
+            </a:lnRef>
+            <a:fillRef idx="3">
+              <a:schemeClr val="accent1"/>
+            </a:fillRef>
+            <a:effectRef idx="2">
+              <a:schemeClr val="accent1"/>
+            </a:effectRef>
+            <a:fontRef idx="minor">
+              <a:schemeClr val="lt1"/>
+            </a:fontRef>
+          </p:style>
+        </p:sp>
+      </p:grpSp>
+      <p:sp>
+        <p:nvSpPr>
+          <p:cNvPr id="2" name="Title 1"/>
           <p:cNvSpPr>
             <a:spLocks noGrp="1"/>
           </p:cNvSpPr>
@@ -148,15 +672,21 @@
         </p:nvSpPr>
         <p:spPr>
           <a:xfrm>
-            <a:off x="1524000" y="1122363"/>
-            <a:ext cx="9144000" cy="2387600"/>
+            <a:off x="1507067" y="2404534"/>
+            <a:ext cx="7766936" cy="1646302"/>
           </a:xfrm>
         </p:spPr>
         <p:txBody>
-          <a:bodyPr anchor="b"/>
+          <a:bodyPr anchor="b">
+            <a:noAutofit/>
+          </a:bodyPr>
           <a:lstStyle>
-            <a:lvl1pPr algn="ctr">
-              <a:defRPr sz="6000"/>
+            <a:lvl1pPr algn="r">
+              <a:defRPr sz="5400">
+                <a:solidFill>
+                  <a:schemeClr val="accent1"/>
+                </a:solidFill>
+              </a:defRPr>
             </a:lvl1pPr>
           </a:lstStyle>
           <a:p>
@@ -164,18 +694,13 @@
               <a:rPr lang="en-US"/>
               <a:t>Click to edit Master title style</a:t>
             </a:r>
-          </a:p>
-        </p:txBody>
-      </p:sp>
-      <p:sp>
-        <p:nvSpPr>
-          <p:cNvPr id="3" name="Subtitle 2">
-            <a:extLst>
-              <a:ext uri="{FF2B5EF4-FFF2-40B4-BE49-F238E27FC236}">
-                <a16:creationId xmlns:a16="http://schemas.microsoft.com/office/drawing/2014/main" id="{95F91484-5AA5-4862-A899-CC787E93DDE0}"/>
-              </a:ext>
-            </a:extLst>
-          </p:cNvPr>
+            <a:endParaRPr lang="en-US" dirty="0"/>
+          </a:p>
+        </p:txBody>
+      </p:sp>
+      <p:sp>
+        <p:nvSpPr>
+          <p:cNvPr id="3" name="Subtitle 2"/>
           <p:cNvSpPr>
             <a:spLocks noGrp="1"/>
           </p:cNvSpPr>
@@ -185,48 +710,103 @@
         </p:nvSpPr>
         <p:spPr>
           <a:xfrm>
-            <a:off x="1524000" y="3602038"/>
-            <a:ext cx="9144000" cy="1655762"/>
+            <a:off x="1507067" y="4050833"/>
+            <a:ext cx="7766936" cy="1096899"/>
           </a:xfrm>
         </p:spPr>
         <p:txBody>
-          <a:bodyPr/>
+          <a:bodyPr anchor="t"/>
           <a:lstStyle>
-            <a:lvl1pPr marL="0" indent="0" algn="ctr">
-              <a:buNone/>
-              <a:defRPr sz="2400"/>
+            <a:lvl1pPr marL="0" indent="0" algn="r">
+              <a:buNone/>
+              <a:defRPr>
+                <a:solidFill>
+                  <a:schemeClr val="tx1">
+                    <a:lumMod val="50000"/>
+                    <a:lumOff val="50000"/>
+                  </a:schemeClr>
+                </a:solidFill>
+              </a:defRPr>
             </a:lvl1pPr>
             <a:lvl2pPr marL="457200" indent="0" algn="ctr">
               <a:buNone/>
-              <a:defRPr sz="2000"/>
+              <a:defRPr>
+                <a:solidFill>
+                  <a:schemeClr val="tx1">
+                    <a:tint val="75000"/>
+                  </a:schemeClr>
+                </a:solidFill>
+              </a:defRPr>
             </a:lvl2pPr>
             <a:lvl3pPr marL="914400" indent="0" algn="ctr">
               <a:buNone/>
-              <a:defRPr sz="1800"/>
+              <a:defRPr>
+                <a:solidFill>
+                  <a:schemeClr val="tx1">
+                    <a:tint val="75000"/>
+                  </a:schemeClr>
+                </a:solidFill>
+              </a:defRPr>
             </a:lvl3pPr>
             <a:lvl4pPr marL="1371600" indent="0" algn="ctr">
               <a:buNone/>
-              <a:defRPr sz="1600"/>
+              <a:defRPr>
+                <a:solidFill>
+                  <a:schemeClr val="tx1">
+                    <a:tint val="75000"/>
+                  </a:schemeClr>
+                </a:solidFill>
+              </a:defRPr>
             </a:lvl4pPr>
             <a:lvl5pPr marL="1828800" indent="0" algn="ctr">
               <a:buNone/>
-              <a:defRPr sz="1600"/>
+              <a:defRPr>
+                <a:solidFill>
+                  <a:schemeClr val="tx1">
+                    <a:tint val="75000"/>
+                  </a:schemeClr>
+                </a:solidFill>
+              </a:defRPr>
             </a:lvl5pPr>
             <a:lvl6pPr marL="2286000" indent="0" algn="ctr">
               <a:buNone/>
-              <a:defRPr sz="1600"/>
+              <a:defRPr>
+                <a:solidFill>
+                  <a:schemeClr val="tx1">
+                    <a:tint val="75000"/>
+                  </a:schemeClr>
+                </a:solidFill>
+              </a:defRPr>
             </a:lvl6pPr>
             <a:lvl7pPr marL="2743200" indent="0" algn="ctr">
               <a:buNone/>
-              <a:defRPr sz="1600"/>
+              <a:defRPr>
+                <a:solidFill>
+                  <a:schemeClr val="tx1">
+                    <a:tint val="75000"/>
+                  </a:schemeClr>
+                </a:solidFill>
+              </a:defRPr>
             </a:lvl7pPr>
             <a:lvl8pPr marL="3200400" indent="0" algn="ctr">
               <a:buNone/>
-              <a:defRPr sz="1600"/>
+              <a:defRPr>
+                <a:solidFill>
+                  <a:schemeClr val="tx1">
+                    <a:tint val="75000"/>
+                  </a:schemeClr>
+                </a:solidFill>
+              </a:defRPr>
             </a:lvl8pPr>
             <a:lvl9pPr marL="3657600" indent="0" algn="ctr">
               <a:buNone/>
-              <a:defRPr sz="1600"/>
+              <a:defRPr>
+                <a:solidFill>
+                  <a:schemeClr val="tx1">
+                    <a:tint val="75000"/>
+                  </a:schemeClr>
+                </a:solidFill>
+              </a:defRPr>
             </a:lvl9pPr>
           </a:lstStyle>
           <a:p>
@@ -234,18 +814,13 @@
               <a:rPr lang="en-US"/>
               <a:t>Click to edit Master subtitle style</a:t>
             </a:r>
-          </a:p>
-        </p:txBody>
-      </p:sp>
-      <p:sp>
-        <p:nvSpPr>
-          <p:cNvPr id="4" name="Date Placeholder 3">
-            <a:extLst>
-              <a:ext uri="{FF2B5EF4-FFF2-40B4-BE49-F238E27FC236}">
-                <a16:creationId xmlns:a16="http://schemas.microsoft.com/office/drawing/2014/main" id="{8F154491-0D8F-4C0D-9782-3E952059A8C6}"/>
-              </a:ext>
-            </a:extLst>
-          </p:cNvPr>
+            <a:endParaRPr lang="en-US" dirty="0"/>
+          </a:p>
+        </p:txBody>
+      </p:sp>
+      <p:sp>
+        <p:nvSpPr>
+          <p:cNvPr id="4" name="Date Placeholder 3"/>
           <p:cNvSpPr>
             <a:spLocks noGrp="1"/>
           </p:cNvSpPr>
@@ -268,13 +843,7 @@
       </p:sp>
       <p:sp>
         <p:nvSpPr>
-          <p:cNvPr id="5" name="Footer Placeholder 4">
-            <a:extLst>
-              <a:ext uri="{FF2B5EF4-FFF2-40B4-BE49-F238E27FC236}">
-                <a16:creationId xmlns:a16="http://schemas.microsoft.com/office/drawing/2014/main" id="{140BAB84-6272-44D1-951D-D68787EFEC5C}"/>
-              </a:ext>
-            </a:extLst>
-          </p:cNvPr>
+          <p:cNvPr id="5" name="Footer Placeholder 4"/>
           <p:cNvSpPr>
             <a:spLocks noGrp="1"/>
           </p:cNvSpPr>
@@ -293,13 +862,7 @@
       </p:sp>
       <p:sp>
         <p:nvSpPr>
-          <p:cNvPr id="6" name="Slide Number Placeholder 5">
-            <a:extLst>
-              <a:ext uri="{FF2B5EF4-FFF2-40B4-BE49-F238E27FC236}">
-                <a16:creationId xmlns:a16="http://schemas.microsoft.com/office/drawing/2014/main" id="{0C876A08-78EA-41E5-9DE5-A363504B90C5}"/>
-              </a:ext>
-            </a:extLst>
-          </p:cNvPr>
+          <p:cNvPr id="6" name="Slide Number Placeholder 5"/>
           <p:cNvSpPr>
             <a:spLocks noGrp="1"/>
           </p:cNvSpPr>
@@ -323,7 +886,7 @@
     </p:spTree>
     <p:extLst>
       <p:ext uri="{BB962C8B-B14F-4D97-AF65-F5344CB8AC3E}">
-        <p14:creationId xmlns:p14="http://schemas.microsoft.com/office/powerpoint/2010/main" val="4108593955"/>
+        <p14:creationId xmlns:p14="http://schemas.microsoft.com/office/powerpoint/2010/main" val="4099980375"/>
       </p:ext>
     </p:extLst>
   </p:cSld>
@@ -334,6 +897,1619 @@
 </file>
 
 <file path=ppt/slideLayouts/slideLayout10.xml><?xml version="1.0" encoding="utf-8"?>
+<p:sldLayout xmlns:a="http://schemas.openxmlformats.org/drawingml/2006/main" xmlns:r="http://schemas.openxmlformats.org/officeDocument/2006/relationships" xmlns:p="http://schemas.openxmlformats.org/presentationml/2006/main" preserve="1">
+  <p:cSld name="Title and Caption">
+    <p:spTree>
+      <p:nvGrpSpPr>
+        <p:cNvPr id="1" name=""/>
+        <p:cNvGrpSpPr/>
+        <p:nvPr/>
+      </p:nvGrpSpPr>
+      <p:grpSpPr>
+        <a:xfrm>
+          <a:off x="0" y="0"/>
+          <a:ext cx="0" cy="0"/>
+          <a:chOff x="0" y="0"/>
+          <a:chExt cx="0" cy="0"/>
+        </a:xfrm>
+      </p:grpSpPr>
+      <p:sp>
+        <p:nvSpPr>
+          <p:cNvPr id="2" name="Title 1"/>
+          <p:cNvSpPr>
+            <a:spLocks noGrp="1"/>
+          </p:cNvSpPr>
+          <p:nvPr>
+            <p:ph type="title"/>
+          </p:nvPr>
+        </p:nvSpPr>
+        <p:spPr>
+          <a:xfrm>
+            <a:off x="677335" y="609600"/>
+            <a:ext cx="8596668" cy="3403600"/>
+          </a:xfrm>
+        </p:spPr>
+        <p:txBody>
+          <a:bodyPr anchor="ctr">
+            <a:normAutofit/>
+          </a:bodyPr>
+          <a:lstStyle>
+            <a:lvl1pPr algn="l">
+              <a:defRPr sz="4400" b="0" cap="none"/>
+            </a:lvl1pPr>
+          </a:lstStyle>
+          <a:p>
+            <a:r>
+              <a:rPr lang="en-US"/>
+              <a:t>Click to edit Master title style</a:t>
+            </a:r>
+            <a:endParaRPr lang="en-US" dirty="0"/>
+          </a:p>
+        </p:txBody>
+      </p:sp>
+      <p:sp>
+        <p:nvSpPr>
+          <p:cNvPr id="3" name="Text Placeholder 2"/>
+          <p:cNvSpPr>
+            <a:spLocks noGrp="1"/>
+          </p:cNvSpPr>
+          <p:nvPr>
+            <p:ph type="body" idx="1"/>
+          </p:nvPr>
+        </p:nvSpPr>
+        <p:spPr>
+          <a:xfrm>
+            <a:off x="677335" y="4470400"/>
+            <a:ext cx="8596668" cy="1570962"/>
+          </a:xfrm>
+        </p:spPr>
+        <p:txBody>
+          <a:bodyPr anchor="ctr">
+            <a:normAutofit/>
+          </a:bodyPr>
+          <a:lstStyle>
+            <a:lvl1pPr marL="0" indent="0" algn="l">
+              <a:buNone/>
+              <a:defRPr sz="1800">
+                <a:solidFill>
+                  <a:schemeClr val="tx1">
+                    <a:lumMod val="75000"/>
+                    <a:lumOff val="25000"/>
+                  </a:schemeClr>
+                </a:solidFill>
+              </a:defRPr>
+            </a:lvl1pPr>
+            <a:lvl2pPr marL="457200" indent="0">
+              <a:buNone/>
+              <a:defRPr sz="1800">
+                <a:solidFill>
+                  <a:schemeClr val="tx1">
+                    <a:tint val="75000"/>
+                  </a:schemeClr>
+                </a:solidFill>
+              </a:defRPr>
+            </a:lvl2pPr>
+            <a:lvl3pPr marL="914400" indent="0">
+              <a:buNone/>
+              <a:defRPr sz="1600">
+                <a:solidFill>
+                  <a:schemeClr val="tx1">
+                    <a:tint val="75000"/>
+                  </a:schemeClr>
+                </a:solidFill>
+              </a:defRPr>
+            </a:lvl3pPr>
+            <a:lvl4pPr marL="1371600" indent="0">
+              <a:buNone/>
+              <a:defRPr sz="1400">
+                <a:solidFill>
+                  <a:schemeClr val="tx1">
+                    <a:tint val="75000"/>
+                  </a:schemeClr>
+                </a:solidFill>
+              </a:defRPr>
+            </a:lvl4pPr>
+            <a:lvl5pPr marL="1828800" indent="0">
+              <a:buNone/>
+              <a:defRPr sz="1400">
+                <a:solidFill>
+                  <a:schemeClr val="tx1">
+                    <a:tint val="75000"/>
+                  </a:schemeClr>
+                </a:solidFill>
+              </a:defRPr>
+            </a:lvl5pPr>
+            <a:lvl6pPr marL="2286000" indent="0">
+              <a:buNone/>
+              <a:defRPr sz="1400">
+                <a:solidFill>
+                  <a:schemeClr val="tx1">
+                    <a:tint val="75000"/>
+                  </a:schemeClr>
+                </a:solidFill>
+              </a:defRPr>
+            </a:lvl6pPr>
+            <a:lvl7pPr marL="2743200" indent="0">
+              <a:buNone/>
+              <a:defRPr sz="1400">
+                <a:solidFill>
+                  <a:schemeClr val="tx1">
+                    <a:tint val="75000"/>
+                  </a:schemeClr>
+                </a:solidFill>
+              </a:defRPr>
+            </a:lvl7pPr>
+            <a:lvl8pPr marL="3200400" indent="0">
+              <a:buNone/>
+              <a:defRPr sz="1400">
+                <a:solidFill>
+                  <a:schemeClr val="tx1">
+                    <a:tint val="75000"/>
+                  </a:schemeClr>
+                </a:solidFill>
+              </a:defRPr>
+            </a:lvl8pPr>
+            <a:lvl9pPr marL="3657600" indent="0">
+              <a:buNone/>
+              <a:defRPr sz="1400">
+                <a:solidFill>
+                  <a:schemeClr val="tx1">
+                    <a:tint val="75000"/>
+                  </a:schemeClr>
+                </a:solidFill>
+              </a:defRPr>
+            </a:lvl9pPr>
+          </a:lstStyle>
+          <a:p>
+            <a:pPr lvl="0"/>
+            <a:r>
+              <a:rPr lang="en-US"/>
+              <a:t>Edit Master text styles</a:t>
+            </a:r>
+          </a:p>
+        </p:txBody>
+      </p:sp>
+      <p:sp>
+        <p:nvSpPr>
+          <p:cNvPr id="4" name="Date Placeholder 3"/>
+          <p:cNvSpPr>
+            <a:spLocks noGrp="1"/>
+          </p:cNvSpPr>
+          <p:nvPr>
+            <p:ph type="dt" sz="half" idx="10"/>
+          </p:nvPr>
+        </p:nvSpPr>
+        <p:spPr/>
+        <p:txBody>
+          <a:bodyPr/>
+          <a:lstStyle/>
+          <a:p>
+            <a:fld id="{4C594B8C-0460-4CA9-AE3A-E36E13D1CB9D}" type="datetimeFigureOut">
+              <a:rPr lang="en-US" smtClean="0"/>
+              <a:t>12/7/2017</a:t>
+            </a:fld>
+            <a:endParaRPr lang="en-US"/>
+          </a:p>
+        </p:txBody>
+      </p:sp>
+      <p:sp>
+        <p:nvSpPr>
+          <p:cNvPr id="5" name="Footer Placeholder 4"/>
+          <p:cNvSpPr>
+            <a:spLocks noGrp="1"/>
+          </p:cNvSpPr>
+          <p:nvPr>
+            <p:ph type="ftr" sz="quarter" idx="11"/>
+          </p:nvPr>
+        </p:nvSpPr>
+        <p:spPr/>
+        <p:txBody>
+          <a:bodyPr/>
+          <a:lstStyle/>
+          <a:p>
+            <a:endParaRPr lang="en-US"/>
+          </a:p>
+        </p:txBody>
+      </p:sp>
+      <p:sp>
+        <p:nvSpPr>
+          <p:cNvPr id="6" name="Slide Number Placeholder 5"/>
+          <p:cNvSpPr>
+            <a:spLocks noGrp="1"/>
+          </p:cNvSpPr>
+          <p:nvPr>
+            <p:ph type="sldNum" sz="quarter" idx="12"/>
+          </p:nvPr>
+        </p:nvSpPr>
+        <p:spPr/>
+        <p:txBody>
+          <a:bodyPr/>
+          <a:lstStyle/>
+          <a:p>
+            <a:fld id="{7FAC42F1-7D35-4601-91F7-80A4AF6AADF3}" type="slidenum">
+              <a:rPr lang="en-US" smtClean="0"/>
+              <a:t>‹#›</a:t>
+            </a:fld>
+            <a:endParaRPr lang="en-US"/>
+          </a:p>
+        </p:txBody>
+      </p:sp>
+    </p:spTree>
+    <p:extLst>
+      <p:ext uri="{BB962C8B-B14F-4D97-AF65-F5344CB8AC3E}">
+        <p14:creationId xmlns:p14="http://schemas.microsoft.com/office/powerpoint/2010/main" val="1886648213"/>
+      </p:ext>
+    </p:extLst>
+  </p:cSld>
+  <p:clrMapOvr>
+    <a:masterClrMapping/>
+  </p:clrMapOvr>
+</p:sldLayout>
+</file>
+
+<file path=ppt/slideLayouts/slideLayout11.xml><?xml version="1.0" encoding="utf-8"?>
+<p:sldLayout xmlns:a="http://schemas.openxmlformats.org/drawingml/2006/main" xmlns:r="http://schemas.openxmlformats.org/officeDocument/2006/relationships" xmlns:p="http://schemas.openxmlformats.org/presentationml/2006/main" preserve="1">
+  <p:cSld name="Quote with Caption">
+    <p:spTree>
+      <p:nvGrpSpPr>
+        <p:cNvPr id="1" name=""/>
+        <p:cNvGrpSpPr/>
+        <p:nvPr/>
+      </p:nvGrpSpPr>
+      <p:grpSpPr>
+        <a:xfrm>
+          <a:off x="0" y="0"/>
+          <a:ext cx="0" cy="0"/>
+          <a:chOff x="0" y="0"/>
+          <a:chExt cx="0" cy="0"/>
+        </a:xfrm>
+      </p:grpSpPr>
+      <p:sp>
+        <p:nvSpPr>
+          <p:cNvPr id="2" name="Title 1"/>
+          <p:cNvSpPr>
+            <a:spLocks noGrp="1"/>
+          </p:cNvSpPr>
+          <p:nvPr>
+            <p:ph type="title"/>
+          </p:nvPr>
+        </p:nvSpPr>
+        <p:spPr>
+          <a:xfrm>
+            <a:off x="931334" y="609600"/>
+            <a:ext cx="8094134" cy="3022600"/>
+          </a:xfrm>
+        </p:spPr>
+        <p:txBody>
+          <a:bodyPr anchor="ctr">
+            <a:normAutofit/>
+          </a:bodyPr>
+          <a:lstStyle>
+            <a:lvl1pPr algn="l">
+              <a:defRPr sz="4400" b="0" cap="none"/>
+            </a:lvl1pPr>
+          </a:lstStyle>
+          <a:p>
+            <a:r>
+              <a:rPr lang="en-US"/>
+              <a:t>Click to edit Master title style</a:t>
+            </a:r>
+            <a:endParaRPr lang="en-US" dirty="0"/>
+          </a:p>
+        </p:txBody>
+      </p:sp>
+      <p:sp>
+        <p:nvSpPr>
+          <p:cNvPr id="23" name="Text Placeholder 9"/>
+          <p:cNvSpPr>
+            <a:spLocks noGrp="1"/>
+          </p:cNvSpPr>
+          <p:nvPr>
+            <p:ph type="body" sz="quarter" idx="13"/>
+          </p:nvPr>
+        </p:nvSpPr>
+        <p:spPr>
+          <a:xfrm>
+            <a:off x="1366139" y="3632200"/>
+            <a:ext cx="7224524" cy="381000"/>
+          </a:xfrm>
+        </p:spPr>
+        <p:txBody>
+          <a:bodyPr anchor="ctr">
+            <a:noAutofit/>
+          </a:bodyPr>
+          <a:lstStyle>
+            <a:lvl1pPr marL="0" indent="0">
+              <a:buFontTx/>
+              <a:buNone/>
+              <a:defRPr sz="1600">
+                <a:solidFill>
+                  <a:schemeClr val="tx1">
+                    <a:lumMod val="50000"/>
+                    <a:lumOff val="50000"/>
+                  </a:schemeClr>
+                </a:solidFill>
+              </a:defRPr>
+            </a:lvl1pPr>
+            <a:lvl2pPr marL="457200" indent="0">
+              <a:buFontTx/>
+              <a:buNone/>
+              <a:defRPr/>
+            </a:lvl2pPr>
+            <a:lvl3pPr marL="914400" indent="0">
+              <a:buFontTx/>
+              <a:buNone/>
+              <a:defRPr/>
+            </a:lvl3pPr>
+            <a:lvl4pPr marL="1371600" indent="0">
+              <a:buFontTx/>
+              <a:buNone/>
+              <a:defRPr/>
+            </a:lvl4pPr>
+            <a:lvl5pPr marL="1828800" indent="0">
+              <a:buFontTx/>
+              <a:buNone/>
+              <a:defRPr/>
+            </a:lvl5pPr>
+          </a:lstStyle>
+          <a:p>
+            <a:pPr lvl="0"/>
+            <a:r>
+              <a:rPr lang="en-US"/>
+              <a:t>Edit Master text styles</a:t>
+            </a:r>
+          </a:p>
+        </p:txBody>
+      </p:sp>
+      <p:sp>
+        <p:nvSpPr>
+          <p:cNvPr id="3" name="Text Placeholder 2"/>
+          <p:cNvSpPr>
+            <a:spLocks noGrp="1"/>
+          </p:cNvSpPr>
+          <p:nvPr>
+            <p:ph type="body" idx="1"/>
+          </p:nvPr>
+        </p:nvSpPr>
+        <p:spPr>
+          <a:xfrm>
+            <a:off x="677335" y="4470400"/>
+            <a:ext cx="8596668" cy="1570962"/>
+          </a:xfrm>
+        </p:spPr>
+        <p:txBody>
+          <a:bodyPr anchor="ctr">
+            <a:normAutofit/>
+          </a:bodyPr>
+          <a:lstStyle>
+            <a:lvl1pPr marL="0" indent="0" algn="l">
+              <a:buNone/>
+              <a:defRPr sz="1800">
+                <a:solidFill>
+                  <a:schemeClr val="tx1">
+                    <a:lumMod val="75000"/>
+                    <a:lumOff val="25000"/>
+                  </a:schemeClr>
+                </a:solidFill>
+              </a:defRPr>
+            </a:lvl1pPr>
+            <a:lvl2pPr marL="457200" indent="0">
+              <a:buNone/>
+              <a:defRPr sz="1800">
+                <a:solidFill>
+                  <a:schemeClr val="tx1">
+                    <a:tint val="75000"/>
+                  </a:schemeClr>
+                </a:solidFill>
+              </a:defRPr>
+            </a:lvl2pPr>
+            <a:lvl3pPr marL="914400" indent="0">
+              <a:buNone/>
+              <a:defRPr sz="1600">
+                <a:solidFill>
+                  <a:schemeClr val="tx1">
+                    <a:tint val="75000"/>
+                  </a:schemeClr>
+                </a:solidFill>
+              </a:defRPr>
+            </a:lvl3pPr>
+            <a:lvl4pPr marL="1371600" indent="0">
+              <a:buNone/>
+              <a:defRPr sz="1400">
+                <a:solidFill>
+                  <a:schemeClr val="tx1">
+                    <a:tint val="75000"/>
+                  </a:schemeClr>
+                </a:solidFill>
+              </a:defRPr>
+            </a:lvl4pPr>
+            <a:lvl5pPr marL="1828800" indent="0">
+              <a:buNone/>
+              <a:defRPr sz="1400">
+                <a:solidFill>
+                  <a:schemeClr val="tx1">
+                    <a:tint val="75000"/>
+                  </a:schemeClr>
+                </a:solidFill>
+              </a:defRPr>
+            </a:lvl5pPr>
+            <a:lvl6pPr marL="2286000" indent="0">
+              <a:buNone/>
+              <a:defRPr sz="1400">
+                <a:solidFill>
+                  <a:schemeClr val="tx1">
+                    <a:tint val="75000"/>
+                  </a:schemeClr>
+                </a:solidFill>
+              </a:defRPr>
+            </a:lvl6pPr>
+            <a:lvl7pPr marL="2743200" indent="0">
+              <a:buNone/>
+              <a:defRPr sz="1400">
+                <a:solidFill>
+                  <a:schemeClr val="tx1">
+                    <a:tint val="75000"/>
+                  </a:schemeClr>
+                </a:solidFill>
+              </a:defRPr>
+            </a:lvl7pPr>
+            <a:lvl8pPr marL="3200400" indent="0">
+              <a:buNone/>
+              <a:defRPr sz="1400">
+                <a:solidFill>
+                  <a:schemeClr val="tx1">
+                    <a:tint val="75000"/>
+                  </a:schemeClr>
+                </a:solidFill>
+              </a:defRPr>
+            </a:lvl8pPr>
+            <a:lvl9pPr marL="3657600" indent="0">
+              <a:buNone/>
+              <a:defRPr sz="1400">
+                <a:solidFill>
+                  <a:schemeClr val="tx1">
+                    <a:tint val="75000"/>
+                  </a:schemeClr>
+                </a:solidFill>
+              </a:defRPr>
+            </a:lvl9pPr>
+          </a:lstStyle>
+          <a:p>
+            <a:pPr lvl="0"/>
+            <a:r>
+              <a:rPr lang="en-US"/>
+              <a:t>Edit Master text styles</a:t>
+            </a:r>
+          </a:p>
+        </p:txBody>
+      </p:sp>
+      <p:sp>
+        <p:nvSpPr>
+          <p:cNvPr id="4" name="Date Placeholder 3"/>
+          <p:cNvSpPr>
+            <a:spLocks noGrp="1"/>
+          </p:cNvSpPr>
+          <p:nvPr>
+            <p:ph type="dt" sz="half" idx="10"/>
+          </p:nvPr>
+        </p:nvSpPr>
+        <p:spPr/>
+        <p:txBody>
+          <a:bodyPr/>
+          <a:lstStyle/>
+          <a:p>
+            <a:fld id="{4C594B8C-0460-4CA9-AE3A-E36E13D1CB9D}" type="datetimeFigureOut">
+              <a:rPr lang="en-US" smtClean="0"/>
+              <a:t>12/7/2017</a:t>
+            </a:fld>
+            <a:endParaRPr lang="en-US"/>
+          </a:p>
+        </p:txBody>
+      </p:sp>
+      <p:sp>
+        <p:nvSpPr>
+          <p:cNvPr id="5" name="Footer Placeholder 4"/>
+          <p:cNvSpPr>
+            <a:spLocks noGrp="1"/>
+          </p:cNvSpPr>
+          <p:nvPr>
+            <p:ph type="ftr" sz="quarter" idx="11"/>
+          </p:nvPr>
+        </p:nvSpPr>
+        <p:spPr/>
+        <p:txBody>
+          <a:bodyPr/>
+          <a:lstStyle/>
+          <a:p>
+            <a:endParaRPr lang="en-US"/>
+          </a:p>
+        </p:txBody>
+      </p:sp>
+      <p:sp>
+        <p:nvSpPr>
+          <p:cNvPr id="6" name="Slide Number Placeholder 5"/>
+          <p:cNvSpPr>
+            <a:spLocks noGrp="1"/>
+          </p:cNvSpPr>
+          <p:nvPr>
+            <p:ph type="sldNum" sz="quarter" idx="12"/>
+          </p:nvPr>
+        </p:nvSpPr>
+        <p:spPr/>
+        <p:txBody>
+          <a:bodyPr/>
+          <a:lstStyle/>
+          <a:p>
+            <a:fld id="{7FAC42F1-7D35-4601-91F7-80A4AF6AADF3}" type="slidenum">
+              <a:rPr lang="en-US" smtClean="0"/>
+              <a:t>‹#›</a:t>
+            </a:fld>
+            <a:endParaRPr lang="en-US"/>
+          </a:p>
+        </p:txBody>
+      </p:sp>
+      <p:sp>
+        <p:nvSpPr>
+          <p:cNvPr id="20" name="TextBox 19"/>
+          <p:cNvSpPr txBox="1"/>
+          <p:nvPr/>
+        </p:nvSpPr>
+        <p:spPr>
+          <a:xfrm>
+            <a:off x="541870" y="790378"/>
+            <a:ext cx="609600" cy="584776"/>
+          </a:xfrm>
+          <a:prstGeom prst="rect">
+            <a:avLst/>
+          </a:prstGeom>
+        </p:spPr>
+        <p:txBody>
+          <a:bodyPr vert="horz" lIns="91440" tIns="45720" rIns="91440" bIns="45720" rtlCol="0" anchor="ctr">
+            <a:noAutofit/>
+          </a:bodyPr>
+          <a:lstStyle/>
+          <a:p>
+            <a:pPr lvl="0"/>
+            <a:r>
+              <a:rPr lang="en-US" sz="8000" baseline="0" dirty="0">
+                <a:ln w="3175" cmpd="sng">
+                  <a:noFill/>
+                </a:ln>
+                <a:solidFill>
+                  <a:schemeClr val="accent1">
+                    <a:lumMod val="60000"/>
+                    <a:lumOff val="40000"/>
+                  </a:schemeClr>
+                </a:solidFill>
+                <a:effectLst/>
+                <a:latin typeface="Arial"/>
+              </a:rPr>
+              <a:t>“</a:t>
+            </a:r>
+          </a:p>
+        </p:txBody>
+      </p:sp>
+      <p:sp>
+        <p:nvSpPr>
+          <p:cNvPr id="22" name="TextBox 21"/>
+          <p:cNvSpPr txBox="1"/>
+          <p:nvPr/>
+        </p:nvSpPr>
+        <p:spPr>
+          <a:xfrm>
+            <a:off x="8893011" y="2886556"/>
+            <a:ext cx="609600" cy="584776"/>
+          </a:xfrm>
+          <a:prstGeom prst="rect">
+            <a:avLst/>
+          </a:prstGeom>
+        </p:spPr>
+        <p:txBody>
+          <a:bodyPr vert="horz" lIns="91440" tIns="45720" rIns="91440" bIns="45720" rtlCol="0" anchor="ctr">
+            <a:noAutofit/>
+          </a:bodyPr>
+          <a:lstStyle/>
+          <a:p>
+            <a:pPr lvl="0"/>
+            <a:r>
+              <a:rPr lang="en-US" sz="8000" baseline="0" dirty="0">
+                <a:ln w="3175" cmpd="sng">
+                  <a:noFill/>
+                </a:ln>
+                <a:solidFill>
+                  <a:schemeClr val="accent1">
+                    <a:lumMod val="60000"/>
+                    <a:lumOff val="40000"/>
+                  </a:schemeClr>
+                </a:solidFill>
+                <a:latin typeface="Arial"/>
+              </a:rPr>
+              <a:t>”</a:t>
+            </a:r>
+            <a:endParaRPr lang="en-US" dirty="0">
+              <a:solidFill>
+                <a:schemeClr val="accent1">
+                  <a:lumMod val="60000"/>
+                  <a:lumOff val="40000"/>
+                </a:schemeClr>
+              </a:solidFill>
+              <a:latin typeface="Arial"/>
+            </a:endParaRPr>
+          </a:p>
+        </p:txBody>
+      </p:sp>
+    </p:spTree>
+    <p:extLst>
+      <p:ext uri="{BB962C8B-B14F-4D97-AF65-F5344CB8AC3E}">
+        <p14:creationId xmlns:p14="http://schemas.microsoft.com/office/powerpoint/2010/main" val="2612444983"/>
+      </p:ext>
+    </p:extLst>
+  </p:cSld>
+  <p:clrMapOvr>
+    <a:masterClrMapping/>
+  </p:clrMapOvr>
+</p:sldLayout>
+</file>
+
+<file path=ppt/slideLayouts/slideLayout12.xml><?xml version="1.0" encoding="utf-8"?>
+<p:sldLayout xmlns:a="http://schemas.openxmlformats.org/drawingml/2006/main" xmlns:r="http://schemas.openxmlformats.org/officeDocument/2006/relationships" xmlns:p="http://schemas.openxmlformats.org/presentationml/2006/main" preserve="1">
+  <p:cSld name="Name Card">
+    <p:spTree>
+      <p:nvGrpSpPr>
+        <p:cNvPr id="1" name=""/>
+        <p:cNvGrpSpPr/>
+        <p:nvPr/>
+      </p:nvGrpSpPr>
+      <p:grpSpPr>
+        <a:xfrm>
+          <a:off x="0" y="0"/>
+          <a:ext cx="0" cy="0"/>
+          <a:chOff x="0" y="0"/>
+          <a:chExt cx="0" cy="0"/>
+        </a:xfrm>
+      </p:grpSpPr>
+      <p:sp>
+        <p:nvSpPr>
+          <p:cNvPr id="2" name="Title 1"/>
+          <p:cNvSpPr>
+            <a:spLocks noGrp="1"/>
+          </p:cNvSpPr>
+          <p:nvPr>
+            <p:ph type="title"/>
+          </p:nvPr>
+        </p:nvSpPr>
+        <p:spPr>
+          <a:xfrm>
+            <a:off x="677335" y="1931988"/>
+            <a:ext cx="8596668" cy="2595460"/>
+          </a:xfrm>
+        </p:spPr>
+        <p:txBody>
+          <a:bodyPr anchor="b">
+            <a:normAutofit/>
+          </a:bodyPr>
+          <a:lstStyle>
+            <a:lvl1pPr algn="l">
+              <a:defRPr sz="4400" b="0" cap="none"/>
+            </a:lvl1pPr>
+          </a:lstStyle>
+          <a:p>
+            <a:r>
+              <a:rPr lang="en-US"/>
+              <a:t>Click to edit Master title style</a:t>
+            </a:r>
+            <a:endParaRPr lang="en-US" dirty="0"/>
+          </a:p>
+        </p:txBody>
+      </p:sp>
+      <p:sp>
+        <p:nvSpPr>
+          <p:cNvPr id="3" name="Text Placeholder 2"/>
+          <p:cNvSpPr>
+            <a:spLocks noGrp="1"/>
+          </p:cNvSpPr>
+          <p:nvPr>
+            <p:ph type="body" idx="1"/>
+          </p:nvPr>
+        </p:nvSpPr>
+        <p:spPr>
+          <a:xfrm>
+            <a:off x="677335" y="4527448"/>
+            <a:ext cx="8596668" cy="1513914"/>
+          </a:xfrm>
+        </p:spPr>
+        <p:txBody>
+          <a:bodyPr anchor="t">
+            <a:normAutofit/>
+          </a:bodyPr>
+          <a:lstStyle>
+            <a:lvl1pPr marL="0" indent="0" algn="l">
+              <a:buNone/>
+              <a:defRPr sz="1800">
+                <a:solidFill>
+                  <a:schemeClr val="tx1">
+                    <a:lumMod val="75000"/>
+                    <a:lumOff val="25000"/>
+                  </a:schemeClr>
+                </a:solidFill>
+              </a:defRPr>
+            </a:lvl1pPr>
+            <a:lvl2pPr marL="457200" indent="0">
+              <a:buNone/>
+              <a:defRPr sz="1800">
+                <a:solidFill>
+                  <a:schemeClr val="tx1">
+                    <a:tint val="75000"/>
+                  </a:schemeClr>
+                </a:solidFill>
+              </a:defRPr>
+            </a:lvl2pPr>
+            <a:lvl3pPr marL="914400" indent="0">
+              <a:buNone/>
+              <a:defRPr sz="1600">
+                <a:solidFill>
+                  <a:schemeClr val="tx1">
+                    <a:tint val="75000"/>
+                  </a:schemeClr>
+                </a:solidFill>
+              </a:defRPr>
+            </a:lvl3pPr>
+            <a:lvl4pPr marL="1371600" indent="0">
+              <a:buNone/>
+              <a:defRPr sz="1400">
+                <a:solidFill>
+                  <a:schemeClr val="tx1">
+                    <a:tint val="75000"/>
+                  </a:schemeClr>
+                </a:solidFill>
+              </a:defRPr>
+            </a:lvl4pPr>
+            <a:lvl5pPr marL="1828800" indent="0">
+              <a:buNone/>
+              <a:defRPr sz="1400">
+                <a:solidFill>
+                  <a:schemeClr val="tx1">
+                    <a:tint val="75000"/>
+                  </a:schemeClr>
+                </a:solidFill>
+              </a:defRPr>
+            </a:lvl5pPr>
+            <a:lvl6pPr marL="2286000" indent="0">
+              <a:buNone/>
+              <a:defRPr sz="1400">
+                <a:solidFill>
+                  <a:schemeClr val="tx1">
+                    <a:tint val="75000"/>
+                  </a:schemeClr>
+                </a:solidFill>
+              </a:defRPr>
+            </a:lvl6pPr>
+            <a:lvl7pPr marL="2743200" indent="0">
+              <a:buNone/>
+              <a:defRPr sz="1400">
+                <a:solidFill>
+                  <a:schemeClr val="tx1">
+                    <a:tint val="75000"/>
+                  </a:schemeClr>
+                </a:solidFill>
+              </a:defRPr>
+            </a:lvl7pPr>
+            <a:lvl8pPr marL="3200400" indent="0">
+              <a:buNone/>
+              <a:defRPr sz="1400">
+                <a:solidFill>
+                  <a:schemeClr val="tx1">
+                    <a:tint val="75000"/>
+                  </a:schemeClr>
+                </a:solidFill>
+              </a:defRPr>
+            </a:lvl8pPr>
+            <a:lvl9pPr marL="3657600" indent="0">
+              <a:buNone/>
+              <a:defRPr sz="1400">
+                <a:solidFill>
+                  <a:schemeClr val="tx1">
+                    <a:tint val="75000"/>
+                  </a:schemeClr>
+                </a:solidFill>
+              </a:defRPr>
+            </a:lvl9pPr>
+          </a:lstStyle>
+          <a:p>
+            <a:pPr lvl="0"/>
+            <a:r>
+              <a:rPr lang="en-US"/>
+              <a:t>Edit Master text styles</a:t>
+            </a:r>
+          </a:p>
+        </p:txBody>
+      </p:sp>
+      <p:sp>
+        <p:nvSpPr>
+          <p:cNvPr id="4" name="Date Placeholder 3"/>
+          <p:cNvSpPr>
+            <a:spLocks noGrp="1"/>
+          </p:cNvSpPr>
+          <p:nvPr>
+            <p:ph type="dt" sz="half" idx="10"/>
+          </p:nvPr>
+        </p:nvSpPr>
+        <p:spPr/>
+        <p:txBody>
+          <a:bodyPr/>
+          <a:lstStyle/>
+          <a:p>
+            <a:fld id="{4C594B8C-0460-4CA9-AE3A-E36E13D1CB9D}" type="datetimeFigureOut">
+              <a:rPr lang="en-US" smtClean="0"/>
+              <a:t>12/7/2017</a:t>
+            </a:fld>
+            <a:endParaRPr lang="en-US"/>
+          </a:p>
+        </p:txBody>
+      </p:sp>
+      <p:sp>
+        <p:nvSpPr>
+          <p:cNvPr id="5" name="Footer Placeholder 4"/>
+          <p:cNvSpPr>
+            <a:spLocks noGrp="1"/>
+          </p:cNvSpPr>
+          <p:nvPr>
+            <p:ph type="ftr" sz="quarter" idx="11"/>
+          </p:nvPr>
+        </p:nvSpPr>
+        <p:spPr/>
+        <p:txBody>
+          <a:bodyPr/>
+          <a:lstStyle/>
+          <a:p>
+            <a:endParaRPr lang="en-US"/>
+          </a:p>
+        </p:txBody>
+      </p:sp>
+      <p:sp>
+        <p:nvSpPr>
+          <p:cNvPr id="6" name="Slide Number Placeholder 5"/>
+          <p:cNvSpPr>
+            <a:spLocks noGrp="1"/>
+          </p:cNvSpPr>
+          <p:nvPr>
+            <p:ph type="sldNum" sz="quarter" idx="12"/>
+          </p:nvPr>
+        </p:nvSpPr>
+        <p:spPr/>
+        <p:txBody>
+          <a:bodyPr/>
+          <a:lstStyle/>
+          <a:p>
+            <a:fld id="{7FAC42F1-7D35-4601-91F7-80A4AF6AADF3}" type="slidenum">
+              <a:rPr lang="en-US" smtClean="0"/>
+              <a:t>‹#›</a:t>
+            </a:fld>
+            <a:endParaRPr lang="en-US"/>
+          </a:p>
+        </p:txBody>
+      </p:sp>
+    </p:spTree>
+    <p:extLst>
+      <p:ext uri="{BB962C8B-B14F-4D97-AF65-F5344CB8AC3E}">
+        <p14:creationId xmlns:p14="http://schemas.microsoft.com/office/powerpoint/2010/main" val="1494038783"/>
+      </p:ext>
+    </p:extLst>
+  </p:cSld>
+  <p:clrMapOvr>
+    <a:masterClrMapping/>
+  </p:clrMapOvr>
+</p:sldLayout>
+</file>
+
+<file path=ppt/slideLayouts/slideLayout13.xml><?xml version="1.0" encoding="utf-8"?>
+<p:sldLayout xmlns:a="http://schemas.openxmlformats.org/drawingml/2006/main" xmlns:r="http://schemas.openxmlformats.org/officeDocument/2006/relationships" xmlns:p="http://schemas.openxmlformats.org/presentationml/2006/main" preserve="1">
+  <p:cSld name="Quote Name Card">
+    <p:spTree>
+      <p:nvGrpSpPr>
+        <p:cNvPr id="1" name=""/>
+        <p:cNvGrpSpPr/>
+        <p:nvPr/>
+      </p:nvGrpSpPr>
+      <p:grpSpPr>
+        <a:xfrm>
+          <a:off x="0" y="0"/>
+          <a:ext cx="0" cy="0"/>
+          <a:chOff x="0" y="0"/>
+          <a:chExt cx="0" cy="0"/>
+        </a:xfrm>
+      </p:grpSpPr>
+      <p:sp>
+        <p:nvSpPr>
+          <p:cNvPr id="2" name="Title 1"/>
+          <p:cNvSpPr>
+            <a:spLocks noGrp="1"/>
+          </p:cNvSpPr>
+          <p:nvPr>
+            <p:ph type="title"/>
+          </p:nvPr>
+        </p:nvSpPr>
+        <p:spPr>
+          <a:xfrm>
+            <a:off x="931334" y="609600"/>
+            <a:ext cx="8094134" cy="3022600"/>
+          </a:xfrm>
+        </p:spPr>
+        <p:txBody>
+          <a:bodyPr anchor="ctr">
+            <a:normAutofit/>
+          </a:bodyPr>
+          <a:lstStyle>
+            <a:lvl1pPr algn="l">
+              <a:defRPr sz="4400" b="0" cap="none"/>
+            </a:lvl1pPr>
+          </a:lstStyle>
+          <a:p>
+            <a:r>
+              <a:rPr lang="en-US"/>
+              <a:t>Click to edit Master title style</a:t>
+            </a:r>
+            <a:endParaRPr lang="en-US" dirty="0"/>
+          </a:p>
+        </p:txBody>
+      </p:sp>
+      <p:sp>
+        <p:nvSpPr>
+          <p:cNvPr id="23" name="Text Placeholder 9"/>
+          <p:cNvSpPr>
+            <a:spLocks noGrp="1"/>
+          </p:cNvSpPr>
+          <p:nvPr>
+            <p:ph type="body" sz="quarter" idx="13"/>
+          </p:nvPr>
+        </p:nvSpPr>
+        <p:spPr>
+          <a:xfrm>
+            <a:off x="677332" y="4013200"/>
+            <a:ext cx="8596669" cy="514248"/>
+          </a:xfrm>
+        </p:spPr>
+        <p:txBody>
+          <a:bodyPr anchor="b">
+            <a:noAutofit/>
+          </a:bodyPr>
+          <a:lstStyle>
+            <a:lvl1pPr marL="0" indent="0">
+              <a:buFontTx/>
+              <a:buNone/>
+              <a:defRPr sz="2400">
+                <a:solidFill>
+                  <a:schemeClr val="tx1">
+                    <a:lumMod val="75000"/>
+                    <a:lumOff val="25000"/>
+                  </a:schemeClr>
+                </a:solidFill>
+              </a:defRPr>
+            </a:lvl1pPr>
+            <a:lvl2pPr marL="457200" indent="0">
+              <a:buFontTx/>
+              <a:buNone/>
+              <a:defRPr/>
+            </a:lvl2pPr>
+            <a:lvl3pPr marL="914400" indent="0">
+              <a:buFontTx/>
+              <a:buNone/>
+              <a:defRPr/>
+            </a:lvl3pPr>
+            <a:lvl4pPr marL="1371600" indent="0">
+              <a:buFontTx/>
+              <a:buNone/>
+              <a:defRPr/>
+            </a:lvl4pPr>
+            <a:lvl5pPr marL="1828800" indent="0">
+              <a:buFontTx/>
+              <a:buNone/>
+              <a:defRPr/>
+            </a:lvl5pPr>
+          </a:lstStyle>
+          <a:p>
+            <a:pPr lvl="0"/>
+            <a:r>
+              <a:rPr lang="en-US"/>
+              <a:t>Edit Master text styles</a:t>
+            </a:r>
+          </a:p>
+        </p:txBody>
+      </p:sp>
+      <p:sp>
+        <p:nvSpPr>
+          <p:cNvPr id="3" name="Text Placeholder 2"/>
+          <p:cNvSpPr>
+            <a:spLocks noGrp="1"/>
+          </p:cNvSpPr>
+          <p:nvPr>
+            <p:ph type="body" idx="1"/>
+          </p:nvPr>
+        </p:nvSpPr>
+        <p:spPr>
+          <a:xfrm>
+            <a:off x="677335" y="4527448"/>
+            <a:ext cx="8596668" cy="1513914"/>
+          </a:xfrm>
+        </p:spPr>
+        <p:txBody>
+          <a:bodyPr anchor="t">
+            <a:normAutofit/>
+          </a:bodyPr>
+          <a:lstStyle>
+            <a:lvl1pPr marL="0" indent="0" algn="l">
+              <a:buNone/>
+              <a:defRPr sz="1800">
+                <a:solidFill>
+                  <a:schemeClr val="tx1">
+                    <a:lumMod val="50000"/>
+                    <a:lumOff val="50000"/>
+                  </a:schemeClr>
+                </a:solidFill>
+              </a:defRPr>
+            </a:lvl1pPr>
+            <a:lvl2pPr marL="457200" indent="0">
+              <a:buNone/>
+              <a:defRPr sz="1800">
+                <a:solidFill>
+                  <a:schemeClr val="tx1">
+                    <a:tint val="75000"/>
+                  </a:schemeClr>
+                </a:solidFill>
+              </a:defRPr>
+            </a:lvl2pPr>
+            <a:lvl3pPr marL="914400" indent="0">
+              <a:buNone/>
+              <a:defRPr sz="1600">
+                <a:solidFill>
+                  <a:schemeClr val="tx1">
+                    <a:tint val="75000"/>
+                  </a:schemeClr>
+                </a:solidFill>
+              </a:defRPr>
+            </a:lvl3pPr>
+            <a:lvl4pPr marL="1371600" indent="0">
+              <a:buNone/>
+              <a:defRPr sz="1400">
+                <a:solidFill>
+                  <a:schemeClr val="tx1">
+                    <a:tint val="75000"/>
+                  </a:schemeClr>
+                </a:solidFill>
+              </a:defRPr>
+            </a:lvl4pPr>
+            <a:lvl5pPr marL="1828800" indent="0">
+              <a:buNone/>
+              <a:defRPr sz="1400">
+                <a:solidFill>
+                  <a:schemeClr val="tx1">
+                    <a:tint val="75000"/>
+                  </a:schemeClr>
+                </a:solidFill>
+              </a:defRPr>
+            </a:lvl5pPr>
+            <a:lvl6pPr marL="2286000" indent="0">
+              <a:buNone/>
+              <a:defRPr sz="1400">
+                <a:solidFill>
+                  <a:schemeClr val="tx1">
+                    <a:tint val="75000"/>
+                  </a:schemeClr>
+                </a:solidFill>
+              </a:defRPr>
+            </a:lvl6pPr>
+            <a:lvl7pPr marL="2743200" indent="0">
+              <a:buNone/>
+              <a:defRPr sz="1400">
+                <a:solidFill>
+                  <a:schemeClr val="tx1">
+                    <a:tint val="75000"/>
+                  </a:schemeClr>
+                </a:solidFill>
+              </a:defRPr>
+            </a:lvl7pPr>
+            <a:lvl8pPr marL="3200400" indent="0">
+              <a:buNone/>
+              <a:defRPr sz="1400">
+                <a:solidFill>
+                  <a:schemeClr val="tx1">
+                    <a:tint val="75000"/>
+                  </a:schemeClr>
+                </a:solidFill>
+              </a:defRPr>
+            </a:lvl8pPr>
+            <a:lvl9pPr marL="3657600" indent="0">
+              <a:buNone/>
+              <a:defRPr sz="1400">
+                <a:solidFill>
+                  <a:schemeClr val="tx1">
+                    <a:tint val="75000"/>
+                  </a:schemeClr>
+                </a:solidFill>
+              </a:defRPr>
+            </a:lvl9pPr>
+          </a:lstStyle>
+          <a:p>
+            <a:pPr lvl="0"/>
+            <a:r>
+              <a:rPr lang="en-US"/>
+              <a:t>Edit Master text styles</a:t>
+            </a:r>
+          </a:p>
+        </p:txBody>
+      </p:sp>
+      <p:sp>
+        <p:nvSpPr>
+          <p:cNvPr id="4" name="Date Placeholder 3"/>
+          <p:cNvSpPr>
+            <a:spLocks noGrp="1"/>
+          </p:cNvSpPr>
+          <p:nvPr>
+            <p:ph type="dt" sz="half" idx="10"/>
+          </p:nvPr>
+        </p:nvSpPr>
+        <p:spPr/>
+        <p:txBody>
+          <a:bodyPr/>
+          <a:lstStyle/>
+          <a:p>
+            <a:fld id="{4C594B8C-0460-4CA9-AE3A-E36E13D1CB9D}" type="datetimeFigureOut">
+              <a:rPr lang="en-US" smtClean="0"/>
+              <a:t>12/7/2017</a:t>
+            </a:fld>
+            <a:endParaRPr lang="en-US"/>
+          </a:p>
+        </p:txBody>
+      </p:sp>
+      <p:sp>
+        <p:nvSpPr>
+          <p:cNvPr id="5" name="Footer Placeholder 4"/>
+          <p:cNvSpPr>
+            <a:spLocks noGrp="1"/>
+          </p:cNvSpPr>
+          <p:nvPr>
+            <p:ph type="ftr" sz="quarter" idx="11"/>
+          </p:nvPr>
+        </p:nvSpPr>
+        <p:spPr/>
+        <p:txBody>
+          <a:bodyPr/>
+          <a:lstStyle/>
+          <a:p>
+            <a:endParaRPr lang="en-US"/>
+          </a:p>
+        </p:txBody>
+      </p:sp>
+      <p:sp>
+        <p:nvSpPr>
+          <p:cNvPr id="6" name="Slide Number Placeholder 5"/>
+          <p:cNvSpPr>
+            <a:spLocks noGrp="1"/>
+          </p:cNvSpPr>
+          <p:nvPr>
+            <p:ph type="sldNum" sz="quarter" idx="12"/>
+          </p:nvPr>
+        </p:nvSpPr>
+        <p:spPr/>
+        <p:txBody>
+          <a:bodyPr/>
+          <a:lstStyle/>
+          <a:p>
+            <a:fld id="{7FAC42F1-7D35-4601-91F7-80A4AF6AADF3}" type="slidenum">
+              <a:rPr lang="en-US" smtClean="0"/>
+              <a:t>‹#›</a:t>
+            </a:fld>
+            <a:endParaRPr lang="en-US"/>
+          </a:p>
+        </p:txBody>
+      </p:sp>
+      <p:sp>
+        <p:nvSpPr>
+          <p:cNvPr id="24" name="TextBox 23"/>
+          <p:cNvSpPr txBox="1"/>
+          <p:nvPr/>
+        </p:nvSpPr>
+        <p:spPr>
+          <a:xfrm>
+            <a:off x="541870" y="790378"/>
+            <a:ext cx="609600" cy="584776"/>
+          </a:xfrm>
+          <a:prstGeom prst="rect">
+            <a:avLst/>
+          </a:prstGeom>
+        </p:spPr>
+        <p:txBody>
+          <a:bodyPr vert="horz" lIns="91440" tIns="45720" rIns="91440" bIns="45720" rtlCol="0" anchor="ctr">
+            <a:noAutofit/>
+          </a:bodyPr>
+          <a:lstStyle/>
+          <a:p>
+            <a:pPr lvl="0"/>
+            <a:r>
+              <a:rPr lang="en-US" sz="8000" baseline="0" dirty="0">
+                <a:ln w="3175" cmpd="sng">
+                  <a:noFill/>
+                </a:ln>
+                <a:solidFill>
+                  <a:schemeClr val="accent1">
+                    <a:lumMod val="60000"/>
+                    <a:lumOff val="40000"/>
+                  </a:schemeClr>
+                </a:solidFill>
+                <a:effectLst/>
+                <a:latin typeface="Arial"/>
+              </a:rPr>
+              <a:t>“</a:t>
+            </a:r>
+          </a:p>
+        </p:txBody>
+      </p:sp>
+      <p:sp>
+        <p:nvSpPr>
+          <p:cNvPr id="25" name="TextBox 24"/>
+          <p:cNvSpPr txBox="1"/>
+          <p:nvPr/>
+        </p:nvSpPr>
+        <p:spPr>
+          <a:xfrm>
+            <a:off x="8893011" y="2886556"/>
+            <a:ext cx="609600" cy="584776"/>
+          </a:xfrm>
+          <a:prstGeom prst="rect">
+            <a:avLst/>
+          </a:prstGeom>
+        </p:spPr>
+        <p:txBody>
+          <a:bodyPr vert="horz" lIns="91440" tIns="45720" rIns="91440" bIns="45720" rtlCol="0" anchor="ctr">
+            <a:noAutofit/>
+          </a:bodyPr>
+          <a:lstStyle/>
+          <a:p>
+            <a:pPr lvl="0"/>
+            <a:r>
+              <a:rPr lang="en-US" sz="8000" baseline="0" dirty="0">
+                <a:ln w="3175" cmpd="sng">
+                  <a:noFill/>
+                </a:ln>
+                <a:solidFill>
+                  <a:schemeClr val="accent1">
+                    <a:lumMod val="60000"/>
+                    <a:lumOff val="40000"/>
+                  </a:schemeClr>
+                </a:solidFill>
+                <a:effectLst/>
+                <a:latin typeface="Arial"/>
+              </a:rPr>
+              <a:t>”</a:t>
+            </a:r>
+          </a:p>
+        </p:txBody>
+      </p:sp>
+    </p:spTree>
+    <p:extLst>
+      <p:ext uri="{BB962C8B-B14F-4D97-AF65-F5344CB8AC3E}">
+        <p14:creationId xmlns:p14="http://schemas.microsoft.com/office/powerpoint/2010/main" val="2485301234"/>
+      </p:ext>
+    </p:extLst>
+  </p:cSld>
+  <p:clrMapOvr>
+    <a:masterClrMapping/>
+  </p:clrMapOvr>
+</p:sldLayout>
+</file>
+
+<file path=ppt/slideLayouts/slideLayout14.xml><?xml version="1.0" encoding="utf-8"?>
+<p:sldLayout xmlns:a="http://schemas.openxmlformats.org/drawingml/2006/main" xmlns:r="http://schemas.openxmlformats.org/officeDocument/2006/relationships" xmlns:p="http://schemas.openxmlformats.org/presentationml/2006/main" preserve="1">
+  <p:cSld name="True or False">
+    <p:spTree>
+      <p:nvGrpSpPr>
+        <p:cNvPr id="1" name=""/>
+        <p:cNvGrpSpPr/>
+        <p:nvPr/>
+      </p:nvGrpSpPr>
+      <p:grpSpPr>
+        <a:xfrm>
+          <a:off x="0" y="0"/>
+          <a:ext cx="0" cy="0"/>
+          <a:chOff x="0" y="0"/>
+          <a:chExt cx="0" cy="0"/>
+        </a:xfrm>
+      </p:grpSpPr>
+      <p:sp>
+        <p:nvSpPr>
+          <p:cNvPr id="2" name="Title 1"/>
+          <p:cNvSpPr>
+            <a:spLocks noGrp="1"/>
+          </p:cNvSpPr>
+          <p:nvPr>
+            <p:ph type="title"/>
+          </p:nvPr>
+        </p:nvSpPr>
+        <p:spPr>
+          <a:xfrm>
+            <a:off x="685799" y="609600"/>
+            <a:ext cx="8588203" cy="3022600"/>
+          </a:xfrm>
+        </p:spPr>
+        <p:txBody>
+          <a:bodyPr anchor="ctr">
+            <a:normAutofit/>
+          </a:bodyPr>
+          <a:lstStyle>
+            <a:lvl1pPr algn="l">
+              <a:defRPr sz="4400" b="0" cap="none"/>
+            </a:lvl1pPr>
+          </a:lstStyle>
+          <a:p>
+            <a:r>
+              <a:rPr lang="en-US"/>
+              <a:t>Click to edit Master title style</a:t>
+            </a:r>
+            <a:endParaRPr lang="en-US" dirty="0"/>
+          </a:p>
+        </p:txBody>
+      </p:sp>
+      <p:sp>
+        <p:nvSpPr>
+          <p:cNvPr id="23" name="Text Placeholder 9"/>
+          <p:cNvSpPr>
+            <a:spLocks noGrp="1"/>
+          </p:cNvSpPr>
+          <p:nvPr>
+            <p:ph type="body" sz="quarter" idx="13"/>
+          </p:nvPr>
+        </p:nvSpPr>
+        <p:spPr>
+          <a:xfrm>
+            <a:off x="677332" y="4013200"/>
+            <a:ext cx="8596669" cy="514248"/>
+          </a:xfrm>
+        </p:spPr>
+        <p:txBody>
+          <a:bodyPr anchor="b">
+            <a:noAutofit/>
+          </a:bodyPr>
+          <a:lstStyle>
+            <a:lvl1pPr marL="0" indent="0">
+              <a:buFontTx/>
+              <a:buNone/>
+              <a:defRPr sz="2400">
+                <a:solidFill>
+                  <a:schemeClr val="accent1"/>
+                </a:solidFill>
+              </a:defRPr>
+            </a:lvl1pPr>
+            <a:lvl2pPr marL="457200" indent="0">
+              <a:buFontTx/>
+              <a:buNone/>
+              <a:defRPr/>
+            </a:lvl2pPr>
+            <a:lvl3pPr marL="914400" indent="0">
+              <a:buFontTx/>
+              <a:buNone/>
+              <a:defRPr/>
+            </a:lvl3pPr>
+            <a:lvl4pPr marL="1371600" indent="0">
+              <a:buFontTx/>
+              <a:buNone/>
+              <a:defRPr/>
+            </a:lvl4pPr>
+            <a:lvl5pPr marL="1828800" indent="0">
+              <a:buFontTx/>
+              <a:buNone/>
+              <a:defRPr/>
+            </a:lvl5pPr>
+          </a:lstStyle>
+          <a:p>
+            <a:pPr lvl="0"/>
+            <a:r>
+              <a:rPr lang="en-US"/>
+              <a:t>Edit Master text styles</a:t>
+            </a:r>
+          </a:p>
+        </p:txBody>
+      </p:sp>
+      <p:sp>
+        <p:nvSpPr>
+          <p:cNvPr id="3" name="Text Placeholder 2"/>
+          <p:cNvSpPr>
+            <a:spLocks noGrp="1"/>
+          </p:cNvSpPr>
+          <p:nvPr>
+            <p:ph type="body" idx="1"/>
+          </p:nvPr>
+        </p:nvSpPr>
+        <p:spPr>
+          <a:xfrm>
+            <a:off x="677335" y="4527448"/>
+            <a:ext cx="8596668" cy="1513914"/>
+          </a:xfrm>
+        </p:spPr>
+        <p:txBody>
+          <a:bodyPr anchor="t">
+            <a:normAutofit/>
+          </a:bodyPr>
+          <a:lstStyle>
+            <a:lvl1pPr marL="0" indent="0" algn="l">
+              <a:buNone/>
+              <a:defRPr sz="1800">
+                <a:solidFill>
+                  <a:schemeClr val="tx1">
+                    <a:lumMod val="50000"/>
+                    <a:lumOff val="50000"/>
+                  </a:schemeClr>
+                </a:solidFill>
+              </a:defRPr>
+            </a:lvl1pPr>
+            <a:lvl2pPr marL="457200" indent="0">
+              <a:buNone/>
+              <a:defRPr sz="1800">
+                <a:solidFill>
+                  <a:schemeClr val="tx1">
+                    <a:tint val="75000"/>
+                  </a:schemeClr>
+                </a:solidFill>
+              </a:defRPr>
+            </a:lvl2pPr>
+            <a:lvl3pPr marL="914400" indent="0">
+              <a:buNone/>
+              <a:defRPr sz="1600">
+                <a:solidFill>
+                  <a:schemeClr val="tx1">
+                    <a:tint val="75000"/>
+                  </a:schemeClr>
+                </a:solidFill>
+              </a:defRPr>
+            </a:lvl3pPr>
+            <a:lvl4pPr marL="1371600" indent="0">
+              <a:buNone/>
+              <a:defRPr sz="1400">
+                <a:solidFill>
+                  <a:schemeClr val="tx1">
+                    <a:tint val="75000"/>
+                  </a:schemeClr>
+                </a:solidFill>
+              </a:defRPr>
+            </a:lvl4pPr>
+            <a:lvl5pPr marL="1828800" indent="0">
+              <a:buNone/>
+              <a:defRPr sz="1400">
+                <a:solidFill>
+                  <a:schemeClr val="tx1">
+                    <a:tint val="75000"/>
+                  </a:schemeClr>
+                </a:solidFill>
+              </a:defRPr>
+            </a:lvl5pPr>
+            <a:lvl6pPr marL="2286000" indent="0">
+              <a:buNone/>
+              <a:defRPr sz="1400">
+                <a:solidFill>
+                  <a:schemeClr val="tx1">
+                    <a:tint val="75000"/>
+                  </a:schemeClr>
+                </a:solidFill>
+              </a:defRPr>
+            </a:lvl6pPr>
+            <a:lvl7pPr marL="2743200" indent="0">
+              <a:buNone/>
+              <a:defRPr sz="1400">
+                <a:solidFill>
+                  <a:schemeClr val="tx1">
+                    <a:tint val="75000"/>
+                  </a:schemeClr>
+                </a:solidFill>
+              </a:defRPr>
+            </a:lvl7pPr>
+            <a:lvl8pPr marL="3200400" indent="0">
+              <a:buNone/>
+              <a:defRPr sz="1400">
+                <a:solidFill>
+                  <a:schemeClr val="tx1">
+                    <a:tint val="75000"/>
+                  </a:schemeClr>
+                </a:solidFill>
+              </a:defRPr>
+            </a:lvl8pPr>
+            <a:lvl9pPr marL="3657600" indent="0">
+              <a:buNone/>
+              <a:defRPr sz="1400">
+                <a:solidFill>
+                  <a:schemeClr val="tx1">
+                    <a:tint val="75000"/>
+                  </a:schemeClr>
+                </a:solidFill>
+              </a:defRPr>
+            </a:lvl9pPr>
+          </a:lstStyle>
+          <a:p>
+            <a:pPr lvl="0"/>
+            <a:r>
+              <a:rPr lang="en-US"/>
+              <a:t>Edit Master text styles</a:t>
+            </a:r>
+          </a:p>
+        </p:txBody>
+      </p:sp>
+      <p:sp>
+        <p:nvSpPr>
+          <p:cNvPr id="4" name="Date Placeholder 3"/>
+          <p:cNvSpPr>
+            <a:spLocks noGrp="1"/>
+          </p:cNvSpPr>
+          <p:nvPr>
+            <p:ph type="dt" sz="half" idx="10"/>
+          </p:nvPr>
+        </p:nvSpPr>
+        <p:spPr/>
+        <p:txBody>
+          <a:bodyPr/>
+          <a:lstStyle/>
+          <a:p>
+            <a:fld id="{4C594B8C-0460-4CA9-AE3A-E36E13D1CB9D}" type="datetimeFigureOut">
+              <a:rPr lang="en-US" smtClean="0"/>
+              <a:t>12/7/2017</a:t>
+            </a:fld>
+            <a:endParaRPr lang="en-US"/>
+          </a:p>
+        </p:txBody>
+      </p:sp>
+      <p:sp>
+        <p:nvSpPr>
+          <p:cNvPr id="5" name="Footer Placeholder 4"/>
+          <p:cNvSpPr>
+            <a:spLocks noGrp="1"/>
+          </p:cNvSpPr>
+          <p:nvPr>
+            <p:ph type="ftr" sz="quarter" idx="11"/>
+          </p:nvPr>
+        </p:nvSpPr>
+        <p:spPr/>
+        <p:txBody>
+          <a:bodyPr/>
+          <a:lstStyle/>
+          <a:p>
+            <a:endParaRPr lang="en-US"/>
+          </a:p>
+        </p:txBody>
+      </p:sp>
+      <p:sp>
+        <p:nvSpPr>
+          <p:cNvPr id="6" name="Slide Number Placeholder 5"/>
+          <p:cNvSpPr>
+            <a:spLocks noGrp="1"/>
+          </p:cNvSpPr>
+          <p:nvPr>
+            <p:ph type="sldNum" sz="quarter" idx="12"/>
+          </p:nvPr>
+        </p:nvSpPr>
+        <p:spPr/>
+        <p:txBody>
+          <a:bodyPr/>
+          <a:lstStyle/>
+          <a:p>
+            <a:fld id="{7FAC42F1-7D35-4601-91F7-80A4AF6AADF3}" type="slidenum">
+              <a:rPr lang="en-US" smtClean="0"/>
+              <a:t>‹#›</a:t>
+            </a:fld>
+            <a:endParaRPr lang="en-US"/>
+          </a:p>
+        </p:txBody>
+      </p:sp>
+    </p:spTree>
+    <p:extLst>
+      <p:ext uri="{BB962C8B-B14F-4D97-AF65-F5344CB8AC3E}">
+        <p14:creationId xmlns:p14="http://schemas.microsoft.com/office/powerpoint/2010/main" val="3510456054"/>
+      </p:ext>
+    </p:extLst>
+  </p:cSld>
+  <p:clrMapOvr>
+    <a:masterClrMapping/>
+  </p:clrMapOvr>
+</p:sldLayout>
+</file>
+
+<file path=ppt/slideLayouts/slideLayout15.xml><?xml version="1.0" encoding="utf-8"?>
 <p:sldLayout xmlns:a="http://schemas.openxmlformats.org/drawingml/2006/main" xmlns:r="http://schemas.openxmlformats.org/officeDocument/2006/relationships" xmlns:p="http://schemas.openxmlformats.org/presentationml/2006/main" type="vertTx" preserve="1">
   <p:cSld name="Title and Vertical Text">
     <p:spTree>
@@ -352,13 +2528,7 @@
       </p:grpSpPr>
       <p:sp>
         <p:nvSpPr>
-          <p:cNvPr id="2" name="Title 1">
-            <a:extLst>
-              <a:ext uri="{FF2B5EF4-FFF2-40B4-BE49-F238E27FC236}">
-                <a16:creationId xmlns:a16="http://schemas.microsoft.com/office/drawing/2014/main" id="{C374D4DF-8091-4672-90AF-EB992A8D89FF}"/>
-              </a:ext>
-            </a:extLst>
-          </p:cNvPr>
+          <p:cNvPr id="2" name="Title 1"/>
           <p:cNvSpPr>
             <a:spLocks noGrp="1"/>
           </p:cNvSpPr>
@@ -375,18 +2545,13 @@
               <a:rPr lang="en-US"/>
               <a:t>Click to edit Master title style</a:t>
             </a:r>
-          </a:p>
-        </p:txBody>
-      </p:sp>
-      <p:sp>
-        <p:nvSpPr>
-          <p:cNvPr id="3" name="Vertical Text Placeholder 2">
-            <a:extLst>
-              <a:ext uri="{FF2B5EF4-FFF2-40B4-BE49-F238E27FC236}">
-                <a16:creationId xmlns:a16="http://schemas.microsoft.com/office/drawing/2014/main" id="{E374B6A2-CD4D-47D9-9F1B-1A593833655E}"/>
-              </a:ext>
-            </a:extLst>
-          </p:cNvPr>
+            <a:endParaRPr lang="en-US" dirty="0"/>
+          </a:p>
+        </p:txBody>
+      </p:sp>
+      <p:sp>
+        <p:nvSpPr>
+          <p:cNvPr id="3" name="Vertical Text Placeholder 2"/>
           <p:cNvSpPr>
             <a:spLocks noGrp="1"/>
           </p:cNvSpPr>
@@ -432,18 +2597,13 @@
               <a:rPr lang="en-US"/>
               <a:t>Fifth level</a:t>
             </a:r>
-          </a:p>
-        </p:txBody>
-      </p:sp>
-      <p:sp>
-        <p:nvSpPr>
-          <p:cNvPr id="4" name="Date Placeholder 3">
-            <a:extLst>
-              <a:ext uri="{FF2B5EF4-FFF2-40B4-BE49-F238E27FC236}">
-                <a16:creationId xmlns:a16="http://schemas.microsoft.com/office/drawing/2014/main" id="{9DE0CDFC-6754-4704-9DCC-BC5F3E1E480E}"/>
-              </a:ext>
-            </a:extLst>
-          </p:cNvPr>
+            <a:endParaRPr lang="en-US" dirty="0"/>
+          </a:p>
+        </p:txBody>
+      </p:sp>
+      <p:sp>
+        <p:nvSpPr>
+          <p:cNvPr id="4" name="Date Placeholder 3"/>
           <p:cNvSpPr>
             <a:spLocks noGrp="1"/>
           </p:cNvSpPr>
@@ -466,13 +2626,7 @@
       </p:sp>
       <p:sp>
         <p:nvSpPr>
-          <p:cNvPr id="5" name="Footer Placeholder 4">
-            <a:extLst>
-              <a:ext uri="{FF2B5EF4-FFF2-40B4-BE49-F238E27FC236}">
-                <a16:creationId xmlns:a16="http://schemas.microsoft.com/office/drawing/2014/main" id="{9A2450D2-937B-4DD7-B420-887C176E37AD}"/>
-              </a:ext>
-            </a:extLst>
-          </p:cNvPr>
+          <p:cNvPr id="5" name="Footer Placeholder 4"/>
           <p:cNvSpPr>
             <a:spLocks noGrp="1"/>
           </p:cNvSpPr>
@@ -491,13 +2645,7 @@
       </p:sp>
       <p:sp>
         <p:nvSpPr>
-          <p:cNvPr id="6" name="Slide Number Placeholder 5">
-            <a:extLst>
-              <a:ext uri="{FF2B5EF4-FFF2-40B4-BE49-F238E27FC236}">
-                <a16:creationId xmlns:a16="http://schemas.microsoft.com/office/drawing/2014/main" id="{A84BD0F3-1C56-4CEA-B2F3-9F8AB44EE8C2}"/>
-              </a:ext>
-            </a:extLst>
-          </p:cNvPr>
+          <p:cNvPr id="6" name="Slide Number Placeholder 5"/>
           <p:cNvSpPr>
             <a:spLocks noGrp="1"/>
           </p:cNvSpPr>
@@ -521,7 +2669,7 @@
     </p:spTree>
     <p:extLst>
       <p:ext uri="{BB962C8B-B14F-4D97-AF65-F5344CB8AC3E}">
-        <p14:creationId xmlns:p14="http://schemas.microsoft.com/office/powerpoint/2010/main" val="374254661"/>
+        <p14:creationId xmlns:p14="http://schemas.microsoft.com/office/powerpoint/2010/main" val="216828773"/>
       </p:ext>
     </p:extLst>
   </p:cSld>
@@ -531,7 +2679,7 @@
 </p:sldLayout>
 </file>
 
-<file path=ppt/slideLayouts/slideLayout11.xml><?xml version="1.0" encoding="utf-8"?>
+<file path=ppt/slideLayouts/slideLayout16.xml><?xml version="1.0" encoding="utf-8"?>
 <p:sldLayout xmlns:a="http://schemas.openxmlformats.org/drawingml/2006/main" xmlns:r="http://schemas.openxmlformats.org/officeDocument/2006/relationships" xmlns:p="http://schemas.openxmlformats.org/presentationml/2006/main" type="vertTitleAndTx" preserve="1">
   <p:cSld name="Vertical Title and Text">
     <p:spTree>
@@ -550,13 +2698,7 @@
       </p:grpSpPr>
       <p:sp>
         <p:nvSpPr>
-          <p:cNvPr id="2" name="Vertical Title 1">
-            <a:extLst>
-              <a:ext uri="{FF2B5EF4-FFF2-40B4-BE49-F238E27FC236}">
-                <a16:creationId xmlns:a16="http://schemas.microsoft.com/office/drawing/2014/main" id="{469DEBFB-C7E0-457C-9DA3-F429C787157A}"/>
-              </a:ext>
-            </a:extLst>
-          </p:cNvPr>
+          <p:cNvPr id="2" name="Vertical Title 1"/>
           <p:cNvSpPr>
             <a:spLocks noGrp="1"/>
           </p:cNvSpPr>
@@ -566,30 +2708,25 @@
         </p:nvSpPr>
         <p:spPr>
           <a:xfrm>
-            <a:off x="8724900" y="365125"/>
-            <a:ext cx="2628900" cy="5811838"/>
+            <a:off x="7967673" y="609599"/>
+            <a:ext cx="1304743" cy="5251451"/>
           </a:xfrm>
         </p:spPr>
         <p:txBody>
-          <a:bodyPr vert="eaVert"/>
+          <a:bodyPr vert="eaVert" anchor="ctr"/>
           <a:lstStyle/>
           <a:p>
             <a:r>
               <a:rPr lang="en-US"/>
               <a:t>Click to edit Master title style</a:t>
             </a:r>
-          </a:p>
-        </p:txBody>
-      </p:sp>
-      <p:sp>
-        <p:nvSpPr>
-          <p:cNvPr id="3" name="Vertical Text Placeholder 2">
-            <a:extLst>
-              <a:ext uri="{FF2B5EF4-FFF2-40B4-BE49-F238E27FC236}">
-                <a16:creationId xmlns:a16="http://schemas.microsoft.com/office/drawing/2014/main" id="{99C046D9-7A56-48F4-97A1-0D75CE910931}"/>
-              </a:ext>
-            </a:extLst>
-          </p:cNvPr>
+            <a:endParaRPr lang="en-US" dirty="0"/>
+          </a:p>
+        </p:txBody>
+      </p:sp>
+      <p:sp>
+        <p:nvSpPr>
+          <p:cNvPr id="3" name="Vertical Text Placeholder 2"/>
           <p:cNvSpPr>
             <a:spLocks noGrp="1"/>
           </p:cNvSpPr>
@@ -599,8 +2736,8 @@
         </p:nvSpPr>
         <p:spPr>
           <a:xfrm>
-            <a:off x="838200" y="365125"/>
-            <a:ext cx="7734300" cy="5811838"/>
+            <a:off x="677335" y="609600"/>
+            <a:ext cx="7060150" cy="5251450"/>
           </a:xfrm>
         </p:spPr>
         <p:txBody>
@@ -640,18 +2777,13 @@
               <a:rPr lang="en-US"/>
               <a:t>Fifth level</a:t>
             </a:r>
-          </a:p>
-        </p:txBody>
-      </p:sp>
-      <p:sp>
-        <p:nvSpPr>
-          <p:cNvPr id="4" name="Date Placeholder 3">
-            <a:extLst>
-              <a:ext uri="{FF2B5EF4-FFF2-40B4-BE49-F238E27FC236}">
-                <a16:creationId xmlns:a16="http://schemas.microsoft.com/office/drawing/2014/main" id="{86EEC738-D9F2-4053-8460-CB613F82F14B}"/>
-              </a:ext>
-            </a:extLst>
-          </p:cNvPr>
+            <a:endParaRPr lang="en-US" dirty="0"/>
+          </a:p>
+        </p:txBody>
+      </p:sp>
+      <p:sp>
+        <p:nvSpPr>
+          <p:cNvPr id="4" name="Date Placeholder 3"/>
           <p:cNvSpPr>
             <a:spLocks noGrp="1"/>
           </p:cNvSpPr>
@@ -674,13 +2806,7 @@
       </p:sp>
       <p:sp>
         <p:nvSpPr>
-          <p:cNvPr id="5" name="Footer Placeholder 4">
-            <a:extLst>
-              <a:ext uri="{FF2B5EF4-FFF2-40B4-BE49-F238E27FC236}">
-                <a16:creationId xmlns:a16="http://schemas.microsoft.com/office/drawing/2014/main" id="{52475723-1004-4CC2-BBE3-87A807828FB7}"/>
-              </a:ext>
-            </a:extLst>
-          </p:cNvPr>
+          <p:cNvPr id="5" name="Footer Placeholder 4"/>
           <p:cNvSpPr>
             <a:spLocks noGrp="1"/>
           </p:cNvSpPr>
@@ -699,13 +2825,7 @@
       </p:sp>
       <p:sp>
         <p:nvSpPr>
-          <p:cNvPr id="6" name="Slide Number Placeholder 5">
-            <a:extLst>
-              <a:ext uri="{FF2B5EF4-FFF2-40B4-BE49-F238E27FC236}">
-                <a16:creationId xmlns:a16="http://schemas.microsoft.com/office/drawing/2014/main" id="{F87EAFAB-60B0-4569-9EA6-6E7A3D987786}"/>
-              </a:ext>
-            </a:extLst>
-          </p:cNvPr>
+          <p:cNvPr id="6" name="Slide Number Placeholder 5"/>
           <p:cNvSpPr>
             <a:spLocks noGrp="1"/>
           </p:cNvSpPr>
@@ -729,7 +2849,7 @@
     </p:spTree>
     <p:extLst>
       <p:ext uri="{BB962C8B-B14F-4D97-AF65-F5344CB8AC3E}">
-        <p14:creationId xmlns:p14="http://schemas.microsoft.com/office/powerpoint/2010/main" val="3319531402"/>
+        <p14:creationId xmlns:p14="http://schemas.microsoft.com/office/powerpoint/2010/main" val="2849213663"/>
       </p:ext>
     </p:extLst>
   </p:cSld>
@@ -758,13 +2878,7 @@
       </p:grpSpPr>
       <p:sp>
         <p:nvSpPr>
-          <p:cNvPr id="2" name="Title 1">
-            <a:extLst>
-              <a:ext uri="{FF2B5EF4-FFF2-40B4-BE49-F238E27FC236}">
-                <a16:creationId xmlns:a16="http://schemas.microsoft.com/office/drawing/2014/main" id="{6F324911-5BC8-4075-B55B-77AB55C29FED}"/>
-              </a:ext>
-            </a:extLst>
-          </p:cNvPr>
+          <p:cNvPr id="2" name="Title 1"/>
           <p:cNvSpPr>
             <a:spLocks noGrp="1"/>
           </p:cNvSpPr>
@@ -774,37 +2888,38 @@
         </p:nvSpPr>
         <p:spPr/>
         <p:txBody>
+          <a:bodyPr>
+            <a:normAutofit/>
+          </a:bodyPr>
+          <a:lstStyle>
+            <a:lvl1pPr>
+              <a:defRPr sz="3600"/>
+            </a:lvl1pPr>
+          </a:lstStyle>
+          <a:p>
+            <a:r>
+              <a:rPr lang="en-US"/>
+              <a:t>Click to edit Master title style</a:t>
+            </a:r>
+            <a:endParaRPr lang="en-US" dirty="0"/>
+          </a:p>
+        </p:txBody>
+      </p:sp>
+      <p:sp>
+        <p:nvSpPr>
+          <p:cNvPr id="3" name="Content Placeholder 2"/>
+          <p:cNvSpPr>
+            <a:spLocks noGrp="1"/>
+          </p:cNvSpPr>
+          <p:nvPr>
+            <p:ph idx="1"/>
+          </p:nvPr>
+        </p:nvSpPr>
+        <p:spPr/>
+        <p:txBody>
           <a:bodyPr/>
           <a:lstStyle/>
           <a:p>
-            <a:r>
-              <a:rPr lang="en-US"/>
-              <a:t>Click to edit Master title style</a:t>
-            </a:r>
-          </a:p>
-        </p:txBody>
-      </p:sp>
-      <p:sp>
-        <p:nvSpPr>
-          <p:cNvPr id="3" name="Content Placeholder 2">
-            <a:extLst>
-              <a:ext uri="{FF2B5EF4-FFF2-40B4-BE49-F238E27FC236}">
-                <a16:creationId xmlns:a16="http://schemas.microsoft.com/office/drawing/2014/main" id="{5754133B-77D3-4814-A690-3FD4DF61809C}"/>
-              </a:ext>
-            </a:extLst>
-          </p:cNvPr>
-          <p:cNvSpPr>
-            <a:spLocks noGrp="1"/>
-          </p:cNvSpPr>
-          <p:nvPr>
-            <p:ph idx="1"/>
-          </p:nvPr>
-        </p:nvSpPr>
-        <p:spPr/>
-        <p:txBody>
-          <a:bodyPr/>
-          <a:lstStyle/>
-          <a:p>
             <a:pPr lvl="0"/>
             <a:r>
               <a:rPr lang="en-US"/>
@@ -838,18 +2953,13 @@
               <a:rPr lang="en-US"/>
               <a:t>Fifth level</a:t>
             </a:r>
-          </a:p>
-        </p:txBody>
-      </p:sp>
-      <p:sp>
-        <p:nvSpPr>
-          <p:cNvPr id="4" name="Date Placeholder 3">
-            <a:extLst>
-              <a:ext uri="{FF2B5EF4-FFF2-40B4-BE49-F238E27FC236}">
-                <a16:creationId xmlns:a16="http://schemas.microsoft.com/office/drawing/2014/main" id="{B4CC54E3-69A4-4246-BC58-9662EF9438D4}"/>
-              </a:ext>
-            </a:extLst>
-          </p:cNvPr>
+            <a:endParaRPr lang="en-US" dirty="0"/>
+          </a:p>
+        </p:txBody>
+      </p:sp>
+      <p:sp>
+        <p:nvSpPr>
+          <p:cNvPr id="4" name="Date Placeholder 3"/>
           <p:cNvSpPr>
             <a:spLocks noGrp="1"/>
           </p:cNvSpPr>
@@ -872,13 +2982,7 @@
       </p:sp>
       <p:sp>
         <p:nvSpPr>
-          <p:cNvPr id="5" name="Footer Placeholder 4">
-            <a:extLst>
-              <a:ext uri="{FF2B5EF4-FFF2-40B4-BE49-F238E27FC236}">
-                <a16:creationId xmlns:a16="http://schemas.microsoft.com/office/drawing/2014/main" id="{F2442F7F-34C5-442D-A543-85009FFD9DB2}"/>
-              </a:ext>
-            </a:extLst>
-          </p:cNvPr>
+          <p:cNvPr id="5" name="Footer Placeholder 4"/>
           <p:cNvSpPr>
             <a:spLocks noGrp="1"/>
           </p:cNvSpPr>
@@ -897,13 +3001,7 @@
       </p:sp>
       <p:sp>
         <p:nvSpPr>
-          <p:cNvPr id="6" name="Slide Number Placeholder 5">
-            <a:extLst>
-              <a:ext uri="{FF2B5EF4-FFF2-40B4-BE49-F238E27FC236}">
-                <a16:creationId xmlns:a16="http://schemas.microsoft.com/office/drawing/2014/main" id="{429432D5-52CD-451F-8A66-AB43DE4D9E2C}"/>
-              </a:ext>
-            </a:extLst>
-          </p:cNvPr>
+          <p:cNvPr id="6" name="Slide Number Placeholder 5"/>
           <p:cNvSpPr>
             <a:spLocks noGrp="1"/>
           </p:cNvSpPr>
@@ -927,7 +3025,7 @@
     </p:spTree>
     <p:extLst>
       <p:ext uri="{BB962C8B-B14F-4D97-AF65-F5344CB8AC3E}">
-        <p14:creationId xmlns:p14="http://schemas.microsoft.com/office/powerpoint/2010/main" val="4086458287"/>
+        <p14:creationId xmlns:p14="http://schemas.microsoft.com/office/powerpoint/2010/main" val="4361819"/>
       </p:ext>
     </p:extLst>
   </p:cSld>
@@ -956,13 +3054,7 @@
       </p:grpSpPr>
       <p:sp>
         <p:nvSpPr>
-          <p:cNvPr id="2" name="Title 1">
-            <a:extLst>
-              <a:ext uri="{FF2B5EF4-FFF2-40B4-BE49-F238E27FC236}">
-                <a16:creationId xmlns:a16="http://schemas.microsoft.com/office/drawing/2014/main" id="{8BAC2F90-DFFC-4997-824D-B9F48B35AF52}"/>
-              </a:ext>
-            </a:extLst>
-          </p:cNvPr>
+          <p:cNvPr id="2" name="Title 1"/>
           <p:cNvSpPr>
             <a:spLocks noGrp="1"/>
           </p:cNvSpPr>
@@ -972,15 +3064,15 @@
         </p:nvSpPr>
         <p:spPr>
           <a:xfrm>
-            <a:off x="831850" y="1709738"/>
-            <a:ext cx="10515600" cy="2852737"/>
+            <a:off x="677335" y="2700867"/>
+            <a:ext cx="8596668" cy="1826581"/>
           </a:xfrm>
         </p:spPr>
         <p:txBody>
           <a:bodyPr anchor="b"/>
           <a:lstStyle>
-            <a:lvl1pPr>
-              <a:defRPr sz="6000"/>
+            <a:lvl1pPr algn="l">
+              <a:defRPr sz="4000" b="0" cap="none"/>
             </a:lvl1pPr>
           </a:lstStyle>
           <a:p>
@@ -988,18 +3080,13 @@
               <a:rPr lang="en-US"/>
               <a:t>Click to edit Master title style</a:t>
             </a:r>
-          </a:p>
-        </p:txBody>
-      </p:sp>
-      <p:sp>
-        <p:nvSpPr>
-          <p:cNvPr id="3" name="Text Placeholder 2">
-            <a:extLst>
-              <a:ext uri="{FF2B5EF4-FFF2-40B4-BE49-F238E27FC236}">
-                <a16:creationId xmlns:a16="http://schemas.microsoft.com/office/drawing/2014/main" id="{2F49053A-8905-403A-A847-E07A478EA76C}"/>
-              </a:ext>
-            </a:extLst>
-          </p:cNvPr>
+            <a:endParaRPr lang="en-US" dirty="0"/>
+          </a:p>
+        </p:txBody>
+      </p:sp>
+      <p:sp>
+        <p:nvSpPr>
+          <p:cNvPr id="3" name="Text Placeholder 2"/>
           <p:cNvSpPr>
             <a:spLocks noGrp="1"/>
           </p:cNvSpPr>
@@ -1009,102 +3096,103 @@
         </p:nvSpPr>
         <p:spPr>
           <a:xfrm>
-            <a:off x="831850" y="4589463"/>
-            <a:ext cx="10515600" cy="1500187"/>
+            <a:off x="677335" y="4527448"/>
+            <a:ext cx="8596668" cy="860400"/>
           </a:xfrm>
         </p:spPr>
         <p:txBody>
-          <a:bodyPr/>
+          <a:bodyPr anchor="t"/>
           <a:lstStyle>
-            <a:lvl1pPr marL="0" indent="0">
-              <a:buNone/>
-              <a:defRPr sz="2400">
+            <a:lvl1pPr marL="0" indent="0" algn="l">
+              <a:buNone/>
+              <a:defRPr sz="2000">
+                <a:solidFill>
+                  <a:schemeClr val="tx1">
+                    <a:lumMod val="50000"/>
+                    <a:lumOff val="50000"/>
+                  </a:schemeClr>
+                </a:solidFill>
+              </a:defRPr>
+            </a:lvl1pPr>
+            <a:lvl2pPr marL="457200" indent="0">
+              <a:buNone/>
+              <a:defRPr sz="1800">
                 <a:solidFill>
                   <a:schemeClr val="tx1">
                     <a:tint val="75000"/>
                   </a:schemeClr>
                 </a:solidFill>
               </a:defRPr>
-            </a:lvl1pPr>
-            <a:lvl2pPr marL="457200" indent="0">
-              <a:buNone/>
-              <a:defRPr sz="2000">
+            </a:lvl2pPr>
+            <a:lvl3pPr marL="914400" indent="0">
+              <a:buNone/>
+              <a:defRPr sz="1600">
                 <a:solidFill>
                   <a:schemeClr val="tx1">
                     <a:tint val="75000"/>
                   </a:schemeClr>
                 </a:solidFill>
               </a:defRPr>
-            </a:lvl2pPr>
-            <a:lvl3pPr marL="914400" indent="0">
-              <a:buNone/>
-              <a:defRPr sz="1800">
+            </a:lvl3pPr>
+            <a:lvl4pPr marL="1371600" indent="0">
+              <a:buNone/>
+              <a:defRPr sz="1400">
                 <a:solidFill>
                   <a:schemeClr val="tx1">
                     <a:tint val="75000"/>
                   </a:schemeClr>
                 </a:solidFill>
               </a:defRPr>
-            </a:lvl3pPr>
-            <a:lvl4pPr marL="1371600" indent="0">
-              <a:buNone/>
-              <a:defRPr sz="1600">
+            </a:lvl4pPr>
+            <a:lvl5pPr marL="1828800" indent="0">
+              <a:buNone/>
+              <a:defRPr sz="1400">
                 <a:solidFill>
                   <a:schemeClr val="tx1">
                     <a:tint val="75000"/>
                   </a:schemeClr>
                 </a:solidFill>
               </a:defRPr>
-            </a:lvl4pPr>
-            <a:lvl5pPr marL="1828800" indent="0">
-              <a:buNone/>
-              <a:defRPr sz="1600">
+            </a:lvl5pPr>
+            <a:lvl6pPr marL="2286000" indent="0">
+              <a:buNone/>
+              <a:defRPr sz="1400">
                 <a:solidFill>
                   <a:schemeClr val="tx1">
                     <a:tint val="75000"/>
                   </a:schemeClr>
                 </a:solidFill>
               </a:defRPr>
-            </a:lvl5pPr>
-            <a:lvl6pPr marL="2286000" indent="0">
-              <a:buNone/>
-              <a:defRPr sz="1600">
+            </a:lvl6pPr>
+            <a:lvl7pPr marL="2743200" indent="0">
+              <a:buNone/>
+              <a:defRPr sz="1400">
                 <a:solidFill>
                   <a:schemeClr val="tx1">
                     <a:tint val="75000"/>
                   </a:schemeClr>
                 </a:solidFill>
               </a:defRPr>
-            </a:lvl6pPr>
-            <a:lvl7pPr marL="2743200" indent="0">
-              <a:buNone/>
-              <a:defRPr sz="1600">
+            </a:lvl7pPr>
+            <a:lvl8pPr marL="3200400" indent="0">
+              <a:buNone/>
+              <a:defRPr sz="1400">
                 <a:solidFill>
                   <a:schemeClr val="tx1">
                     <a:tint val="75000"/>
                   </a:schemeClr>
                 </a:solidFill>
               </a:defRPr>
-            </a:lvl7pPr>
-            <a:lvl8pPr marL="3200400" indent="0">
-              <a:buNone/>
-              <a:defRPr sz="1600">
+            </a:lvl8pPr>
+            <a:lvl9pPr marL="3657600" indent="0">
+              <a:buNone/>
+              <a:defRPr sz="1400">
                 <a:solidFill>
                   <a:schemeClr val="tx1">
                     <a:tint val="75000"/>
                   </a:schemeClr>
                 </a:solidFill>
               </a:defRPr>
-            </a:lvl8pPr>
-            <a:lvl9pPr marL="3657600" indent="0">
-              <a:buNone/>
-              <a:defRPr sz="1600">
-                <a:solidFill>
-                  <a:schemeClr val="tx1">
-                    <a:tint val="75000"/>
-                  </a:schemeClr>
-                </a:solidFill>
-              </a:defRPr>
             </a:lvl9pPr>
           </a:lstStyle>
           <a:p>
@@ -1118,13 +3206,7 @@
       </p:sp>
       <p:sp>
         <p:nvSpPr>
-          <p:cNvPr id="4" name="Date Placeholder 3">
-            <a:extLst>
-              <a:ext uri="{FF2B5EF4-FFF2-40B4-BE49-F238E27FC236}">
-                <a16:creationId xmlns:a16="http://schemas.microsoft.com/office/drawing/2014/main" id="{AAD7C7FC-B99E-488C-899F-BB7F2685CB67}"/>
-              </a:ext>
-            </a:extLst>
-          </p:cNvPr>
+          <p:cNvPr id="4" name="Date Placeholder 3"/>
           <p:cNvSpPr>
             <a:spLocks noGrp="1"/>
           </p:cNvSpPr>
@@ -1147,13 +3229,7 @@
       </p:sp>
       <p:sp>
         <p:nvSpPr>
-          <p:cNvPr id="5" name="Footer Placeholder 4">
-            <a:extLst>
-              <a:ext uri="{FF2B5EF4-FFF2-40B4-BE49-F238E27FC236}">
-                <a16:creationId xmlns:a16="http://schemas.microsoft.com/office/drawing/2014/main" id="{27C59AD2-D12D-438C-ACE8-7DB55426737F}"/>
-              </a:ext>
-            </a:extLst>
-          </p:cNvPr>
+          <p:cNvPr id="5" name="Footer Placeholder 4"/>
           <p:cNvSpPr>
             <a:spLocks noGrp="1"/>
           </p:cNvSpPr>
@@ -1172,13 +3248,7 @@
       </p:sp>
       <p:sp>
         <p:nvSpPr>
-          <p:cNvPr id="6" name="Slide Number Placeholder 5">
-            <a:extLst>
-              <a:ext uri="{FF2B5EF4-FFF2-40B4-BE49-F238E27FC236}">
-                <a16:creationId xmlns:a16="http://schemas.microsoft.com/office/drawing/2014/main" id="{2D9AA9D2-AE2E-4345-8FDD-A8C759FCF527}"/>
-              </a:ext>
-            </a:extLst>
-          </p:cNvPr>
+          <p:cNvPr id="6" name="Slide Number Placeholder 5"/>
           <p:cNvSpPr>
             <a:spLocks noGrp="1"/>
           </p:cNvSpPr>
@@ -1202,7 +3272,7 @@
     </p:spTree>
     <p:extLst>
       <p:ext uri="{BB962C8B-B14F-4D97-AF65-F5344CB8AC3E}">
-        <p14:creationId xmlns:p14="http://schemas.microsoft.com/office/powerpoint/2010/main" val="154151875"/>
+        <p14:creationId xmlns:p14="http://schemas.microsoft.com/office/powerpoint/2010/main" val="4033128547"/>
       </p:ext>
     </p:extLst>
   </p:cSld>
@@ -1231,13 +3301,7 @@
       </p:grpSpPr>
       <p:sp>
         <p:nvSpPr>
-          <p:cNvPr id="2" name="Title 1">
-            <a:extLst>
-              <a:ext uri="{FF2B5EF4-FFF2-40B4-BE49-F238E27FC236}">
-                <a16:creationId xmlns:a16="http://schemas.microsoft.com/office/drawing/2014/main" id="{7E48A11D-D943-4C3F-AAB7-EBD19038D250}"/>
-              </a:ext>
-            </a:extLst>
-          </p:cNvPr>
+          <p:cNvPr id="2" name="Title 1"/>
           <p:cNvSpPr>
             <a:spLocks noGrp="1"/>
           </p:cNvSpPr>
@@ -1254,18 +3318,13 @@
               <a:rPr lang="en-US"/>
               <a:t>Click to edit Master title style</a:t>
             </a:r>
-          </a:p>
-        </p:txBody>
-      </p:sp>
-      <p:sp>
-        <p:nvSpPr>
-          <p:cNvPr id="3" name="Content Placeholder 2">
-            <a:extLst>
-              <a:ext uri="{FF2B5EF4-FFF2-40B4-BE49-F238E27FC236}">
-                <a16:creationId xmlns:a16="http://schemas.microsoft.com/office/drawing/2014/main" id="{93EF1DCA-92BB-4BE4-A94F-D7650BBB389A}"/>
-              </a:ext>
-            </a:extLst>
-          </p:cNvPr>
+            <a:endParaRPr lang="en-US" dirty="0"/>
+          </a:p>
+        </p:txBody>
+      </p:sp>
+      <p:sp>
+        <p:nvSpPr>
+          <p:cNvPr id="3" name="Content Placeholder 2"/>
           <p:cNvSpPr>
             <a:spLocks noGrp="1"/>
           </p:cNvSpPr>
@@ -1275,8 +3334,8 @@
         </p:nvSpPr>
         <p:spPr>
           <a:xfrm>
-            <a:off x="838200" y="1825625"/>
-            <a:ext cx="5181600" cy="4351338"/>
+            <a:off x="677334" y="2160589"/>
+            <a:ext cx="4184035" cy="3880772"/>
           </a:xfrm>
         </p:spPr>
         <p:txBody>
@@ -1316,18 +3375,13 @@
               <a:rPr lang="en-US"/>
               <a:t>Fifth level</a:t>
             </a:r>
-          </a:p>
-        </p:txBody>
-      </p:sp>
-      <p:sp>
-        <p:nvSpPr>
-          <p:cNvPr id="4" name="Content Placeholder 3">
-            <a:extLst>
-              <a:ext uri="{FF2B5EF4-FFF2-40B4-BE49-F238E27FC236}">
-                <a16:creationId xmlns:a16="http://schemas.microsoft.com/office/drawing/2014/main" id="{FDB9D2D8-A61A-4C4F-960C-D0EAFA72D0A6}"/>
-              </a:ext>
-            </a:extLst>
-          </p:cNvPr>
+            <a:endParaRPr lang="en-US" dirty="0"/>
+          </a:p>
+        </p:txBody>
+      </p:sp>
+      <p:sp>
+        <p:nvSpPr>
+          <p:cNvPr id="4" name="Content Placeholder 3"/>
           <p:cNvSpPr>
             <a:spLocks noGrp="1"/>
           </p:cNvSpPr>
@@ -1337,8 +3391,8 @@
         </p:nvSpPr>
         <p:spPr>
           <a:xfrm>
-            <a:off x="6172200" y="1825625"/>
-            <a:ext cx="5181600" cy="4351338"/>
+            <a:off x="5089970" y="2160589"/>
+            <a:ext cx="4184034" cy="3880773"/>
           </a:xfrm>
         </p:spPr>
         <p:txBody>
@@ -1378,18 +3432,13 @@
               <a:rPr lang="en-US"/>
               <a:t>Fifth level</a:t>
             </a:r>
-          </a:p>
-        </p:txBody>
-      </p:sp>
-      <p:sp>
-        <p:nvSpPr>
-          <p:cNvPr id="5" name="Date Placeholder 4">
-            <a:extLst>
-              <a:ext uri="{FF2B5EF4-FFF2-40B4-BE49-F238E27FC236}">
-                <a16:creationId xmlns:a16="http://schemas.microsoft.com/office/drawing/2014/main" id="{1B357EC0-1067-4DA2-AB02-D801EEC53C15}"/>
-              </a:ext>
-            </a:extLst>
-          </p:cNvPr>
+            <a:endParaRPr lang="en-US" dirty="0"/>
+          </a:p>
+        </p:txBody>
+      </p:sp>
+      <p:sp>
+        <p:nvSpPr>
+          <p:cNvPr id="5" name="Date Placeholder 4"/>
           <p:cNvSpPr>
             <a:spLocks noGrp="1"/>
           </p:cNvSpPr>
@@ -1412,13 +3461,7 @@
       </p:sp>
       <p:sp>
         <p:nvSpPr>
-          <p:cNvPr id="6" name="Footer Placeholder 5">
-            <a:extLst>
-              <a:ext uri="{FF2B5EF4-FFF2-40B4-BE49-F238E27FC236}">
-                <a16:creationId xmlns:a16="http://schemas.microsoft.com/office/drawing/2014/main" id="{484EE97E-B06E-4F74-ADBA-AD2399284604}"/>
-              </a:ext>
-            </a:extLst>
-          </p:cNvPr>
+          <p:cNvPr id="6" name="Footer Placeholder 5"/>
           <p:cNvSpPr>
             <a:spLocks noGrp="1"/>
           </p:cNvSpPr>
@@ -1437,13 +3480,7 @@
       </p:sp>
       <p:sp>
         <p:nvSpPr>
-          <p:cNvPr id="7" name="Slide Number Placeholder 6">
-            <a:extLst>
-              <a:ext uri="{FF2B5EF4-FFF2-40B4-BE49-F238E27FC236}">
-                <a16:creationId xmlns:a16="http://schemas.microsoft.com/office/drawing/2014/main" id="{E4B536D1-3F2A-4BD4-B804-9ABB4574EFE8}"/>
-              </a:ext>
-            </a:extLst>
-          </p:cNvPr>
+          <p:cNvPr id="7" name="Slide Number Placeholder 6"/>
           <p:cNvSpPr>
             <a:spLocks noGrp="1"/>
           </p:cNvSpPr>
@@ -1467,7 +3504,7 @@
     </p:spTree>
     <p:extLst>
       <p:ext uri="{BB962C8B-B14F-4D97-AF65-F5344CB8AC3E}">
-        <p14:creationId xmlns:p14="http://schemas.microsoft.com/office/powerpoint/2010/main" val="3725484083"/>
+        <p14:creationId xmlns:p14="http://schemas.microsoft.com/office/powerpoint/2010/main" val="1809424614"/>
       </p:ext>
     </p:extLst>
   </p:cSld>
@@ -1496,65 +3533,55 @@
       </p:grpSpPr>
       <p:sp>
         <p:nvSpPr>
-          <p:cNvPr id="2" name="Title 1">
-            <a:extLst>
-              <a:ext uri="{FF2B5EF4-FFF2-40B4-BE49-F238E27FC236}">
-                <a16:creationId xmlns:a16="http://schemas.microsoft.com/office/drawing/2014/main" id="{06BAEFBC-2F66-4112-96DD-061043D58510}"/>
-              </a:ext>
-            </a:extLst>
-          </p:cNvPr>
+          <p:cNvPr id="2" name="Title 1"/>
           <p:cNvSpPr>
             <a:spLocks noGrp="1"/>
           </p:cNvSpPr>
           <p:nvPr>
             <p:ph type="title"/>
+          </p:nvPr>
+        </p:nvSpPr>
+        <p:spPr/>
+        <p:txBody>
+          <a:bodyPr/>
+          <a:lstStyle>
+            <a:lvl1pPr>
+              <a:defRPr/>
+            </a:lvl1pPr>
+          </a:lstStyle>
+          <a:p>
+            <a:r>
+              <a:rPr lang="en-US"/>
+              <a:t>Click to edit Master title style</a:t>
+            </a:r>
+            <a:endParaRPr lang="en-US" dirty="0"/>
+          </a:p>
+        </p:txBody>
+      </p:sp>
+      <p:sp>
+        <p:nvSpPr>
+          <p:cNvPr id="3" name="Text Placeholder 2"/>
+          <p:cNvSpPr>
+            <a:spLocks noGrp="1"/>
+          </p:cNvSpPr>
+          <p:nvPr>
+            <p:ph type="body" idx="1"/>
           </p:nvPr>
         </p:nvSpPr>
         <p:spPr>
           <a:xfrm>
-            <a:off x="839788" y="365125"/>
-            <a:ext cx="10515600" cy="1325563"/>
+            <a:off x="675745" y="2160983"/>
+            <a:ext cx="4185623" cy="576262"/>
           </a:xfrm>
         </p:spPr>
         <p:txBody>
-          <a:bodyPr/>
-          <a:lstStyle/>
-          <a:p>
-            <a:r>
-              <a:rPr lang="en-US"/>
-              <a:t>Click to edit Master title style</a:t>
-            </a:r>
-          </a:p>
-        </p:txBody>
-      </p:sp>
-      <p:sp>
-        <p:nvSpPr>
-          <p:cNvPr id="3" name="Text Placeholder 2">
-            <a:extLst>
-              <a:ext uri="{FF2B5EF4-FFF2-40B4-BE49-F238E27FC236}">
-                <a16:creationId xmlns:a16="http://schemas.microsoft.com/office/drawing/2014/main" id="{A76556C5-CDFA-4232-A37B-171A5F773A89}"/>
-              </a:ext>
-            </a:extLst>
-          </p:cNvPr>
-          <p:cNvSpPr>
-            <a:spLocks noGrp="1"/>
-          </p:cNvSpPr>
-          <p:nvPr>
-            <p:ph type="body" idx="1"/>
-          </p:nvPr>
-        </p:nvSpPr>
-        <p:spPr>
-          <a:xfrm>
-            <a:off x="839788" y="1681163"/>
-            <a:ext cx="5157787" cy="823912"/>
-          </a:xfrm>
-        </p:spPr>
-        <p:txBody>
-          <a:bodyPr anchor="b"/>
+          <a:bodyPr anchor="b">
+            <a:noAutofit/>
+          </a:bodyPr>
           <a:lstStyle>
             <a:lvl1pPr marL="0" indent="0">
               <a:buNone/>
-              <a:defRPr sz="2400" b="1"/>
+              <a:defRPr sz="2400" b="0"/>
             </a:lvl1pPr>
             <a:lvl2pPr marL="457200" indent="0">
               <a:buNone/>
@@ -1600,13 +3627,7 @@
       </p:sp>
       <p:sp>
         <p:nvSpPr>
-          <p:cNvPr id="4" name="Content Placeholder 3">
-            <a:extLst>
-              <a:ext uri="{FF2B5EF4-FFF2-40B4-BE49-F238E27FC236}">
-                <a16:creationId xmlns:a16="http://schemas.microsoft.com/office/drawing/2014/main" id="{169ACAFF-15D1-4FB8-A40D-C5F36EE57822}"/>
-              </a:ext>
-            </a:extLst>
-          </p:cNvPr>
+          <p:cNvPr id="4" name="Content Placeholder 3"/>
           <p:cNvSpPr>
             <a:spLocks noGrp="1"/>
           </p:cNvSpPr>
@@ -1616,12 +3637,14 @@
         </p:nvSpPr>
         <p:spPr>
           <a:xfrm>
-            <a:off x="839788" y="2505075"/>
-            <a:ext cx="5157787" cy="3684588"/>
+            <a:off x="675745" y="2737245"/>
+            <a:ext cx="4185623" cy="3304117"/>
           </a:xfrm>
         </p:spPr>
         <p:txBody>
-          <a:bodyPr/>
+          <a:bodyPr>
+            <a:normAutofit/>
+          </a:bodyPr>
           <a:lstStyle/>
           <a:p>
             <a:pPr lvl="0"/>
@@ -1657,18 +3680,13 @@
               <a:rPr lang="en-US"/>
               <a:t>Fifth level</a:t>
             </a:r>
-          </a:p>
-        </p:txBody>
-      </p:sp>
-      <p:sp>
-        <p:nvSpPr>
-          <p:cNvPr id="5" name="Text Placeholder 4">
-            <a:extLst>
-              <a:ext uri="{FF2B5EF4-FFF2-40B4-BE49-F238E27FC236}">
-                <a16:creationId xmlns:a16="http://schemas.microsoft.com/office/drawing/2014/main" id="{98622BC3-3878-47CF-983B-0E7175CD8D3E}"/>
-              </a:ext>
-            </a:extLst>
-          </p:cNvPr>
+            <a:endParaRPr lang="en-US" dirty="0"/>
+          </a:p>
+        </p:txBody>
+      </p:sp>
+      <p:sp>
+        <p:nvSpPr>
+          <p:cNvPr id="5" name="Text Placeholder 4"/>
           <p:cNvSpPr>
             <a:spLocks noGrp="1"/>
           </p:cNvSpPr>
@@ -1678,16 +3696,18 @@
         </p:nvSpPr>
         <p:spPr>
           <a:xfrm>
-            <a:off x="6172200" y="1681163"/>
-            <a:ext cx="5183188" cy="823912"/>
+            <a:off x="5088383" y="2160983"/>
+            <a:ext cx="4185618" cy="576262"/>
           </a:xfrm>
         </p:spPr>
         <p:txBody>
-          <a:bodyPr anchor="b"/>
+          <a:bodyPr anchor="b">
+            <a:noAutofit/>
+          </a:bodyPr>
           <a:lstStyle>
             <a:lvl1pPr marL="0" indent="0">
               <a:buNone/>
-              <a:defRPr sz="2400" b="1"/>
+              <a:defRPr sz="2400" b="0"/>
             </a:lvl1pPr>
             <a:lvl2pPr marL="457200" indent="0">
               <a:buNone/>
@@ -1733,13 +3753,7 @@
       </p:sp>
       <p:sp>
         <p:nvSpPr>
-          <p:cNvPr id="6" name="Content Placeholder 5">
-            <a:extLst>
-              <a:ext uri="{FF2B5EF4-FFF2-40B4-BE49-F238E27FC236}">
-                <a16:creationId xmlns:a16="http://schemas.microsoft.com/office/drawing/2014/main" id="{1D2CE697-1576-446F-BDFD-13DA02A514C4}"/>
-              </a:ext>
-            </a:extLst>
-          </p:cNvPr>
+          <p:cNvPr id="6" name="Content Placeholder 5"/>
           <p:cNvSpPr>
             <a:spLocks noGrp="1"/>
           </p:cNvSpPr>
@@ -1749,12 +3763,14 @@
         </p:nvSpPr>
         <p:spPr>
           <a:xfrm>
-            <a:off x="6172200" y="2505075"/>
-            <a:ext cx="5183188" cy="3684588"/>
+            <a:off x="5088384" y="2737245"/>
+            <a:ext cx="4185617" cy="3304117"/>
           </a:xfrm>
         </p:spPr>
         <p:txBody>
-          <a:bodyPr/>
+          <a:bodyPr>
+            <a:normAutofit/>
+          </a:bodyPr>
           <a:lstStyle/>
           <a:p>
             <a:pPr lvl="0"/>
@@ -1790,18 +3806,13 @@
               <a:rPr lang="en-US"/>
               <a:t>Fifth level</a:t>
             </a:r>
-          </a:p>
-        </p:txBody>
-      </p:sp>
-      <p:sp>
-        <p:nvSpPr>
-          <p:cNvPr id="7" name="Date Placeholder 6">
-            <a:extLst>
-              <a:ext uri="{FF2B5EF4-FFF2-40B4-BE49-F238E27FC236}">
-                <a16:creationId xmlns:a16="http://schemas.microsoft.com/office/drawing/2014/main" id="{CEA3A6C0-57EB-4F6B-A731-8B9736521BA6}"/>
-              </a:ext>
-            </a:extLst>
-          </p:cNvPr>
+            <a:endParaRPr lang="en-US" dirty="0"/>
+          </a:p>
+        </p:txBody>
+      </p:sp>
+      <p:sp>
+        <p:nvSpPr>
+          <p:cNvPr id="7" name="Date Placeholder 6"/>
           <p:cNvSpPr>
             <a:spLocks noGrp="1"/>
           </p:cNvSpPr>
@@ -1824,13 +3835,7 @@
       </p:sp>
       <p:sp>
         <p:nvSpPr>
-          <p:cNvPr id="8" name="Footer Placeholder 7">
-            <a:extLst>
-              <a:ext uri="{FF2B5EF4-FFF2-40B4-BE49-F238E27FC236}">
-                <a16:creationId xmlns:a16="http://schemas.microsoft.com/office/drawing/2014/main" id="{E9E0D680-071E-4690-B99B-75260F48AEA9}"/>
-              </a:ext>
-            </a:extLst>
-          </p:cNvPr>
+          <p:cNvPr id="8" name="Footer Placeholder 7"/>
           <p:cNvSpPr>
             <a:spLocks noGrp="1"/>
           </p:cNvSpPr>
@@ -1849,13 +3854,7 @@
       </p:sp>
       <p:sp>
         <p:nvSpPr>
-          <p:cNvPr id="9" name="Slide Number Placeholder 8">
-            <a:extLst>
-              <a:ext uri="{FF2B5EF4-FFF2-40B4-BE49-F238E27FC236}">
-                <a16:creationId xmlns:a16="http://schemas.microsoft.com/office/drawing/2014/main" id="{0D337ED9-595E-4E70-8C25-6373F75852B1}"/>
-              </a:ext>
-            </a:extLst>
-          </p:cNvPr>
+          <p:cNvPr id="9" name="Slide Number Placeholder 8"/>
           <p:cNvSpPr>
             <a:spLocks noGrp="1"/>
           </p:cNvSpPr>
@@ -1879,7 +3878,7 @@
     </p:spTree>
     <p:extLst>
       <p:ext uri="{BB962C8B-B14F-4D97-AF65-F5344CB8AC3E}">
-        <p14:creationId xmlns:p14="http://schemas.microsoft.com/office/powerpoint/2010/main" val="4256827091"/>
+        <p14:creationId xmlns:p14="http://schemas.microsoft.com/office/powerpoint/2010/main" val="3206269488"/>
       </p:ext>
     </p:extLst>
   </p:cSld>
@@ -1908,13 +3907,7 @@
       </p:grpSpPr>
       <p:sp>
         <p:nvSpPr>
-          <p:cNvPr id="2" name="Title 1">
-            <a:extLst>
-              <a:ext uri="{FF2B5EF4-FFF2-40B4-BE49-F238E27FC236}">
-                <a16:creationId xmlns:a16="http://schemas.microsoft.com/office/drawing/2014/main" id="{08A75747-470B-47B4-9946-98D9438927B7}"/>
-              </a:ext>
-            </a:extLst>
-          </p:cNvPr>
+          <p:cNvPr id="2" name="Title 1"/>
           <p:cNvSpPr>
             <a:spLocks noGrp="1"/>
           </p:cNvSpPr>
@@ -1922,7 +3915,12 @@
             <p:ph type="title"/>
           </p:nvPr>
         </p:nvSpPr>
-        <p:spPr/>
+        <p:spPr>
+          <a:xfrm>
+            <a:off x="677334" y="609600"/>
+            <a:ext cx="8596668" cy="1320800"/>
+          </a:xfrm>
+        </p:spPr>
         <p:txBody>
           <a:bodyPr/>
           <a:lstStyle/>
@@ -1931,18 +3929,13 @@
               <a:rPr lang="en-US"/>
               <a:t>Click to edit Master title style</a:t>
             </a:r>
-          </a:p>
-        </p:txBody>
-      </p:sp>
-      <p:sp>
-        <p:nvSpPr>
-          <p:cNvPr id="3" name="Date Placeholder 2">
-            <a:extLst>
-              <a:ext uri="{FF2B5EF4-FFF2-40B4-BE49-F238E27FC236}">
-                <a16:creationId xmlns:a16="http://schemas.microsoft.com/office/drawing/2014/main" id="{8FE46D39-06DE-402A-8D61-D506955CE7A6}"/>
-              </a:ext>
-            </a:extLst>
-          </p:cNvPr>
+            <a:endParaRPr lang="en-US" dirty="0"/>
+          </a:p>
+        </p:txBody>
+      </p:sp>
+      <p:sp>
+        <p:nvSpPr>
+          <p:cNvPr id="3" name="Date Placeholder 2"/>
           <p:cNvSpPr>
             <a:spLocks noGrp="1"/>
           </p:cNvSpPr>
@@ -1965,13 +3958,7 @@
       </p:sp>
       <p:sp>
         <p:nvSpPr>
-          <p:cNvPr id="4" name="Footer Placeholder 3">
-            <a:extLst>
-              <a:ext uri="{FF2B5EF4-FFF2-40B4-BE49-F238E27FC236}">
-                <a16:creationId xmlns:a16="http://schemas.microsoft.com/office/drawing/2014/main" id="{9D71CC96-B056-470F-8388-D8A51C013E6E}"/>
-              </a:ext>
-            </a:extLst>
-          </p:cNvPr>
+          <p:cNvPr id="4" name="Footer Placeholder 3"/>
           <p:cNvSpPr>
             <a:spLocks noGrp="1"/>
           </p:cNvSpPr>
@@ -1990,13 +3977,7 @@
       </p:sp>
       <p:sp>
         <p:nvSpPr>
-          <p:cNvPr id="5" name="Slide Number Placeholder 4">
-            <a:extLst>
-              <a:ext uri="{FF2B5EF4-FFF2-40B4-BE49-F238E27FC236}">
-                <a16:creationId xmlns:a16="http://schemas.microsoft.com/office/drawing/2014/main" id="{1C4E55EC-44BB-4147-AC2B-EB73041B4FD1}"/>
-              </a:ext>
-            </a:extLst>
-          </p:cNvPr>
+          <p:cNvPr id="5" name="Slide Number Placeholder 4"/>
           <p:cNvSpPr>
             <a:spLocks noGrp="1"/>
           </p:cNvSpPr>
@@ -2020,7 +4001,7 @@
     </p:spTree>
     <p:extLst>
       <p:ext uri="{BB962C8B-B14F-4D97-AF65-F5344CB8AC3E}">
-        <p14:creationId xmlns:p14="http://schemas.microsoft.com/office/powerpoint/2010/main" val="2806629006"/>
+        <p14:creationId xmlns:p14="http://schemas.microsoft.com/office/powerpoint/2010/main" val="611350566"/>
       </p:ext>
     </p:extLst>
   </p:cSld>
@@ -2049,13 +4030,7 @@
       </p:grpSpPr>
       <p:sp>
         <p:nvSpPr>
-          <p:cNvPr id="2" name="Date Placeholder 1">
-            <a:extLst>
-              <a:ext uri="{FF2B5EF4-FFF2-40B4-BE49-F238E27FC236}">
-                <a16:creationId xmlns:a16="http://schemas.microsoft.com/office/drawing/2014/main" id="{6E4E18F8-75E1-4204-A0EC-7E4264F373B1}"/>
-              </a:ext>
-            </a:extLst>
-          </p:cNvPr>
+          <p:cNvPr id="2" name="Date Placeholder 1"/>
           <p:cNvSpPr>
             <a:spLocks noGrp="1"/>
           </p:cNvSpPr>
@@ -2078,13 +4053,7 @@
       </p:sp>
       <p:sp>
         <p:nvSpPr>
-          <p:cNvPr id="3" name="Footer Placeholder 2">
-            <a:extLst>
-              <a:ext uri="{FF2B5EF4-FFF2-40B4-BE49-F238E27FC236}">
-                <a16:creationId xmlns:a16="http://schemas.microsoft.com/office/drawing/2014/main" id="{81D2629E-1133-4F70-8D2D-527710271FA5}"/>
-              </a:ext>
-            </a:extLst>
-          </p:cNvPr>
+          <p:cNvPr id="3" name="Footer Placeholder 2"/>
           <p:cNvSpPr>
             <a:spLocks noGrp="1"/>
           </p:cNvSpPr>
@@ -2103,13 +4072,7 @@
       </p:sp>
       <p:sp>
         <p:nvSpPr>
-          <p:cNvPr id="4" name="Slide Number Placeholder 3">
-            <a:extLst>
-              <a:ext uri="{FF2B5EF4-FFF2-40B4-BE49-F238E27FC236}">
-                <a16:creationId xmlns:a16="http://schemas.microsoft.com/office/drawing/2014/main" id="{ED9922BC-B6F4-4BDA-B9AB-2769405B9E71}"/>
-              </a:ext>
-            </a:extLst>
-          </p:cNvPr>
+          <p:cNvPr id="4" name="Slide Number Placeholder 3"/>
           <p:cNvSpPr>
             <a:spLocks noGrp="1"/>
           </p:cNvSpPr>
@@ -2133,7 +4096,7 @@
     </p:spTree>
     <p:extLst>
       <p:ext uri="{BB962C8B-B14F-4D97-AF65-F5344CB8AC3E}">
-        <p14:creationId xmlns:p14="http://schemas.microsoft.com/office/powerpoint/2010/main" val="1706401464"/>
+        <p14:creationId xmlns:p14="http://schemas.microsoft.com/office/powerpoint/2010/main" val="2691090111"/>
       </p:ext>
     </p:extLst>
   </p:cSld>
@@ -2162,13 +4125,7 @@
       </p:grpSpPr>
       <p:sp>
         <p:nvSpPr>
-          <p:cNvPr id="2" name="Title 1">
-            <a:extLst>
-              <a:ext uri="{FF2B5EF4-FFF2-40B4-BE49-F238E27FC236}">
-                <a16:creationId xmlns:a16="http://schemas.microsoft.com/office/drawing/2014/main" id="{7184ABDC-828B-447A-A941-EB449E3390FE}"/>
-              </a:ext>
-            </a:extLst>
-          </p:cNvPr>
+          <p:cNvPr id="2" name="Title 1"/>
           <p:cNvSpPr>
             <a:spLocks noGrp="1"/>
           </p:cNvSpPr>
@@ -2178,15 +4135,17 @@
         </p:nvSpPr>
         <p:spPr>
           <a:xfrm>
-            <a:off x="839788" y="457200"/>
-            <a:ext cx="3932237" cy="1600200"/>
+            <a:off x="677334" y="1498604"/>
+            <a:ext cx="3854528" cy="1278466"/>
           </a:xfrm>
         </p:spPr>
         <p:txBody>
-          <a:bodyPr anchor="b"/>
+          <a:bodyPr anchor="b">
+            <a:normAutofit/>
+          </a:bodyPr>
           <a:lstStyle>
             <a:lvl1pPr>
-              <a:defRPr sz="3200"/>
+              <a:defRPr sz="2000"/>
             </a:lvl1pPr>
           </a:lstStyle>
           <a:p>
@@ -2194,18 +4153,13 @@
               <a:rPr lang="en-US"/>
               <a:t>Click to edit Master title style</a:t>
             </a:r>
-          </a:p>
-        </p:txBody>
-      </p:sp>
-      <p:sp>
-        <p:nvSpPr>
-          <p:cNvPr id="3" name="Content Placeholder 2">
-            <a:extLst>
-              <a:ext uri="{FF2B5EF4-FFF2-40B4-BE49-F238E27FC236}">
-                <a16:creationId xmlns:a16="http://schemas.microsoft.com/office/drawing/2014/main" id="{A5FC850C-35AB-4231-98BA-F751CEE3DC76}"/>
-              </a:ext>
-            </a:extLst>
-          </p:cNvPr>
+            <a:endParaRPr lang="en-US" dirty="0"/>
+          </a:p>
+        </p:txBody>
+      </p:sp>
+      <p:sp>
+        <p:nvSpPr>
+          <p:cNvPr id="3" name="Content Placeholder 2"/>
           <p:cNvSpPr>
             <a:spLocks noGrp="1"/>
           </p:cNvSpPr>
@@ -2215,41 +4169,15 @@
         </p:nvSpPr>
         <p:spPr>
           <a:xfrm>
-            <a:off x="5183188" y="987425"/>
-            <a:ext cx="6172200" cy="4873625"/>
+            <a:off x="4760461" y="514924"/>
+            <a:ext cx="4513541" cy="5526437"/>
           </a:xfrm>
         </p:spPr>
         <p:txBody>
-          <a:bodyPr/>
-          <a:lstStyle>
-            <a:lvl1pPr>
-              <a:defRPr sz="3200"/>
-            </a:lvl1pPr>
-            <a:lvl2pPr>
-              <a:defRPr sz="2800"/>
-            </a:lvl2pPr>
-            <a:lvl3pPr>
-              <a:defRPr sz="2400"/>
-            </a:lvl3pPr>
-            <a:lvl4pPr>
-              <a:defRPr sz="2000"/>
-            </a:lvl4pPr>
-            <a:lvl5pPr>
-              <a:defRPr sz="2000"/>
-            </a:lvl5pPr>
-            <a:lvl6pPr>
-              <a:defRPr sz="2000"/>
-            </a:lvl6pPr>
-            <a:lvl7pPr>
-              <a:defRPr sz="2000"/>
-            </a:lvl7pPr>
-            <a:lvl8pPr>
-              <a:defRPr sz="2000"/>
-            </a:lvl8pPr>
-            <a:lvl9pPr>
-              <a:defRPr sz="2000"/>
-            </a:lvl9pPr>
-          </a:lstStyle>
+          <a:bodyPr>
+            <a:normAutofit/>
+          </a:bodyPr>
+          <a:lstStyle/>
           <a:p>
             <a:pPr lvl="0"/>
             <a:r>
@@ -2284,18 +4212,13 @@
               <a:rPr lang="en-US"/>
               <a:t>Fifth level</a:t>
             </a:r>
-          </a:p>
-        </p:txBody>
-      </p:sp>
-      <p:sp>
-        <p:nvSpPr>
-          <p:cNvPr id="4" name="Text Placeholder 3">
-            <a:extLst>
-              <a:ext uri="{FF2B5EF4-FFF2-40B4-BE49-F238E27FC236}">
-                <a16:creationId xmlns:a16="http://schemas.microsoft.com/office/drawing/2014/main" id="{0445B69B-DF33-4F7C-A330-657C6FA284D2}"/>
-              </a:ext>
-            </a:extLst>
-          </p:cNvPr>
+            <a:endParaRPr lang="en-US" dirty="0"/>
+          </a:p>
+        </p:txBody>
+      </p:sp>
+      <p:sp>
+        <p:nvSpPr>
+          <p:cNvPr id="4" name="Text Placeholder 3"/>
           <p:cNvSpPr>
             <a:spLocks noGrp="1"/>
           </p:cNvSpPr>
@@ -2305,46 +4228,48 @@
         </p:nvSpPr>
         <p:spPr>
           <a:xfrm>
-            <a:off x="839788" y="2057400"/>
-            <a:ext cx="3932237" cy="3811588"/>
+            <a:off x="677334" y="2777069"/>
+            <a:ext cx="3854528" cy="2584449"/>
           </a:xfrm>
         </p:spPr>
         <p:txBody>
-          <a:bodyPr/>
+          <a:bodyPr>
+            <a:normAutofit/>
+          </a:bodyPr>
           <a:lstStyle>
             <a:lvl1pPr marL="0" indent="0">
               <a:buNone/>
-              <a:defRPr sz="1600"/>
+              <a:defRPr sz="1400"/>
             </a:lvl1pPr>
-            <a:lvl2pPr marL="457200" indent="0">
+            <a:lvl2pPr marL="457063" indent="0">
               <a:buNone/>
               <a:defRPr sz="1400"/>
             </a:lvl2pPr>
-            <a:lvl3pPr marL="914400" indent="0">
+            <a:lvl3pPr marL="914126" indent="0">
               <a:buNone/>
               <a:defRPr sz="1200"/>
             </a:lvl3pPr>
-            <a:lvl4pPr marL="1371600" indent="0">
+            <a:lvl4pPr marL="1371189" indent="0">
               <a:buNone/>
               <a:defRPr sz="1000"/>
             </a:lvl4pPr>
-            <a:lvl5pPr marL="1828800" indent="0">
+            <a:lvl5pPr marL="1828251" indent="0">
               <a:buNone/>
               <a:defRPr sz="1000"/>
             </a:lvl5pPr>
-            <a:lvl6pPr marL="2286000" indent="0">
+            <a:lvl6pPr marL="2285314" indent="0">
               <a:buNone/>
               <a:defRPr sz="1000"/>
             </a:lvl6pPr>
-            <a:lvl7pPr marL="2743200" indent="0">
+            <a:lvl7pPr marL="2742377" indent="0">
               <a:buNone/>
               <a:defRPr sz="1000"/>
             </a:lvl7pPr>
-            <a:lvl8pPr marL="3200400" indent="0">
+            <a:lvl8pPr marL="3199440" indent="0">
               <a:buNone/>
               <a:defRPr sz="1000"/>
             </a:lvl8pPr>
-            <a:lvl9pPr marL="3657600" indent="0">
+            <a:lvl9pPr marL="3656503" indent="0">
               <a:buNone/>
               <a:defRPr sz="1000"/>
             </a:lvl9pPr>
@@ -2360,13 +4285,7 @@
       </p:sp>
       <p:sp>
         <p:nvSpPr>
-          <p:cNvPr id="5" name="Date Placeholder 4">
-            <a:extLst>
-              <a:ext uri="{FF2B5EF4-FFF2-40B4-BE49-F238E27FC236}">
-                <a16:creationId xmlns:a16="http://schemas.microsoft.com/office/drawing/2014/main" id="{5620EB48-04AB-43DE-85E0-6F66A8C08883}"/>
-              </a:ext>
-            </a:extLst>
-          </p:cNvPr>
+          <p:cNvPr id="5" name="Date Placeholder 4"/>
           <p:cNvSpPr>
             <a:spLocks noGrp="1"/>
           </p:cNvSpPr>
@@ -2389,13 +4308,7 @@
       </p:sp>
       <p:sp>
         <p:nvSpPr>
-          <p:cNvPr id="6" name="Footer Placeholder 5">
-            <a:extLst>
-              <a:ext uri="{FF2B5EF4-FFF2-40B4-BE49-F238E27FC236}">
-                <a16:creationId xmlns:a16="http://schemas.microsoft.com/office/drawing/2014/main" id="{0C3C1A5B-C426-49C6-9C91-AC3828C84E7A}"/>
-              </a:ext>
-            </a:extLst>
-          </p:cNvPr>
+          <p:cNvPr id="6" name="Footer Placeholder 5"/>
           <p:cNvSpPr>
             <a:spLocks noGrp="1"/>
           </p:cNvSpPr>
@@ -2414,13 +4327,7 @@
       </p:sp>
       <p:sp>
         <p:nvSpPr>
-          <p:cNvPr id="7" name="Slide Number Placeholder 6">
-            <a:extLst>
-              <a:ext uri="{FF2B5EF4-FFF2-40B4-BE49-F238E27FC236}">
-                <a16:creationId xmlns:a16="http://schemas.microsoft.com/office/drawing/2014/main" id="{E2347F32-741D-40AB-9FD4-BAC04A17108B}"/>
-              </a:ext>
-            </a:extLst>
-          </p:cNvPr>
+          <p:cNvPr id="7" name="Slide Number Placeholder 6"/>
           <p:cNvSpPr>
             <a:spLocks noGrp="1"/>
           </p:cNvSpPr>
@@ -2444,7 +4351,7 @@
     </p:spTree>
     <p:extLst>
       <p:ext uri="{BB962C8B-B14F-4D97-AF65-F5344CB8AC3E}">
-        <p14:creationId xmlns:p14="http://schemas.microsoft.com/office/powerpoint/2010/main" val="58232528"/>
+        <p14:creationId xmlns:p14="http://schemas.microsoft.com/office/powerpoint/2010/main" val="1596596641"/>
       </p:ext>
     </p:extLst>
   </p:cSld>
@@ -2473,13 +4380,7 @@
       </p:grpSpPr>
       <p:sp>
         <p:nvSpPr>
-          <p:cNvPr id="2" name="Title 1">
-            <a:extLst>
-              <a:ext uri="{FF2B5EF4-FFF2-40B4-BE49-F238E27FC236}">
-                <a16:creationId xmlns:a16="http://schemas.microsoft.com/office/drawing/2014/main" id="{5D49AD62-EEE9-4D90-A015-EAACBB70DD9E}"/>
-              </a:ext>
-            </a:extLst>
-          </p:cNvPr>
+          <p:cNvPr id="2" name="Title 1"/>
           <p:cNvSpPr>
             <a:spLocks noGrp="1"/>
           </p:cNvSpPr>
@@ -2489,15 +4390,17 @@
         </p:nvSpPr>
         <p:spPr>
           <a:xfrm>
-            <a:off x="839788" y="457200"/>
-            <a:ext cx="3932237" cy="1600200"/>
+            <a:off x="677334" y="4800600"/>
+            <a:ext cx="8596667" cy="566738"/>
           </a:xfrm>
         </p:spPr>
         <p:txBody>
-          <a:bodyPr anchor="b"/>
+          <a:bodyPr anchor="b">
+            <a:normAutofit/>
+          </a:bodyPr>
           <a:lstStyle>
-            <a:lvl1pPr>
-              <a:defRPr sz="3200"/>
+            <a:lvl1pPr algn="l">
+              <a:defRPr sz="2400" b="0"/>
             </a:lvl1pPr>
           </a:lstStyle>
           <a:p>
@@ -2505,20 +4408,15 @@
               <a:rPr lang="en-US"/>
               <a:t>Click to edit Master title style</a:t>
             </a:r>
-          </a:p>
-        </p:txBody>
-      </p:sp>
-      <p:sp>
-        <p:nvSpPr>
-          <p:cNvPr id="3" name="Picture Placeholder 2">
-            <a:extLst>
-              <a:ext uri="{FF2B5EF4-FFF2-40B4-BE49-F238E27FC236}">
-                <a16:creationId xmlns:a16="http://schemas.microsoft.com/office/drawing/2014/main" id="{14EF1E14-A3A6-49BA-B4B3-9BAE5F129396}"/>
-              </a:ext>
-            </a:extLst>
-          </p:cNvPr>
-          <p:cNvSpPr>
-            <a:spLocks noGrp="1"/>
+            <a:endParaRPr lang="en-US" dirty="0"/>
+          </a:p>
+        </p:txBody>
+      </p:sp>
+      <p:sp>
+        <p:nvSpPr>
+          <p:cNvPr id="3" name="Picture Placeholder 2"/>
+          <p:cNvSpPr>
+            <a:spLocks noGrp="1" noChangeAspect="1"/>
           </p:cNvSpPr>
           <p:nvPr>
             <p:ph type="pic" idx="1"/>
@@ -2526,118 +4424,120 @@
         </p:nvSpPr>
         <p:spPr>
           <a:xfrm>
-            <a:off x="5183188" y="987425"/>
-            <a:ext cx="6172200" cy="4873625"/>
+            <a:off x="677334" y="609600"/>
+            <a:ext cx="8596668" cy="3845718"/>
           </a:xfrm>
         </p:spPr>
         <p:txBody>
-          <a:bodyPr/>
+          <a:bodyPr anchor="t">
+            <a:normAutofit/>
+          </a:bodyPr>
           <a:lstStyle>
-            <a:lvl1pPr marL="0" indent="0">
-              <a:buNone/>
-              <a:defRPr sz="3200"/>
-            </a:lvl1pPr>
-            <a:lvl2pPr marL="457200" indent="0">
-              <a:buNone/>
-              <a:defRPr sz="2800"/>
-            </a:lvl2pPr>
-            <a:lvl3pPr marL="914400" indent="0">
-              <a:buNone/>
-              <a:defRPr sz="2400"/>
-            </a:lvl3pPr>
-            <a:lvl4pPr marL="1371600" indent="0">
-              <a:buNone/>
-              <a:defRPr sz="2000"/>
-            </a:lvl4pPr>
-            <a:lvl5pPr marL="1828800" indent="0">
-              <a:buNone/>
-              <a:defRPr sz="2000"/>
-            </a:lvl5pPr>
-            <a:lvl6pPr marL="2286000" indent="0">
-              <a:buNone/>
-              <a:defRPr sz="2000"/>
-            </a:lvl6pPr>
-            <a:lvl7pPr marL="2743200" indent="0">
-              <a:buNone/>
-              <a:defRPr sz="2000"/>
-            </a:lvl7pPr>
-            <a:lvl8pPr marL="3200400" indent="0">
-              <a:buNone/>
-              <a:defRPr sz="2000"/>
-            </a:lvl8pPr>
-            <a:lvl9pPr marL="3657600" indent="0">
-              <a:buNone/>
-              <a:defRPr sz="2000"/>
-            </a:lvl9pPr>
-          </a:lstStyle>
-          <a:p>
-            <a:endParaRPr lang="en-US"/>
-          </a:p>
-        </p:txBody>
-      </p:sp>
-      <p:sp>
-        <p:nvSpPr>
-          <p:cNvPr id="4" name="Text Placeholder 3">
-            <a:extLst>
-              <a:ext uri="{FF2B5EF4-FFF2-40B4-BE49-F238E27FC236}">
-                <a16:creationId xmlns:a16="http://schemas.microsoft.com/office/drawing/2014/main" id="{5B092592-AAD9-4B2C-8A12-0745C645EA93}"/>
-              </a:ext>
-            </a:extLst>
-          </p:cNvPr>
-          <p:cNvSpPr>
-            <a:spLocks noGrp="1"/>
-          </p:cNvSpPr>
-          <p:nvPr>
-            <p:ph type="body" sz="half" idx="2"/>
-          </p:nvPr>
-        </p:nvSpPr>
-        <p:spPr>
-          <a:xfrm>
-            <a:off x="839788" y="2057400"/>
-            <a:ext cx="3932237" cy="3811588"/>
-          </a:xfrm>
-        </p:spPr>
-        <p:txBody>
-          <a:bodyPr/>
-          <a:lstStyle>
-            <a:lvl1pPr marL="0" indent="0">
+            <a:lvl1pPr marL="0" indent="0" algn="ctr">
               <a:buNone/>
               <a:defRPr sz="1600"/>
             </a:lvl1pPr>
             <a:lvl2pPr marL="457200" indent="0">
               <a:buNone/>
-              <a:defRPr sz="1400"/>
+              <a:defRPr sz="1600"/>
             </a:lvl2pPr>
             <a:lvl3pPr marL="914400" indent="0">
               <a:buNone/>
-              <a:defRPr sz="1200"/>
+              <a:defRPr sz="1600"/>
             </a:lvl3pPr>
             <a:lvl4pPr marL="1371600" indent="0">
               <a:buNone/>
-              <a:defRPr sz="1000"/>
+              <a:defRPr sz="1600"/>
             </a:lvl4pPr>
             <a:lvl5pPr marL="1828800" indent="0">
               <a:buNone/>
-              <a:defRPr sz="1000"/>
+              <a:defRPr sz="1600"/>
             </a:lvl5pPr>
             <a:lvl6pPr marL="2286000" indent="0">
               <a:buNone/>
-              <a:defRPr sz="1000"/>
+              <a:defRPr sz="1600"/>
             </a:lvl6pPr>
             <a:lvl7pPr marL="2743200" indent="0">
               <a:buNone/>
-              <a:defRPr sz="1000"/>
+              <a:defRPr sz="1600"/>
             </a:lvl7pPr>
             <a:lvl8pPr marL="3200400" indent="0">
               <a:buNone/>
-              <a:defRPr sz="1000"/>
+              <a:defRPr sz="1600"/>
             </a:lvl8pPr>
             <a:lvl9pPr marL="3657600" indent="0">
               <a:buNone/>
-              <a:defRPr sz="1000"/>
+              <a:defRPr sz="1600"/>
             </a:lvl9pPr>
           </a:lstStyle>
           <a:p>
+            <a:r>
+              <a:rPr lang="en-US"/>
+              <a:t>Click icon to add picture</a:t>
+            </a:r>
+            <a:endParaRPr lang="en-US" dirty="0"/>
+          </a:p>
+        </p:txBody>
+      </p:sp>
+      <p:sp>
+        <p:nvSpPr>
+          <p:cNvPr id="4" name="Text Placeholder 3"/>
+          <p:cNvSpPr>
+            <a:spLocks noGrp="1"/>
+          </p:cNvSpPr>
+          <p:nvPr>
+            <p:ph type="body" sz="half" idx="2"/>
+          </p:nvPr>
+        </p:nvSpPr>
+        <p:spPr>
+          <a:xfrm>
+            <a:off x="677334" y="5367338"/>
+            <a:ext cx="8596667" cy="674024"/>
+          </a:xfrm>
+        </p:spPr>
+        <p:txBody>
+          <a:bodyPr>
+            <a:normAutofit/>
+          </a:bodyPr>
+          <a:lstStyle>
+            <a:lvl1pPr marL="0" indent="0">
+              <a:buNone/>
+              <a:defRPr sz="1200"/>
+            </a:lvl1pPr>
+            <a:lvl2pPr marL="457200" indent="0">
+              <a:buNone/>
+              <a:defRPr sz="1200"/>
+            </a:lvl2pPr>
+            <a:lvl3pPr marL="914400" indent="0">
+              <a:buNone/>
+              <a:defRPr sz="1000"/>
+            </a:lvl3pPr>
+            <a:lvl4pPr marL="1371600" indent="0">
+              <a:buNone/>
+              <a:defRPr sz="900"/>
+            </a:lvl4pPr>
+            <a:lvl5pPr marL="1828800" indent="0">
+              <a:buNone/>
+              <a:defRPr sz="900"/>
+            </a:lvl5pPr>
+            <a:lvl6pPr marL="2286000" indent="0">
+              <a:buNone/>
+              <a:defRPr sz="900"/>
+            </a:lvl6pPr>
+            <a:lvl7pPr marL="2743200" indent="0">
+              <a:buNone/>
+              <a:defRPr sz="900"/>
+            </a:lvl7pPr>
+            <a:lvl8pPr marL="3200400" indent="0">
+              <a:buNone/>
+              <a:defRPr sz="900"/>
+            </a:lvl8pPr>
+            <a:lvl9pPr marL="3657600" indent="0">
+              <a:buNone/>
+              <a:defRPr sz="900"/>
+            </a:lvl9pPr>
+          </a:lstStyle>
+          <a:p>
             <a:pPr lvl="0"/>
             <a:r>
               <a:rPr lang="en-US"/>
@@ -2648,13 +4548,7 @@
       </p:sp>
       <p:sp>
         <p:nvSpPr>
-          <p:cNvPr id="5" name="Date Placeholder 4">
-            <a:extLst>
-              <a:ext uri="{FF2B5EF4-FFF2-40B4-BE49-F238E27FC236}">
-                <a16:creationId xmlns:a16="http://schemas.microsoft.com/office/drawing/2014/main" id="{80887ACC-4CCD-4C3E-ABAC-E3B956BF2E99}"/>
-              </a:ext>
-            </a:extLst>
-          </p:cNvPr>
+          <p:cNvPr id="5" name="Date Placeholder 4"/>
           <p:cNvSpPr>
             <a:spLocks noGrp="1"/>
           </p:cNvSpPr>
@@ -2677,13 +4571,7 @@
       </p:sp>
       <p:sp>
         <p:nvSpPr>
-          <p:cNvPr id="6" name="Footer Placeholder 5">
-            <a:extLst>
-              <a:ext uri="{FF2B5EF4-FFF2-40B4-BE49-F238E27FC236}">
-                <a16:creationId xmlns:a16="http://schemas.microsoft.com/office/drawing/2014/main" id="{AC6DFD50-AA95-4070-B97F-27D9AB33FF8F}"/>
-              </a:ext>
-            </a:extLst>
-          </p:cNvPr>
+          <p:cNvPr id="6" name="Footer Placeholder 5"/>
           <p:cNvSpPr>
             <a:spLocks noGrp="1"/>
           </p:cNvSpPr>
@@ -2702,13 +4590,7 @@
       </p:sp>
       <p:sp>
         <p:nvSpPr>
-          <p:cNvPr id="7" name="Slide Number Placeholder 6">
-            <a:extLst>
-              <a:ext uri="{FF2B5EF4-FFF2-40B4-BE49-F238E27FC236}">
-                <a16:creationId xmlns:a16="http://schemas.microsoft.com/office/drawing/2014/main" id="{41132156-9CA1-4C34-8907-86D6F5822820}"/>
-              </a:ext>
-            </a:extLst>
-          </p:cNvPr>
+          <p:cNvPr id="7" name="Slide Number Placeholder 6"/>
           <p:cNvSpPr>
             <a:spLocks noGrp="1"/>
           </p:cNvSpPr>
@@ -2732,7 +4614,7 @@
     </p:spTree>
     <p:extLst>
       <p:ext uri="{BB962C8B-B14F-4D97-AF65-F5344CB8AC3E}">
-        <p14:creationId xmlns:p14="http://schemas.microsoft.com/office/powerpoint/2010/main" val="147425516"/>
+        <p14:creationId xmlns:p14="http://schemas.microsoft.com/office/powerpoint/2010/main" val="190206491"/>
       </p:ext>
     </p:extLst>
   </p:cSld>
@@ -2764,15 +4646,539 @@
           <a:chExt cx="0" cy="0"/>
         </a:xfrm>
       </p:grpSpPr>
-      <p:sp>
-        <p:nvSpPr>
-          <p:cNvPr id="2" name="Title Placeholder 1">
-            <a:extLst>
-              <a:ext uri="{FF2B5EF4-FFF2-40B4-BE49-F238E27FC236}">
-                <a16:creationId xmlns:a16="http://schemas.microsoft.com/office/drawing/2014/main" id="{63AC9564-A9F4-4324-8FEC-D2E53E45D292}"/>
-              </a:ext>
-            </a:extLst>
-          </p:cNvPr>
+      <p:grpSp>
+        <p:nvGrpSpPr>
+          <p:cNvPr id="7" name="Group 6"/>
+          <p:cNvGrpSpPr/>
+          <p:nvPr/>
+        </p:nvGrpSpPr>
+        <p:grpSpPr>
+          <a:xfrm>
+            <a:off x="0" y="-8467"/>
+            <a:ext cx="12192000" cy="6866467"/>
+            <a:chOff x="0" y="-8467"/>
+            <a:chExt cx="12192000" cy="6866467"/>
+          </a:xfrm>
+        </p:grpSpPr>
+        <p:cxnSp>
+          <p:nvCxnSpPr>
+            <p:cNvPr id="20" name="Straight Connector 19"/>
+            <p:cNvCxnSpPr/>
+            <p:nvPr/>
+          </p:nvCxnSpPr>
+          <p:spPr>
+            <a:xfrm>
+              <a:off x="9371012" y="0"/>
+              <a:ext cx="1219200" cy="6858000"/>
+            </a:xfrm>
+            <a:prstGeom prst="line">
+              <a:avLst/>
+            </a:prstGeom>
+            <a:ln w="9525">
+              <a:solidFill>
+                <a:schemeClr val="bg1">
+                  <a:lumMod val="75000"/>
+                </a:schemeClr>
+              </a:solidFill>
+            </a:ln>
+          </p:spPr>
+          <p:style>
+            <a:lnRef idx="2">
+              <a:schemeClr val="accent1"/>
+            </a:lnRef>
+            <a:fillRef idx="0">
+              <a:schemeClr val="accent1"/>
+            </a:fillRef>
+            <a:effectRef idx="1">
+              <a:schemeClr val="accent1"/>
+            </a:effectRef>
+            <a:fontRef idx="minor">
+              <a:schemeClr val="tx1"/>
+            </a:fontRef>
+          </p:style>
+        </p:cxnSp>
+        <p:cxnSp>
+          <p:nvCxnSpPr>
+            <p:cNvPr id="21" name="Straight Connector 20"/>
+            <p:cNvCxnSpPr/>
+            <p:nvPr/>
+          </p:nvCxnSpPr>
+          <p:spPr>
+            <a:xfrm flipH="1">
+              <a:off x="7425267" y="3681413"/>
+              <a:ext cx="4763558" cy="3176587"/>
+            </a:xfrm>
+            <a:prstGeom prst="line">
+              <a:avLst/>
+            </a:prstGeom>
+            <a:ln w="9525">
+              <a:solidFill>
+                <a:schemeClr val="bg1">
+                  <a:lumMod val="85000"/>
+                </a:schemeClr>
+              </a:solidFill>
+            </a:ln>
+          </p:spPr>
+          <p:style>
+            <a:lnRef idx="2">
+              <a:schemeClr val="accent1"/>
+            </a:lnRef>
+            <a:fillRef idx="0">
+              <a:schemeClr val="accent1"/>
+            </a:fillRef>
+            <a:effectRef idx="1">
+              <a:schemeClr val="accent1"/>
+            </a:effectRef>
+            <a:fontRef idx="minor">
+              <a:schemeClr val="tx1"/>
+            </a:fontRef>
+          </p:style>
+        </p:cxnSp>
+        <p:sp>
+          <p:nvSpPr>
+            <p:cNvPr id="22" name="Rectangle 23"/>
+            <p:cNvSpPr/>
+            <p:nvPr/>
+          </p:nvSpPr>
+          <p:spPr>
+            <a:xfrm>
+              <a:off x="9181476" y="-8467"/>
+              <a:ext cx="3007349" cy="6866467"/>
+            </a:xfrm>
+            <a:custGeom>
+              <a:avLst/>
+              <a:gdLst/>
+              <a:ahLst/>
+              <a:cxnLst/>
+              <a:rect l="l" t="t" r="r" b="b"/>
+              <a:pathLst>
+                <a:path w="3007349" h="6866467">
+                  <a:moveTo>
+                    <a:pt x="2045532" y="0"/>
+                  </a:moveTo>
+                  <a:lnTo>
+                    <a:pt x="3007349" y="0"/>
+                  </a:lnTo>
+                  <a:lnTo>
+                    <a:pt x="3007349" y="6866467"/>
+                  </a:lnTo>
+                  <a:lnTo>
+                    <a:pt x="0" y="6866467"/>
+                  </a:lnTo>
+                  <a:lnTo>
+                    <a:pt x="2045532" y="0"/>
+                  </a:lnTo>
+                  <a:close/>
+                </a:path>
+              </a:pathLst>
+            </a:custGeom>
+            <a:solidFill>
+              <a:schemeClr val="accent1">
+                <a:alpha val="30000"/>
+              </a:schemeClr>
+            </a:solidFill>
+            <a:ln>
+              <a:noFill/>
+            </a:ln>
+            <a:effectLst/>
+          </p:spPr>
+          <p:style>
+            <a:lnRef idx="1">
+              <a:schemeClr val="accent1"/>
+            </a:lnRef>
+            <a:fillRef idx="3">
+              <a:schemeClr val="accent1"/>
+            </a:fillRef>
+            <a:effectRef idx="2">
+              <a:schemeClr val="accent1"/>
+            </a:effectRef>
+            <a:fontRef idx="minor">
+              <a:schemeClr val="lt1"/>
+            </a:fontRef>
+          </p:style>
+        </p:sp>
+        <p:sp>
+          <p:nvSpPr>
+            <p:cNvPr id="23" name="Rectangle 25"/>
+            <p:cNvSpPr/>
+            <p:nvPr/>
+          </p:nvSpPr>
+          <p:spPr>
+            <a:xfrm>
+              <a:off x="9603442" y="-8467"/>
+              <a:ext cx="2588558" cy="6866467"/>
+            </a:xfrm>
+            <a:custGeom>
+              <a:avLst/>
+              <a:gdLst/>
+              <a:ahLst/>
+              <a:cxnLst/>
+              <a:rect l="l" t="t" r="r" b="b"/>
+              <a:pathLst>
+                <a:path w="2573311" h="6866467">
+                  <a:moveTo>
+                    <a:pt x="0" y="0"/>
+                  </a:moveTo>
+                  <a:lnTo>
+                    <a:pt x="2573311" y="0"/>
+                  </a:lnTo>
+                  <a:lnTo>
+                    <a:pt x="2573311" y="6866467"/>
+                  </a:lnTo>
+                  <a:lnTo>
+                    <a:pt x="1202336" y="6866467"/>
+                  </a:lnTo>
+                  <a:lnTo>
+                    <a:pt x="0" y="0"/>
+                  </a:lnTo>
+                  <a:close/>
+                </a:path>
+              </a:pathLst>
+            </a:custGeom>
+            <a:solidFill>
+              <a:schemeClr val="accent1">
+                <a:alpha val="20000"/>
+              </a:schemeClr>
+            </a:solidFill>
+            <a:ln>
+              <a:noFill/>
+            </a:ln>
+            <a:effectLst/>
+          </p:spPr>
+          <p:style>
+            <a:lnRef idx="1">
+              <a:schemeClr val="accent1"/>
+            </a:lnRef>
+            <a:fillRef idx="3">
+              <a:schemeClr val="accent1"/>
+            </a:fillRef>
+            <a:effectRef idx="2">
+              <a:schemeClr val="accent1"/>
+            </a:effectRef>
+            <a:fontRef idx="minor">
+              <a:schemeClr val="lt1"/>
+            </a:fontRef>
+          </p:style>
+        </p:sp>
+        <p:sp>
+          <p:nvSpPr>
+            <p:cNvPr id="24" name="Isosceles Triangle 23"/>
+            <p:cNvSpPr/>
+            <p:nvPr/>
+          </p:nvSpPr>
+          <p:spPr>
+            <a:xfrm>
+              <a:off x="8932333" y="3048000"/>
+              <a:ext cx="3259667" cy="3810000"/>
+            </a:xfrm>
+            <a:prstGeom prst="triangle">
+              <a:avLst>
+                <a:gd name="adj" fmla="val 100000"/>
+              </a:avLst>
+            </a:prstGeom>
+            <a:solidFill>
+              <a:schemeClr val="accent2">
+                <a:alpha val="72000"/>
+              </a:schemeClr>
+            </a:solidFill>
+            <a:ln>
+              <a:noFill/>
+            </a:ln>
+            <a:effectLst/>
+          </p:spPr>
+          <p:style>
+            <a:lnRef idx="1">
+              <a:schemeClr val="accent1"/>
+            </a:lnRef>
+            <a:fillRef idx="3">
+              <a:schemeClr val="accent1"/>
+            </a:fillRef>
+            <a:effectRef idx="2">
+              <a:schemeClr val="accent1"/>
+            </a:effectRef>
+            <a:fontRef idx="minor">
+              <a:schemeClr val="lt1"/>
+            </a:fontRef>
+          </p:style>
+        </p:sp>
+        <p:sp>
+          <p:nvSpPr>
+            <p:cNvPr id="25" name="Rectangle 27"/>
+            <p:cNvSpPr/>
+            <p:nvPr/>
+          </p:nvSpPr>
+          <p:spPr>
+            <a:xfrm>
+              <a:off x="9334500" y="-8467"/>
+              <a:ext cx="2854326" cy="6866467"/>
+            </a:xfrm>
+            <a:custGeom>
+              <a:avLst/>
+              <a:gdLst/>
+              <a:ahLst/>
+              <a:cxnLst/>
+              <a:rect l="l" t="t" r="r" b="b"/>
+              <a:pathLst>
+                <a:path w="2858013" h="6866467">
+                  <a:moveTo>
+                    <a:pt x="0" y="0"/>
+                  </a:moveTo>
+                  <a:lnTo>
+                    <a:pt x="2858013" y="0"/>
+                  </a:lnTo>
+                  <a:lnTo>
+                    <a:pt x="2858013" y="6866467"/>
+                  </a:lnTo>
+                  <a:lnTo>
+                    <a:pt x="2473942" y="6866467"/>
+                  </a:lnTo>
+                  <a:lnTo>
+                    <a:pt x="0" y="0"/>
+                  </a:lnTo>
+                  <a:close/>
+                </a:path>
+              </a:pathLst>
+            </a:custGeom>
+            <a:solidFill>
+              <a:schemeClr val="accent2">
+                <a:lumMod val="75000"/>
+                <a:alpha val="70000"/>
+              </a:schemeClr>
+            </a:solidFill>
+            <a:ln>
+              <a:noFill/>
+            </a:ln>
+            <a:effectLst/>
+          </p:spPr>
+          <p:style>
+            <a:lnRef idx="1">
+              <a:schemeClr val="accent1"/>
+            </a:lnRef>
+            <a:fillRef idx="3">
+              <a:schemeClr val="accent1"/>
+            </a:fillRef>
+            <a:effectRef idx="2">
+              <a:schemeClr val="accent1"/>
+            </a:effectRef>
+            <a:fontRef idx="minor">
+              <a:schemeClr val="lt1"/>
+            </a:fontRef>
+          </p:style>
+        </p:sp>
+        <p:sp>
+          <p:nvSpPr>
+            <p:cNvPr id="26" name="Rectangle 28"/>
+            <p:cNvSpPr/>
+            <p:nvPr/>
+          </p:nvSpPr>
+          <p:spPr>
+            <a:xfrm>
+              <a:off x="10898730" y="-8467"/>
+              <a:ext cx="1290094" cy="6866467"/>
+            </a:xfrm>
+            <a:custGeom>
+              <a:avLst/>
+              <a:gdLst/>
+              <a:ahLst/>
+              <a:cxnLst/>
+              <a:rect l="l" t="t" r="r" b="b"/>
+              <a:pathLst>
+                <a:path w="1290094" h="6858000">
+                  <a:moveTo>
+                    <a:pt x="1019735" y="0"/>
+                  </a:moveTo>
+                  <a:lnTo>
+                    <a:pt x="1290094" y="0"/>
+                  </a:lnTo>
+                  <a:lnTo>
+                    <a:pt x="1290094" y="6858000"/>
+                  </a:lnTo>
+                  <a:lnTo>
+                    <a:pt x="0" y="6858000"/>
+                  </a:lnTo>
+                  <a:lnTo>
+                    <a:pt x="1019735" y="0"/>
+                  </a:lnTo>
+                  <a:close/>
+                </a:path>
+              </a:pathLst>
+            </a:custGeom>
+            <a:solidFill>
+              <a:schemeClr val="accent1">
+                <a:lumMod val="60000"/>
+                <a:lumOff val="40000"/>
+                <a:alpha val="70000"/>
+              </a:schemeClr>
+            </a:solidFill>
+            <a:ln>
+              <a:noFill/>
+            </a:ln>
+            <a:effectLst/>
+          </p:spPr>
+          <p:style>
+            <a:lnRef idx="1">
+              <a:schemeClr val="accent1"/>
+            </a:lnRef>
+            <a:fillRef idx="3">
+              <a:schemeClr val="accent1"/>
+            </a:fillRef>
+            <a:effectRef idx="2">
+              <a:schemeClr val="accent1"/>
+            </a:effectRef>
+            <a:fontRef idx="minor">
+              <a:schemeClr val="lt1"/>
+            </a:fontRef>
+          </p:style>
+        </p:sp>
+        <p:sp>
+          <p:nvSpPr>
+            <p:cNvPr id="27" name="Rectangle 29"/>
+            <p:cNvSpPr/>
+            <p:nvPr/>
+          </p:nvSpPr>
+          <p:spPr>
+            <a:xfrm>
+              <a:off x="10938999" y="-8467"/>
+              <a:ext cx="1249825" cy="6866467"/>
+            </a:xfrm>
+            <a:custGeom>
+              <a:avLst/>
+              <a:gdLst/>
+              <a:ahLst/>
+              <a:cxnLst/>
+              <a:rect l="l" t="t" r="r" b="b"/>
+              <a:pathLst>
+                <a:path w="1249825" h="6858000">
+                  <a:moveTo>
+                    <a:pt x="0" y="0"/>
+                  </a:moveTo>
+                  <a:lnTo>
+                    <a:pt x="1249825" y="0"/>
+                  </a:lnTo>
+                  <a:lnTo>
+                    <a:pt x="1249825" y="6858000"/>
+                  </a:lnTo>
+                  <a:lnTo>
+                    <a:pt x="1109382" y="6858000"/>
+                  </a:lnTo>
+                  <a:lnTo>
+                    <a:pt x="0" y="0"/>
+                  </a:lnTo>
+                  <a:close/>
+                </a:path>
+              </a:pathLst>
+            </a:custGeom>
+            <a:solidFill>
+              <a:schemeClr val="accent1">
+                <a:alpha val="65000"/>
+              </a:schemeClr>
+            </a:solidFill>
+            <a:ln>
+              <a:noFill/>
+            </a:ln>
+            <a:effectLst/>
+          </p:spPr>
+          <p:style>
+            <a:lnRef idx="1">
+              <a:schemeClr val="accent1"/>
+            </a:lnRef>
+            <a:fillRef idx="3">
+              <a:schemeClr val="accent1"/>
+            </a:fillRef>
+            <a:effectRef idx="2">
+              <a:schemeClr val="accent1"/>
+            </a:effectRef>
+            <a:fontRef idx="minor">
+              <a:schemeClr val="lt1"/>
+            </a:fontRef>
+          </p:style>
+        </p:sp>
+        <p:sp>
+          <p:nvSpPr>
+            <p:cNvPr id="28" name="Isosceles Triangle 27"/>
+            <p:cNvSpPr/>
+            <p:nvPr/>
+          </p:nvSpPr>
+          <p:spPr>
+            <a:xfrm>
+              <a:off x="10371666" y="3589867"/>
+              <a:ext cx="1817159" cy="3268133"/>
+            </a:xfrm>
+            <a:prstGeom prst="triangle">
+              <a:avLst>
+                <a:gd name="adj" fmla="val 100000"/>
+              </a:avLst>
+            </a:prstGeom>
+            <a:solidFill>
+              <a:schemeClr val="accent1">
+                <a:alpha val="80000"/>
+              </a:schemeClr>
+            </a:solidFill>
+            <a:ln>
+              <a:noFill/>
+            </a:ln>
+            <a:effectLst/>
+          </p:spPr>
+          <p:style>
+            <a:lnRef idx="1">
+              <a:schemeClr val="accent1"/>
+            </a:lnRef>
+            <a:fillRef idx="3">
+              <a:schemeClr val="accent1"/>
+            </a:fillRef>
+            <a:effectRef idx="2">
+              <a:schemeClr val="accent1"/>
+            </a:effectRef>
+            <a:fontRef idx="minor">
+              <a:schemeClr val="lt1"/>
+            </a:fontRef>
+          </p:style>
+        </p:sp>
+        <p:sp>
+          <p:nvSpPr>
+            <p:cNvPr id="29" name="Isosceles Triangle 28"/>
+            <p:cNvSpPr/>
+            <p:nvPr/>
+          </p:nvSpPr>
+          <p:spPr>
+            <a:xfrm>
+              <a:off x="0" y="4013200"/>
+              <a:ext cx="448733" cy="2844800"/>
+            </a:xfrm>
+            <a:prstGeom prst="triangle">
+              <a:avLst>
+                <a:gd name="adj" fmla="val 0"/>
+              </a:avLst>
+            </a:prstGeom>
+            <a:solidFill>
+              <a:schemeClr val="accent1">
+                <a:alpha val="85000"/>
+              </a:schemeClr>
+            </a:solidFill>
+            <a:ln>
+              <a:noFill/>
+            </a:ln>
+            <a:effectLst/>
+          </p:spPr>
+          <p:style>
+            <a:lnRef idx="1">
+              <a:schemeClr val="accent1"/>
+            </a:lnRef>
+            <a:fillRef idx="3">
+              <a:schemeClr val="accent1"/>
+            </a:fillRef>
+            <a:effectRef idx="2">
+              <a:schemeClr val="accent1"/>
+            </a:effectRef>
+            <a:fontRef idx="minor">
+              <a:schemeClr val="lt1"/>
+            </a:fontRef>
+          </p:style>
+        </p:sp>
+      </p:grpSp>
+      <p:sp>
+        <p:nvSpPr>
+          <p:cNvPr id="2" name="Title Placeholder 1"/>
           <p:cNvSpPr>
             <a:spLocks noGrp="1"/>
           </p:cNvSpPr>
@@ -2782,15 +5188,15 @@
         </p:nvSpPr>
         <p:spPr>
           <a:xfrm>
-            <a:off x="838200" y="365125"/>
-            <a:ext cx="10515600" cy="1325563"/>
+            <a:off x="677334" y="609600"/>
+            <a:ext cx="8596668" cy="1320800"/>
           </a:xfrm>
           <a:prstGeom prst="rect">
             <a:avLst/>
           </a:prstGeom>
         </p:spPr>
         <p:txBody>
-          <a:bodyPr vert="horz" lIns="91440" tIns="45720" rIns="91440" bIns="45720" rtlCol="0" anchor="ctr">
+          <a:bodyPr vert="horz" lIns="91440" tIns="45720" rIns="91440" bIns="45720" rtlCol="0" anchor="t">
             <a:normAutofit/>
           </a:bodyPr>
           <a:lstStyle/>
@@ -2799,18 +5205,13 @@
               <a:rPr lang="en-US"/>
               <a:t>Click to edit Master title style</a:t>
             </a:r>
-          </a:p>
-        </p:txBody>
-      </p:sp>
-      <p:sp>
-        <p:nvSpPr>
-          <p:cNvPr id="3" name="Text Placeholder 2">
-            <a:extLst>
-              <a:ext uri="{FF2B5EF4-FFF2-40B4-BE49-F238E27FC236}">
-                <a16:creationId xmlns:a16="http://schemas.microsoft.com/office/drawing/2014/main" id="{5158F7FD-0B5B-42C4-A41B-494CBF0E91BC}"/>
-              </a:ext>
-            </a:extLst>
-          </p:cNvPr>
+            <a:endParaRPr lang="en-US" dirty="0"/>
+          </a:p>
+        </p:txBody>
+      </p:sp>
+      <p:sp>
+        <p:nvSpPr>
+          <p:cNvPr id="3" name="Text Placeholder 2"/>
           <p:cNvSpPr>
             <a:spLocks noGrp="1"/>
           </p:cNvSpPr>
@@ -2820,8 +5221,8 @@
         </p:nvSpPr>
         <p:spPr>
           <a:xfrm>
-            <a:off x="838200" y="1825625"/>
-            <a:ext cx="10515600" cy="4351338"/>
+            <a:off x="677334" y="2160589"/>
+            <a:ext cx="8596668" cy="3880773"/>
           </a:xfrm>
           <a:prstGeom prst="rect">
             <a:avLst/>
@@ -2866,18 +5267,13 @@
               <a:rPr lang="en-US"/>
               <a:t>Fifth level</a:t>
             </a:r>
-          </a:p>
-        </p:txBody>
-      </p:sp>
-      <p:sp>
-        <p:nvSpPr>
-          <p:cNvPr id="4" name="Date Placeholder 3">
-            <a:extLst>
-              <a:ext uri="{FF2B5EF4-FFF2-40B4-BE49-F238E27FC236}">
-                <a16:creationId xmlns:a16="http://schemas.microsoft.com/office/drawing/2014/main" id="{36BF92EF-1CA6-4C58-BE68-68B725549AE5}"/>
-              </a:ext>
-            </a:extLst>
-          </p:cNvPr>
+            <a:endParaRPr lang="en-US" dirty="0"/>
+          </a:p>
+        </p:txBody>
+      </p:sp>
+      <p:sp>
+        <p:nvSpPr>
+          <p:cNvPr id="4" name="Date Placeholder 3"/>
           <p:cNvSpPr>
             <a:spLocks noGrp="1"/>
           </p:cNvSpPr>
@@ -2887,8 +5283,8 @@
         </p:nvSpPr>
         <p:spPr>
           <a:xfrm>
-            <a:off x="838200" y="6356350"/>
-            <a:ext cx="2743200" cy="365125"/>
+            <a:off x="7205133" y="6041362"/>
+            <a:ext cx="911939" cy="365125"/>
           </a:xfrm>
           <a:prstGeom prst="rect">
             <a:avLst/>
@@ -2897,8 +5293,8 @@
         <p:txBody>
           <a:bodyPr vert="horz" lIns="91440" tIns="45720" rIns="91440" bIns="45720" rtlCol="0" anchor="ctr"/>
           <a:lstStyle>
-            <a:lvl1pPr algn="l">
-              <a:defRPr sz="1200">
+            <a:lvl1pPr algn="r">
+              <a:defRPr sz="900">
                 <a:solidFill>
                   <a:schemeClr val="tx1">
                     <a:tint val="75000"/>
@@ -2918,13 +5314,7 @@
       </p:sp>
       <p:sp>
         <p:nvSpPr>
-          <p:cNvPr id="5" name="Footer Placeholder 4">
-            <a:extLst>
-              <a:ext uri="{FF2B5EF4-FFF2-40B4-BE49-F238E27FC236}">
-                <a16:creationId xmlns:a16="http://schemas.microsoft.com/office/drawing/2014/main" id="{CDDE4270-E346-42BC-891E-90F9D8C10B8D}"/>
-              </a:ext>
-            </a:extLst>
-          </p:cNvPr>
+          <p:cNvPr id="5" name="Footer Placeholder 4"/>
           <p:cNvSpPr>
             <a:spLocks noGrp="1"/>
           </p:cNvSpPr>
@@ -2934,8 +5324,8 @@
         </p:nvSpPr>
         <p:spPr>
           <a:xfrm>
-            <a:off x="4038600" y="6356350"/>
-            <a:ext cx="4114800" cy="365125"/>
+            <a:off x="677334" y="6041362"/>
+            <a:ext cx="6297612" cy="365125"/>
           </a:xfrm>
           <a:prstGeom prst="rect">
             <a:avLst/>
@@ -2944,8 +5334,8 @@
         <p:txBody>
           <a:bodyPr vert="horz" lIns="91440" tIns="45720" rIns="91440" bIns="45720" rtlCol="0" anchor="ctr"/>
           <a:lstStyle>
-            <a:lvl1pPr algn="ctr">
-              <a:defRPr sz="1200">
+            <a:lvl1pPr algn="l">
+              <a:defRPr sz="900">
                 <a:solidFill>
                   <a:schemeClr val="tx1">
                     <a:tint val="75000"/>
@@ -2961,13 +5351,7 @@
       </p:sp>
       <p:sp>
         <p:nvSpPr>
-          <p:cNvPr id="6" name="Slide Number Placeholder 5">
-            <a:extLst>
-              <a:ext uri="{FF2B5EF4-FFF2-40B4-BE49-F238E27FC236}">
-                <a16:creationId xmlns:a16="http://schemas.microsoft.com/office/drawing/2014/main" id="{4CE64BED-180D-40A1-9A68-3FE03BDB746C}"/>
-              </a:ext>
-            </a:extLst>
-          </p:cNvPr>
+          <p:cNvPr id="6" name="Slide Number Placeholder 5"/>
           <p:cNvSpPr>
             <a:spLocks noGrp="1"/>
           </p:cNvSpPr>
@@ -2977,8 +5361,8 @@
         </p:nvSpPr>
         <p:spPr>
           <a:xfrm>
-            <a:off x="8610600" y="6356350"/>
-            <a:ext cx="2743200" cy="365125"/>
+            <a:off x="8590663" y="6041362"/>
+            <a:ext cx="683339" cy="365125"/>
           </a:xfrm>
           <a:prstGeom prst="rect">
             <a:avLst/>
@@ -2988,11 +5372,9 @@
           <a:bodyPr vert="horz" lIns="91440" tIns="45720" rIns="91440" bIns="45720" rtlCol="0" anchor="ctr"/>
           <a:lstStyle>
             <a:lvl1pPr algn="r">
-              <a:defRPr sz="1200">
-                <a:solidFill>
-                  <a:schemeClr val="tx1">
-                    <a:tint val="75000"/>
-                  </a:schemeClr>
+              <a:defRPr sz="900">
+                <a:solidFill>
+                  <a:schemeClr val="accent1"/>
                 </a:solidFill>
               </a:defRPr>
             </a:lvl1pPr>
@@ -3009,201 +5391,322 @@
     </p:spTree>
     <p:extLst>
       <p:ext uri="{BB962C8B-B14F-4D97-AF65-F5344CB8AC3E}">
-        <p14:creationId xmlns:p14="http://schemas.microsoft.com/office/powerpoint/2010/main" val="218844801"/>
+        <p14:creationId xmlns:p14="http://schemas.microsoft.com/office/powerpoint/2010/main" val="3419193919"/>
       </p:ext>
     </p:extLst>
   </p:cSld>
   <p:clrMap bg1="lt1" tx1="dk1" bg2="lt2" tx2="dk2" accent1="accent1" accent2="accent2" accent3="accent3" accent4="accent4" accent5="accent5" accent6="accent6" hlink="hlink" folHlink="folHlink"/>
   <p:sldLayoutIdLst>
-    <p:sldLayoutId id="2147483649" r:id="rId1"/>
-    <p:sldLayoutId id="2147483650" r:id="rId2"/>
-    <p:sldLayoutId id="2147483651" r:id="rId3"/>
-    <p:sldLayoutId id="2147483652" r:id="rId4"/>
-    <p:sldLayoutId id="2147483653" r:id="rId5"/>
-    <p:sldLayoutId id="2147483654" r:id="rId6"/>
-    <p:sldLayoutId id="2147483655" r:id="rId7"/>
-    <p:sldLayoutId id="2147483656" r:id="rId8"/>
-    <p:sldLayoutId id="2147483657" r:id="rId9"/>
-    <p:sldLayoutId id="2147483658" r:id="rId10"/>
-    <p:sldLayoutId id="2147483659" r:id="rId11"/>
+    <p:sldLayoutId id="2147483661" r:id="rId1"/>
+    <p:sldLayoutId id="2147483662" r:id="rId2"/>
+    <p:sldLayoutId id="2147483663" r:id="rId3"/>
+    <p:sldLayoutId id="2147483664" r:id="rId4"/>
+    <p:sldLayoutId id="2147483665" r:id="rId5"/>
+    <p:sldLayoutId id="2147483666" r:id="rId6"/>
+    <p:sldLayoutId id="2147483667" r:id="rId7"/>
+    <p:sldLayoutId id="2147483668" r:id="rId8"/>
+    <p:sldLayoutId id="2147483669" r:id="rId9"/>
+    <p:sldLayoutId id="2147483670" r:id="rId10"/>
+    <p:sldLayoutId id="2147483671" r:id="rId11"/>
+    <p:sldLayoutId id="2147483672" r:id="rId12"/>
+    <p:sldLayoutId id="2147483673" r:id="rId13"/>
+    <p:sldLayoutId id="2147483674" r:id="rId14"/>
+    <p:sldLayoutId id="2147483675" r:id="rId15"/>
+    <p:sldLayoutId id="2147483676" r:id="rId16"/>
   </p:sldLayoutIdLst>
   <p:txStyles>
     <p:titleStyle>
-      <a:lvl1pPr algn="l" defTabSz="914400" rtl="0" eaLnBrk="1" latinLnBrk="0" hangingPunct="1">
-        <a:lnSpc>
-          <a:spcPct val="90000"/>
-        </a:lnSpc>
+      <a:lvl1pPr algn="l" defTabSz="457200" rtl="0" eaLnBrk="1" latinLnBrk="0" hangingPunct="1">
         <a:spcBef>
           <a:spcPct val="0"/>
         </a:spcBef>
         <a:buNone/>
-        <a:defRPr sz="4400" kern="1200">
+        <a:defRPr sz="3600" kern="1200">
           <a:solidFill>
-            <a:schemeClr val="tx1"/>
+            <a:schemeClr val="accent1"/>
           </a:solidFill>
           <a:latin typeface="+mj-lt"/>
           <a:ea typeface="+mj-ea"/>
           <a:cs typeface="+mj-cs"/>
         </a:defRPr>
       </a:lvl1pPr>
+      <a:lvl2pPr eaLnBrk="1" hangingPunct="1">
+        <a:defRPr>
+          <a:solidFill>
+            <a:schemeClr val="tx2"/>
+          </a:solidFill>
+        </a:defRPr>
+      </a:lvl2pPr>
+      <a:lvl3pPr eaLnBrk="1" hangingPunct="1">
+        <a:defRPr>
+          <a:solidFill>
+            <a:schemeClr val="tx2"/>
+          </a:solidFill>
+        </a:defRPr>
+      </a:lvl3pPr>
+      <a:lvl4pPr eaLnBrk="1" hangingPunct="1">
+        <a:defRPr>
+          <a:solidFill>
+            <a:schemeClr val="tx2"/>
+          </a:solidFill>
+        </a:defRPr>
+      </a:lvl4pPr>
+      <a:lvl5pPr eaLnBrk="1" hangingPunct="1">
+        <a:defRPr>
+          <a:solidFill>
+            <a:schemeClr val="tx2"/>
+          </a:solidFill>
+        </a:defRPr>
+      </a:lvl5pPr>
+      <a:lvl6pPr eaLnBrk="1" hangingPunct="1">
+        <a:defRPr>
+          <a:solidFill>
+            <a:schemeClr val="tx2"/>
+          </a:solidFill>
+        </a:defRPr>
+      </a:lvl6pPr>
+      <a:lvl7pPr eaLnBrk="1" hangingPunct="1">
+        <a:defRPr>
+          <a:solidFill>
+            <a:schemeClr val="tx2"/>
+          </a:solidFill>
+        </a:defRPr>
+      </a:lvl7pPr>
+      <a:lvl8pPr eaLnBrk="1" hangingPunct="1">
+        <a:defRPr>
+          <a:solidFill>
+            <a:schemeClr val="tx2"/>
+          </a:solidFill>
+        </a:defRPr>
+      </a:lvl8pPr>
+      <a:lvl9pPr eaLnBrk="1" hangingPunct="1">
+        <a:defRPr>
+          <a:solidFill>
+            <a:schemeClr val="tx2"/>
+          </a:solidFill>
+        </a:defRPr>
+      </a:lvl9pPr>
     </p:titleStyle>
     <p:bodyStyle>
-      <a:lvl1pPr marL="228600" indent="-228600" algn="l" defTabSz="914400" rtl="0" eaLnBrk="1" latinLnBrk="0" hangingPunct="1">
-        <a:lnSpc>
-          <a:spcPct val="90000"/>
-        </a:lnSpc>
+      <a:lvl1pPr marL="342900" indent="-342900" algn="l" defTabSz="457200" rtl="0" eaLnBrk="1" latinLnBrk="0" hangingPunct="1">
         <a:spcBef>
           <a:spcPts val="1000"/>
         </a:spcBef>
-        <a:buFont typeface="Arial" panose="020B0604020202020204" pitchFamily="34" charset="0"/>
-        <a:buChar char="•"/>
-        <a:defRPr sz="2800" kern="1200">
+        <a:spcAft>
+          <a:spcPts val="0"/>
+        </a:spcAft>
+        <a:buClr>
+          <a:schemeClr val="accent1"/>
+        </a:buClr>
+        <a:buSzPct val="80000"/>
+        <a:buFont typeface="Wingdings 3" charset="2"/>
+        <a:buChar char=""/>
+        <a:defRPr sz="1800" kern="1200">
           <a:solidFill>
-            <a:schemeClr val="tx1"/>
+            <a:schemeClr val="tx1">
+              <a:lumMod val="75000"/>
+              <a:lumOff val="25000"/>
+            </a:schemeClr>
           </a:solidFill>
           <a:latin typeface="+mn-lt"/>
           <a:ea typeface="+mn-ea"/>
           <a:cs typeface="+mn-cs"/>
         </a:defRPr>
       </a:lvl1pPr>
-      <a:lvl2pPr marL="685800" indent="-228600" algn="l" defTabSz="914400" rtl="0" eaLnBrk="1" latinLnBrk="0" hangingPunct="1">
-        <a:lnSpc>
-          <a:spcPct val="90000"/>
-        </a:lnSpc>
+      <a:lvl2pPr marL="742950" indent="-285750" algn="l" defTabSz="457200" rtl="0" eaLnBrk="1" latinLnBrk="0" hangingPunct="1">
         <a:spcBef>
-          <a:spcPts val="500"/>
+          <a:spcPts val="1000"/>
         </a:spcBef>
-        <a:buFont typeface="Arial" panose="020B0604020202020204" pitchFamily="34" charset="0"/>
-        <a:buChar char="•"/>
-        <a:defRPr sz="2400" kern="1200">
+        <a:spcAft>
+          <a:spcPts val="0"/>
+        </a:spcAft>
+        <a:buClr>
+          <a:schemeClr val="accent1"/>
+        </a:buClr>
+        <a:buSzPct val="80000"/>
+        <a:buFont typeface="Wingdings 3" charset="2"/>
+        <a:buChar char=""/>
+        <a:defRPr sz="1600" kern="1200">
           <a:solidFill>
-            <a:schemeClr val="tx1"/>
+            <a:schemeClr val="tx1">
+              <a:lumMod val="75000"/>
+              <a:lumOff val="25000"/>
+            </a:schemeClr>
           </a:solidFill>
           <a:latin typeface="+mn-lt"/>
           <a:ea typeface="+mn-ea"/>
           <a:cs typeface="+mn-cs"/>
         </a:defRPr>
       </a:lvl2pPr>
-      <a:lvl3pPr marL="1143000" indent="-228600" algn="l" defTabSz="914400" rtl="0" eaLnBrk="1" latinLnBrk="0" hangingPunct="1">
-        <a:lnSpc>
-          <a:spcPct val="90000"/>
-        </a:lnSpc>
+      <a:lvl3pPr marL="1143000" indent="-228600" algn="l" defTabSz="457200" rtl="0" eaLnBrk="1" latinLnBrk="0" hangingPunct="1">
         <a:spcBef>
-          <a:spcPts val="500"/>
+          <a:spcPts val="1000"/>
         </a:spcBef>
-        <a:buFont typeface="Arial" panose="020B0604020202020204" pitchFamily="34" charset="0"/>
-        <a:buChar char="•"/>
-        <a:defRPr sz="2000" kern="1200">
+        <a:spcAft>
+          <a:spcPts val="0"/>
+        </a:spcAft>
+        <a:buClr>
+          <a:schemeClr val="accent1"/>
+        </a:buClr>
+        <a:buSzPct val="80000"/>
+        <a:buFont typeface="Wingdings 3" charset="2"/>
+        <a:buChar char=""/>
+        <a:defRPr sz="1400" kern="1200">
           <a:solidFill>
-            <a:schemeClr val="tx1"/>
+            <a:schemeClr val="tx1">
+              <a:lumMod val="75000"/>
+              <a:lumOff val="25000"/>
+            </a:schemeClr>
           </a:solidFill>
           <a:latin typeface="+mn-lt"/>
           <a:ea typeface="+mn-ea"/>
           <a:cs typeface="+mn-cs"/>
         </a:defRPr>
       </a:lvl3pPr>
-      <a:lvl4pPr marL="1600200" indent="-228600" algn="l" defTabSz="914400" rtl="0" eaLnBrk="1" latinLnBrk="0" hangingPunct="1">
-        <a:lnSpc>
-          <a:spcPct val="90000"/>
-        </a:lnSpc>
+      <a:lvl4pPr marL="1600200" indent="-228600" algn="l" defTabSz="457200" rtl="0" eaLnBrk="1" latinLnBrk="0" hangingPunct="1">
         <a:spcBef>
-          <a:spcPts val="500"/>
+          <a:spcPts val="1000"/>
         </a:spcBef>
-        <a:buFont typeface="Arial" panose="020B0604020202020204" pitchFamily="34" charset="0"/>
-        <a:buChar char="•"/>
-        <a:defRPr sz="1800" kern="1200">
+        <a:spcAft>
+          <a:spcPts val="0"/>
+        </a:spcAft>
+        <a:buClr>
+          <a:schemeClr val="accent1"/>
+        </a:buClr>
+        <a:buSzPct val="80000"/>
+        <a:buFont typeface="Wingdings 3" charset="2"/>
+        <a:buChar char=""/>
+        <a:defRPr sz="1200" kern="1200">
           <a:solidFill>
-            <a:schemeClr val="tx1"/>
+            <a:schemeClr val="tx1">
+              <a:lumMod val="75000"/>
+              <a:lumOff val="25000"/>
+            </a:schemeClr>
           </a:solidFill>
           <a:latin typeface="+mn-lt"/>
           <a:ea typeface="+mn-ea"/>
           <a:cs typeface="+mn-cs"/>
         </a:defRPr>
       </a:lvl4pPr>
-      <a:lvl5pPr marL="2057400" indent="-228600" algn="l" defTabSz="914400" rtl="0" eaLnBrk="1" latinLnBrk="0" hangingPunct="1">
-        <a:lnSpc>
-          <a:spcPct val="90000"/>
-        </a:lnSpc>
+      <a:lvl5pPr marL="2057400" indent="-228600" algn="l" defTabSz="457200" rtl="0" eaLnBrk="1" latinLnBrk="0" hangingPunct="1">
         <a:spcBef>
-          <a:spcPts val="500"/>
+          <a:spcPts val="1000"/>
         </a:spcBef>
-        <a:buFont typeface="Arial" panose="020B0604020202020204" pitchFamily="34" charset="0"/>
-        <a:buChar char="•"/>
-        <a:defRPr sz="1800" kern="1200">
+        <a:spcAft>
+          <a:spcPts val="0"/>
+        </a:spcAft>
+        <a:buClr>
+          <a:schemeClr val="accent1"/>
+        </a:buClr>
+        <a:buSzPct val="80000"/>
+        <a:buFont typeface="Wingdings 3" charset="2"/>
+        <a:buChar char=""/>
+        <a:defRPr sz="1200" kern="1200">
           <a:solidFill>
-            <a:schemeClr val="tx1"/>
+            <a:schemeClr val="tx1">
+              <a:lumMod val="75000"/>
+              <a:lumOff val="25000"/>
+            </a:schemeClr>
           </a:solidFill>
           <a:latin typeface="+mn-lt"/>
           <a:ea typeface="+mn-ea"/>
           <a:cs typeface="+mn-cs"/>
         </a:defRPr>
       </a:lvl5pPr>
-      <a:lvl6pPr marL="2514600" indent="-228600" algn="l" defTabSz="914400" rtl="0" eaLnBrk="1" latinLnBrk="0" hangingPunct="1">
-        <a:lnSpc>
-          <a:spcPct val="90000"/>
-        </a:lnSpc>
+      <a:lvl6pPr marL="2514600" indent="-228600" algn="l" defTabSz="457200" rtl="0" eaLnBrk="1" latinLnBrk="0" hangingPunct="1">
         <a:spcBef>
-          <a:spcPts val="500"/>
+          <a:spcPts val="1000"/>
         </a:spcBef>
-        <a:buFont typeface="Arial" panose="020B0604020202020204" pitchFamily="34" charset="0"/>
-        <a:buChar char="•"/>
-        <a:defRPr sz="1800" kern="1200">
+        <a:spcAft>
+          <a:spcPts val="0"/>
+        </a:spcAft>
+        <a:buClr>
+          <a:schemeClr val="accent1"/>
+        </a:buClr>
+        <a:buSzPct val="80000"/>
+        <a:buFont typeface="Wingdings 3" charset="2"/>
+        <a:buChar char=""/>
+        <a:defRPr sz="1200" kern="1200">
           <a:solidFill>
-            <a:schemeClr val="tx1"/>
+            <a:schemeClr val="tx1">
+              <a:lumMod val="75000"/>
+              <a:lumOff val="25000"/>
+            </a:schemeClr>
           </a:solidFill>
           <a:latin typeface="+mn-lt"/>
           <a:ea typeface="+mn-ea"/>
           <a:cs typeface="+mn-cs"/>
         </a:defRPr>
       </a:lvl6pPr>
-      <a:lvl7pPr marL="2971800" indent="-228600" algn="l" defTabSz="914400" rtl="0" eaLnBrk="1" latinLnBrk="0" hangingPunct="1">
-        <a:lnSpc>
-          <a:spcPct val="90000"/>
-        </a:lnSpc>
+      <a:lvl7pPr marL="2971800" indent="-228600" algn="l" defTabSz="457200" rtl="0" eaLnBrk="1" latinLnBrk="0" hangingPunct="1">
         <a:spcBef>
-          <a:spcPts val="500"/>
+          <a:spcPts val="1000"/>
         </a:spcBef>
-        <a:buFont typeface="Arial" panose="020B0604020202020204" pitchFamily="34" charset="0"/>
-        <a:buChar char="•"/>
-        <a:defRPr sz="1800" kern="1200">
+        <a:spcAft>
+          <a:spcPts val="0"/>
+        </a:spcAft>
+        <a:buClr>
+          <a:schemeClr val="accent1"/>
+        </a:buClr>
+        <a:buSzPct val="80000"/>
+        <a:buFont typeface="Wingdings 3" charset="2"/>
+        <a:buChar char=""/>
+        <a:defRPr sz="1200" kern="1200">
           <a:solidFill>
-            <a:schemeClr val="tx1"/>
+            <a:schemeClr val="tx1">
+              <a:lumMod val="75000"/>
+              <a:lumOff val="25000"/>
+            </a:schemeClr>
           </a:solidFill>
           <a:latin typeface="+mn-lt"/>
           <a:ea typeface="+mn-ea"/>
           <a:cs typeface="+mn-cs"/>
         </a:defRPr>
       </a:lvl7pPr>
-      <a:lvl8pPr marL="3429000" indent="-228600" algn="l" defTabSz="914400" rtl="0" eaLnBrk="1" latinLnBrk="0" hangingPunct="1">
-        <a:lnSpc>
-          <a:spcPct val="90000"/>
-        </a:lnSpc>
+      <a:lvl8pPr marL="3429000" indent="-228600" algn="l" defTabSz="457200" rtl="0" eaLnBrk="1" latinLnBrk="0" hangingPunct="1">
         <a:spcBef>
-          <a:spcPts val="500"/>
+          <a:spcPts val="1000"/>
         </a:spcBef>
-        <a:buFont typeface="Arial" panose="020B0604020202020204" pitchFamily="34" charset="0"/>
-        <a:buChar char="•"/>
-        <a:defRPr sz="1800" kern="1200">
+        <a:spcAft>
+          <a:spcPts val="0"/>
+        </a:spcAft>
+        <a:buClr>
+          <a:schemeClr val="accent1"/>
+        </a:buClr>
+        <a:buSzPct val="80000"/>
+        <a:buFont typeface="Wingdings 3" charset="2"/>
+        <a:buChar char=""/>
+        <a:defRPr sz="1200" kern="1200">
           <a:solidFill>
-            <a:schemeClr val="tx1"/>
+            <a:schemeClr val="tx1">
+              <a:lumMod val="75000"/>
+              <a:lumOff val="25000"/>
+            </a:schemeClr>
           </a:solidFill>
           <a:latin typeface="+mn-lt"/>
           <a:ea typeface="+mn-ea"/>
           <a:cs typeface="+mn-cs"/>
         </a:defRPr>
       </a:lvl8pPr>
-      <a:lvl9pPr marL="3886200" indent="-228600" algn="l" defTabSz="914400" rtl="0" eaLnBrk="1" latinLnBrk="0" hangingPunct="1">
-        <a:lnSpc>
-          <a:spcPct val="90000"/>
-        </a:lnSpc>
+      <a:lvl9pPr marL="3886200" indent="-228600" algn="l" defTabSz="457200" rtl="0" eaLnBrk="1" latinLnBrk="0" hangingPunct="1">
         <a:spcBef>
-          <a:spcPts val="500"/>
+          <a:spcPts val="1000"/>
         </a:spcBef>
-        <a:buFont typeface="Arial" panose="020B0604020202020204" pitchFamily="34" charset="0"/>
-        <a:buChar char="•"/>
-        <a:defRPr sz="1800" kern="1200">
+        <a:spcAft>
+          <a:spcPts val="0"/>
+        </a:spcAft>
+        <a:buClr>
+          <a:schemeClr val="accent1"/>
+        </a:buClr>
+        <a:buSzPct val="80000"/>
+        <a:buFont typeface="Wingdings 3" charset="2"/>
+        <a:buChar char=""/>
+        <a:defRPr sz="1200" kern="1200">
           <a:solidFill>
-            <a:schemeClr val="tx1"/>
+            <a:schemeClr val="tx1">
+              <a:lumMod val="75000"/>
+              <a:lumOff val="25000"/>
+            </a:schemeClr>
           </a:solidFill>
           <a:latin typeface="+mn-lt"/>
           <a:ea typeface="+mn-ea"/>
@@ -3215,7 +5718,7 @@
       <a:defPPr>
         <a:defRPr lang="en-US"/>
       </a:defPPr>
-      <a:lvl1pPr marL="0" algn="l" defTabSz="914400" rtl="0" eaLnBrk="1" latinLnBrk="0" hangingPunct="1">
+      <a:lvl1pPr marL="0" algn="l" defTabSz="457200" rtl="0" eaLnBrk="1" latinLnBrk="0" hangingPunct="1">
         <a:defRPr sz="1800" kern="1200">
           <a:solidFill>
             <a:schemeClr val="tx1"/>
@@ -3225,7 +5728,7 @@
           <a:cs typeface="+mn-cs"/>
         </a:defRPr>
       </a:lvl1pPr>
-      <a:lvl2pPr marL="457200" algn="l" defTabSz="914400" rtl="0" eaLnBrk="1" latinLnBrk="0" hangingPunct="1">
+      <a:lvl2pPr marL="457200" algn="l" defTabSz="457200" rtl="0" eaLnBrk="1" latinLnBrk="0" hangingPunct="1">
         <a:defRPr sz="1800" kern="1200">
           <a:solidFill>
             <a:schemeClr val="tx1"/>
@@ -3235,7 +5738,7 @@
           <a:cs typeface="+mn-cs"/>
         </a:defRPr>
       </a:lvl2pPr>
-      <a:lvl3pPr marL="914400" algn="l" defTabSz="914400" rtl="0" eaLnBrk="1" latinLnBrk="0" hangingPunct="1">
+      <a:lvl3pPr marL="914400" algn="l" defTabSz="457200" rtl="0" eaLnBrk="1" latinLnBrk="0" hangingPunct="1">
         <a:defRPr sz="1800" kern="1200">
           <a:solidFill>
             <a:schemeClr val="tx1"/>
@@ -3245,7 +5748,7 @@
           <a:cs typeface="+mn-cs"/>
         </a:defRPr>
       </a:lvl3pPr>
-      <a:lvl4pPr marL="1371600" algn="l" defTabSz="914400" rtl="0" eaLnBrk="1" latinLnBrk="0" hangingPunct="1">
+      <a:lvl4pPr marL="1371600" algn="l" defTabSz="457200" rtl="0" eaLnBrk="1" latinLnBrk="0" hangingPunct="1">
         <a:defRPr sz="1800" kern="1200">
           <a:solidFill>
             <a:schemeClr val="tx1"/>
@@ -3255,7 +5758,7 @@
           <a:cs typeface="+mn-cs"/>
         </a:defRPr>
       </a:lvl4pPr>
-      <a:lvl5pPr marL="1828800" algn="l" defTabSz="914400" rtl="0" eaLnBrk="1" latinLnBrk="0" hangingPunct="1">
+      <a:lvl5pPr marL="1828800" algn="l" defTabSz="457200" rtl="0" eaLnBrk="1" latinLnBrk="0" hangingPunct="1">
         <a:defRPr sz="1800" kern="1200">
           <a:solidFill>
             <a:schemeClr val="tx1"/>
@@ -3265,7 +5768,7 @@
           <a:cs typeface="+mn-cs"/>
         </a:defRPr>
       </a:lvl5pPr>
-      <a:lvl6pPr marL="2286000" algn="l" defTabSz="914400" rtl="0" eaLnBrk="1" latinLnBrk="0" hangingPunct="1">
+      <a:lvl6pPr marL="2286000" algn="l" defTabSz="457200" rtl="0" eaLnBrk="1" latinLnBrk="0" hangingPunct="1">
         <a:defRPr sz="1800" kern="1200">
           <a:solidFill>
             <a:schemeClr val="tx1"/>
@@ -3275,7 +5778,7 @@
           <a:cs typeface="+mn-cs"/>
         </a:defRPr>
       </a:lvl6pPr>
-      <a:lvl7pPr marL="2743200" algn="l" defTabSz="914400" rtl="0" eaLnBrk="1" latinLnBrk="0" hangingPunct="1">
+      <a:lvl7pPr marL="2743200" algn="l" defTabSz="457200" rtl="0" eaLnBrk="1" latinLnBrk="0" hangingPunct="1">
         <a:defRPr sz="1800" kern="1200">
           <a:solidFill>
             <a:schemeClr val="tx1"/>
@@ -3285,7 +5788,7 @@
           <a:cs typeface="+mn-cs"/>
         </a:defRPr>
       </a:lvl7pPr>
-      <a:lvl8pPr marL="3200400" algn="l" defTabSz="914400" rtl="0" eaLnBrk="1" latinLnBrk="0" hangingPunct="1">
+      <a:lvl8pPr marL="3200400" algn="l" defTabSz="457200" rtl="0" eaLnBrk="1" latinLnBrk="0" hangingPunct="1">
         <a:defRPr sz="1800" kern="1200">
           <a:solidFill>
             <a:schemeClr val="tx1"/>
@@ -3295,7 +5798,7 @@
           <a:cs typeface="+mn-cs"/>
         </a:defRPr>
       </a:lvl8pPr>
-      <a:lvl9pPr marL="3657600" algn="l" defTabSz="914400" rtl="0" eaLnBrk="1" latinLnBrk="0" hangingPunct="1">
+      <a:lvl9pPr marL="3657600" algn="l" defTabSz="457200" rtl="0" eaLnBrk="1" latinLnBrk="0" hangingPunct="1">
         <a:defRPr sz="1800" kern="1200">
           <a:solidFill>
             <a:schemeClr val="tx1"/>
@@ -3853,7 +6356,7 @@
           <a:lstStyle/>
           <a:p>
             <a:r>
-              <a:rPr lang="en-US" sz="3200" b="1" dirty="0"/>
+              <a:rPr lang="en-US" sz="2800" b="1" dirty="0"/>
               <a:t>Do we have some results from simulations already that we can share? Do they support our hypothesis or suggest any interesting conclusions?</a:t>
             </a:r>
           </a:p>
@@ -3939,9 +6442,16 @@
             <p:ph type="title"/>
           </p:nvPr>
         </p:nvSpPr>
-        <p:spPr/>
-        <p:txBody>
-          <a:bodyPr/>
+        <p:spPr>
+          <a:xfrm>
+            <a:off x="677334" y="609600"/>
+            <a:ext cx="8596668" cy="514350"/>
+          </a:xfrm>
+        </p:spPr>
+        <p:txBody>
+          <a:bodyPr>
+            <a:normAutofit fontScale="90000"/>
+          </a:bodyPr>
           <a:lstStyle/>
           <a:p>
             <a:endParaRPr lang="en-US" dirty="0"/>
@@ -3964,12 +6474,36 @@
             <p:ph idx="1"/>
           </p:nvPr>
         </p:nvSpPr>
-        <p:spPr/>
+        <p:spPr>
+          <a:xfrm>
+            <a:off x="677334" y="609601"/>
+            <a:ext cx="8596668" cy="5431762"/>
+          </a:xfrm>
+        </p:spPr>
         <p:txBody>
           <a:bodyPr/>
           <a:lstStyle/>
           <a:p>
-            <a:endParaRPr lang="en-US" dirty="0"/>
+            <a:pPr marL="0" indent="0">
+              <a:buNone/>
+            </a:pPr>
+            <a:r>
+              <a:rPr lang="en-US" dirty="0"/>
+              <a:t>                                          </a:t>
+            </a:r>
+            <a:r>
+              <a:rPr lang="en-US" sz="9600" dirty="0"/>
+              <a:t>Thank</a:t>
+            </a:r>
+          </a:p>
+          <a:p>
+            <a:pPr marL="0" indent="0">
+              <a:buNone/>
+            </a:pPr>
+            <a:r>
+              <a:rPr lang="en-US" sz="9600" dirty="0"/>
+              <a:t>           You!</a:t>
+            </a:r>
           </a:p>
         </p:txBody>
       </p:sp>
@@ -3987,9 +6521,9 @@
 </file>
 
 <file path=ppt/theme/theme1.xml><?xml version="1.0" encoding="utf-8"?>
-<a:theme xmlns:a="http://schemas.openxmlformats.org/drawingml/2006/main" name="Office Theme">
+<a:theme xmlns:a="http://schemas.openxmlformats.org/drawingml/2006/main" name="Facet">
   <a:themeElements>
-    <a:clrScheme name="Office">
+    <a:clrScheme name="Facet">
       <a:dk1>
         <a:sysClr val="windowText" lastClr="000000"/>
       </a:dk1>
@@ -3997,52 +6531,52 @@
         <a:sysClr val="window" lastClr="FFFFFF"/>
       </a:lt1>
       <a:dk2>
-        <a:srgbClr val="44546A"/>
+        <a:srgbClr val="2C3C43"/>
       </a:dk2>
       <a:lt2>
-        <a:srgbClr val="E7E6E6"/>
+        <a:srgbClr val="EBEBEB"/>
       </a:lt2>
       <a:accent1>
-        <a:srgbClr val="4472C4"/>
+        <a:srgbClr val="90C226"/>
       </a:accent1>
       <a:accent2>
-        <a:srgbClr val="ED7D31"/>
+        <a:srgbClr val="54A021"/>
       </a:accent2>
       <a:accent3>
-        <a:srgbClr val="A5A5A5"/>
+        <a:srgbClr val="E6B91E"/>
       </a:accent3>
       <a:accent4>
-        <a:srgbClr val="FFC000"/>
+        <a:srgbClr val="E76618"/>
       </a:accent4>
       <a:accent5>
-        <a:srgbClr val="5B9BD5"/>
+        <a:srgbClr val="C42F1A"/>
       </a:accent5>
       <a:accent6>
-        <a:srgbClr val="70AD47"/>
+        <a:srgbClr val="918655"/>
       </a:accent6>
       <a:hlink>
-        <a:srgbClr val="0563C1"/>
+        <a:srgbClr val="99CA3C"/>
       </a:hlink>
       <a:folHlink>
-        <a:srgbClr val="954F72"/>
+        <a:srgbClr val="B9D181"/>
       </a:folHlink>
     </a:clrScheme>
-    <a:fontScheme name="Office">
+    <a:fontScheme name="Facet">
       <a:majorFont>
-        <a:latin typeface="Calibri Light" panose="020F0302020204030204"/>
+        <a:latin typeface="Trebuchet MS" panose="020B0603020202020204"/>
         <a:ea typeface=""/>
         <a:cs typeface=""/>
-        <a:font script="Jpan" typeface="游ゴシック Light"/>
+        <a:font script="Jpan" typeface="メイリオ"/>
         <a:font script="Hang" typeface="맑은 고딕"/>
-        <a:font script="Hans" typeface="等线 Light"/>
-        <a:font script="Hant" typeface="新細明體"/>
-        <a:font script="Arab" typeface="Times New Roman"/>
-        <a:font script="Hebr" typeface="Times New Roman"/>
-        <a:font script="Thai" typeface="Angsana New"/>
+        <a:font script="Hans" typeface="方正姚体"/>
+        <a:font script="Hant" typeface="微軟正黑體"/>
+        <a:font script="Arab" typeface="Tahoma"/>
+        <a:font script="Hebr" typeface="Arial"/>
+        <a:font script="Thai" typeface="Cordia New"/>
         <a:font script="Ethi" typeface="Nyala"/>
         <a:font script="Beng" typeface="Vrinda"/>
         <a:font script="Gujr" typeface="Shruti"/>
-        <a:font script="Khmr" typeface="MoolBoran"/>
+        <a:font script="Khmr" typeface="DaunPenh"/>
         <a:font script="Knda" typeface="Tunga"/>
         <a:font script="Guru" typeface="Raavi"/>
         <a:font script="Cans" typeface="Euphemia"/>
@@ -4059,38 +6593,21 @@
         <a:font script="Laoo" typeface="DokChampa"/>
         <a:font script="Sinh" typeface="Iskoola Pota"/>
         <a:font script="Mong" typeface="Mongolian Baiti"/>
-        <a:font script="Viet" typeface="Times New Roman"/>
+        <a:font script="Viet" typeface="Tahoma"/>
         <a:font script="Uigh" typeface="Microsoft Uighur"/>
         <a:font script="Geor" typeface="Sylfaen"/>
-        <a:font script="Armn" typeface="Arial"/>
-        <a:font script="Bugi" typeface="Leelawadee UI"/>
-        <a:font script="Bopo" typeface="Microsoft JhengHei"/>
-        <a:font script="Java" typeface="Javanese Text"/>
-        <a:font script="Lisu" typeface="Segoe UI"/>
-        <a:font script="Mymr" typeface="Myanmar Text"/>
-        <a:font script="Nkoo" typeface="Ebrima"/>
-        <a:font script="Olck" typeface="Nirmala UI"/>
-        <a:font script="Osma" typeface="Ebrima"/>
-        <a:font script="Phag" typeface="Phagspa"/>
-        <a:font script="Syrn" typeface="Estrangelo Edessa"/>
-        <a:font script="Syrj" typeface="Estrangelo Edessa"/>
-        <a:font script="Syre" typeface="Estrangelo Edessa"/>
-        <a:font script="Sora" typeface="Nirmala UI"/>
-        <a:font script="Tale" typeface="Microsoft Tai Le"/>
-        <a:font script="Talu" typeface="Microsoft New Tai Lue"/>
-        <a:font script="Tfng" typeface="Ebrima"/>
       </a:majorFont>
       <a:minorFont>
-        <a:latin typeface="Calibri" panose="020F0502020204030204"/>
+        <a:latin typeface="Trebuchet MS" panose="020B0603020202020204"/>
         <a:ea typeface=""/>
         <a:cs typeface=""/>
-        <a:font script="Jpan" typeface="游ゴシック"/>
-        <a:font script="Hang" typeface="맑은 고딕"/>
-        <a:font script="Hans" typeface="等线"/>
-        <a:font script="Hant" typeface="新細明體"/>
-        <a:font script="Arab" typeface="Arial"/>
-        <a:font script="Hebr" typeface="Arial"/>
-        <a:font script="Thai" typeface="Cordia New"/>
+        <a:font script="Jpan" typeface="メイリオ"/>
+        <a:font script="Hang" typeface="HY그래픽M"/>
+        <a:font script="Hans" typeface="华文新魏"/>
+        <a:font script="Hant" typeface="微軟正黑體"/>
+        <a:font script="Arab" typeface="Tahoma"/>
+        <a:font script="Hebr" typeface="Gisha"/>
+        <a:font script="Thai" typeface="IrisUPC"/>
         <a:font script="Ethi" typeface="Nyala"/>
         <a:font script="Beng" typeface="Vrinda"/>
         <a:font script="Gujr" typeface="Shruti"/>
@@ -4114,26 +6631,9 @@
         <a:font script="Viet" typeface="Arial"/>
         <a:font script="Uigh" typeface="Microsoft Uighur"/>
         <a:font script="Geor" typeface="Sylfaen"/>
-        <a:font script="Armn" typeface="Arial"/>
-        <a:font script="Bugi" typeface="Leelawadee UI"/>
-        <a:font script="Bopo" typeface="Microsoft JhengHei"/>
-        <a:font script="Java" typeface="Javanese Text"/>
-        <a:font script="Lisu" typeface="Segoe UI"/>
-        <a:font script="Mymr" typeface="Myanmar Text"/>
-        <a:font script="Nkoo" typeface="Ebrima"/>
-        <a:font script="Olck" typeface="Nirmala UI"/>
-        <a:font script="Osma" typeface="Ebrima"/>
-        <a:font script="Phag" typeface="Phagspa"/>
-        <a:font script="Syrn" typeface="Estrangelo Edessa"/>
-        <a:font script="Syrj" typeface="Estrangelo Edessa"/>
-        <a:font script="Syre" typeface="Estrangelo Edessa"/>
-        <a:font script="Sora" typeface="Nirmala UI"/>
-        <a:font script="Tale" typeface="Microsoft Tai Le"/>
-        <a:font script="Talu" typeface="Microsoft New Tai Lue"/>
-        <a:font script="Tfng" typeface="Ebrima"/>
       </a:minorFont>
     </a:fontScheme>
-    <a:fmtScheme name="Office">
+    <a:fmtScheme name="Facet">
       <a:fillStyleLst>
         <a:solidFill>
           <a:schemeClr val="phClr"/>
@@ -4142,23 +6642,13 @@
           <a:gsLst>
             <a:gs pos="0">
               <a:schemeClr val="phClr">
+                <a:tint val="65000"/>
                 <a:lumMod val="110000"/>
-                <a:satMod val="105000"/>
-                <a:tint val="67000"/>
               </a:schemeClr>
             </a:gs>
-            <a:gs pos="50000">
+            <a:gs pos="88000">
               <a:schemeClr val="phClr">
-                <a:lumMod val="105000"/>
-                <a:satMod val="103000"/>
-                <a:tint val="73000"/>
-              </a:schemeClr>
-            </a:gs>
-            <a:gs pos="100000">
-              <a:schemeClr val="phClr">
-                <a:lumMod val="105000"/>
-                <a:satMod val="109000"/>
-                <a:tint val="81000"/>
+                <a:tint val="90000"/>
               </a:schemeClr>
             </a:gs>
           </a:gsLst>
@@ -4168,23 +6658,14 @@
           <a:gsLst>
             <a:gs pos="0">
               <a:schemeClr val="phClr">
-                <a:satMod val="103000"/>
-                <a:lumMod val="102000"/>
-                <a:tint val="94000"/>
+                <a:tint val="96000"/>
+                <a:lumMod val="100000"/>
               </a:schemeClr>
             </a:gs>
-            <a:gs pos="50000">
+            <a:gs pos="78000">
               <a:schemeClr val="phClr">
-                <a:satMod val="110000"/>
-                <a:lumMod val="100000"/>
-                <a:shade val="100000"/>
-              </a:schemeClr>
-            </a:gs>
-            <a:gs pos="100000">
-              <a:schemeClr val="phClr">
-                <a:lumMod val="99000"/>
-                <a:satMod val="120000"/>
-                <a:shade val="78000"/>
+                <a:shade val="94000"/>
+                <a:lumMod val="94000"/>
               </a:schemeClr>
             </a:gs>
           </a:gsLst>
@@ -4192,26 +6673,23 @@
         </a:gradFill>
       </a:fillStyleLst>
       <a:lnStyleLst>
-        <a:ln w="6350" cap="flat" cmpd="sng" algn="ctr">
+        <a:ln w="12700" cap="rnd" cmpd="sng" algn="ctr">
           <a:solidFill>
             <a:schemeClr val="phClr"/>
           </a:solidFill>
           <a:prstDash val="solid"/>
-          <a:miter lim="800000"/>
         </a:ln>
-        <a:ln w="12700" cap="flat" cmpd="sng" algn="ctr">
+        <a:ln w="19050" cap="rnd" cmpd="sng" algn="ctr">
           <a:solidFill>
             <a:schemeClr val="phClr"/>
           </a:solidFill>
           <a:prstDash val="solid"/>
-          <a:miter lim="800000"/>
         </a:ln>
-        <a:ln w="19050" cap="flat" cmpd="sng" algn="ctr">
+        <a:ln w="25400" cap="rnd" cmpd="sng" algn="ctr">
           <a:solidFill>
             <a:schemeClr val="phClr"/>
           </a:solidFill>
           <a:prstDash val="solid"/>
-          <a:miter lim="800000"/>
         </a:ln>
       </a:lnStyleLst>
       <a:effectStyleLst>
@@ -4219,54 +6697,72 @@
           <a:effectLst/>
         </a:effectStyle>
         <a:effectStyle>
-          <a:effectLst/>
+          <a:effectLst>
+            <a:outerShdw blurRad="38100" dist="25400" dir="5400000" rotWithShape="0">
+              <a:srgbClr val="000000">
+                <a:alpha val="35000"/>
+              </a:srgbClr>
+            </a:outerShdw>
+          </a:effectLst>
         </a:effectStyle>
         <a:effectStyle>
           <a:effectLst>
-            <a:outerShdw blurRad="57150" dist="19050" dir="5400000" algn="ctr" rotWithShape="0">
+            <a:outerShdw blurRad="50800" dist="38100" dir="5400000" rotWithShape="0">
               <a:srgbClr val="000000">
-                <a:alpha val="63000"/>
+                <a:alpha val="35000"/>
               </a:srgbClr>
             </a:outerShdw>
           </a:effectLst>
+          <a:scene3d>
+            <a:camera prst="orthographicFront">
+              <a:rot lat="0" lon="0" rev="0"/>
+            </a:camera>
+            <a:lightRig rig="threePt" dir="tl"/>
+          </a:scene3d>
+          <a:sp3d prstMaterial="plastic">
+            <a:bevelT w="0" h="0"/>
+          </a:sp3d>
         </a:effectStyle>
       </a:effectStyleLst>
       <a:bgFillStyleLst>
         <a:solidFill>
           <a:schemeClr val="phClr"/>
         </a:solidFill>
-        <a:solidFill>
-          <a:schemeClr val="phClr">
-            <a:tint val="95000"/>
-            <a:satMod val="170000"/>
-          </a:schemeClr>
-        </a:solidFill>
         <a:gradFill rotWithShape="1">
           <a:gsLst>
             <a:gs pos="0">
               <a:schemeClr val="phClr">
-                <a:tint val="93000"/>
-                <a:satMod val="150000"/>
-                <a:shade val="98000"/>
-                <a:lumMod val="102000"/>
+                <a:tint val="90000"/>
+                <a:lumMod val="104000"/>
               </a:schemeClr>
             </a:gs>
-            <a:gs pos="50000">
+            <a:gs pos="94000">
               <a:schemeClr val="phClr">
-                <a:tint val="98000"/>
-                <a:satMod val="130000"/>
-                <a:shade val="90000"/>
-                <a:lumMod val="103000"/>
+                <a:shade val="96000"/>
+                <a:lumMod val="82000"/>
+              </a:schemeClr>
+            </a:gs>
+          </a:gsLst>
+          <a:lin ang="5400000" scaled="0"/>
+        </a:gradFill>
+        <a:gradFill rotWithShape="1">
+          <a:gsLst>
+            <a:gs pos="0">
+              <a:schemeClr val="phClr">
+                <a:tint val="90000"/>
+                <a:lumMod val="110000"/>
               </a:schemeClr>
             </a:gs>
             <a:gs pos="100000">
               <a:schemeClr val="phClr">
-                <a:shade val="63000"/>
-                <a:satMod val="120000"/>
+                <a:shade val="94000"/>
+                <a:lumMod val="96000"/>
               </a:schemeClr>
             </a:gs>
           </a:gsLst>
-          <a:lin ang="5400000" scaled="0"/>
+          <a:path path="circle">
+            <a:fillToRect l="50000" t="50000" r="100000" b="100000"/>
+          </a:path>
         </a:gradFill>
       </a:bgFillStyleLst>
     </a:fmtScheme>
@@ -4275,7 +6771,7 @@
   <a:extraClrSchemeLst/>
   <a:extLst>
     <a:ext uri="{05A4C25C-085E-4340-85A3-A5531E510DB2}">
-      <thm15:themeFamily xmlns:thm15="http://schemas.microsoft.com/office/thememl/2012/main" name="Office Theme" id="{62F939B6-93AF-4DB8-9C6B-D6C7DFDC589F}" vid="{4A3C46E8-61CC-4603-A589-7422A47A8E4A}"/>
+      <thm15:themeFamily xmlns:thm15="http://schemas.microsoft.com/office/thememl/2012/main" name="Facet" id="{C0C680CD-088A-49FC-A102-D699147F32B2}" vid="{CFBC31BA-B70F-4F30-BCAA-4F3011E16C4D}"/>
     </a:ext>
   </a:extLst>
 </a:theme>
